--- a/4일차/4일 1강 반복문 for (Lesson6).pptx
+++ b/4일차/4일 1강 반복문 for (Lesson6).pptx
@@ -12,23 +12,29 @@
     <p:sldId id="260" r:id="rId6"/>
     <p:sldId id="261" r:id="rId7"/>
     <p:sldId id="262" r:id="rId8"/>
-    <p:sldId id="263" r:id="rId9"/>
-    <p:sldId id="264" r:id="rId10"/>
-    <p:sldId id="265" r:id="rId11"/>
-    <p:sldId id="266" r:id="rId12"/>
-    <p:sldId id="267" r:id="rId13"/>
-    <p:sldId id="268" r:id="rId14"/>
-    <p:sldId id="269" r:id="rId15"/>
-    <p:sldId id="270" r:id="rId16"/>
-    <p:sldId id="271" r:id="rId17"/>
-    <p:sldId id="272" r:id="rId18"/>
-    <p:sldId id="273" r:id="rId19"/>
-    <p:sldId id="274" r:id="rId20"/>
-    <p:sldId id="275" r:id="rId21"/>
-    <p:sldId id="276" r:id="rId22"/>
-    <p:sldId id="277" r:id="rId23"/>
-    <p:sldId id="278" r:id="rId24"/>
-    <p:sldId id="279" r:id="rId25"/>
+    <p:sldId id="280" r:id="rId9"/>
+    <p:sldId id="263" r:id="rId10"/>
+    <p:sldId id="264" r:id="rId11"/>
+    <p:sldId id="265" r:id="rId12"/>
+    <p:sldId id="266" r:id="rId13"/>
+    <p:sldId id="267" r:id="rId14"/>
+    <p:sldId id="268" r:id="rId15"/>
+    <p:sldId id="269" r:id="rId16"/>
+    <p:sldId id="282" r:id="rId17"/>
+    <p:sldId id="270" r:id="rId18"/>
+    <p:sldId id="271" r:id="rId19"/>
+    <p:sldId id="272" r:id="rId20"/>
+    <p:sldId id="273" r:id="rId21"/>
+    <p:sldId id="274" r:id="rId22"/>
+    <p:sldId id="275" r:id="rId23"/>
+    <p:sldId id="276" r:id="rId24"/>
+    <p:sldId id="277" r:id="rId25"/>
+    <p:sldId id="278" r:id="rId26"/>
+    <p:sldId id="283" r:id="rId27"/>
+    <p:sldId id="284" r:id="rId28"/>
+    <p:sldId id="285" r:id="rId29"/>
+    <p:sldId id="286" r:id="rId30"/>
+    <p:sldId id="279" r:id="rId31"/>
   </p:sldIdLst>
   <p:sldSz cx="9144000" cy="6858000" type="screen4x3"/>
   <p:notesSz cx="6858000" cy="9144000"/>
@@ -335,7 +341,7 @@
               <a:pPr>
                 <a:defRPr lang="ko-KR" altLang="en-US"/>
               </a:pPr>
-              <a:t>2018-01-26</a:t>
+              <a:t>2018-08-21</a:t>
             </a:fld>
             <a:endParaRPr lang="ko-KR" altLang="en-US"/>
           </a:p>
@@ -482,7 +488,7 @@
               <a:pPr>
                 <a:defRPr lang="ko-KR" altLang="en-US"/>
               </a:pPr>
-              <a:t>2018-01-26</a:t>
+              <a:t>2018-08-21</a:t>
             </a:fld>
             <a:endParaRPr lang="ko-KR" altLang="en-US"/>
           </a:p>
@@ -739,7 +745,7 @@
               <a:pPr>
                 <a:defRPr lang="ko-KR" altLang="en-US"/>
               </a:pPr>
-              <a:t>2018-01-26</a:t>
+              <a:t>2018-08-21</a:t>
             </a:fld>
             <a:endParaRPr lang="ko-KR" altLang="en-US"/>
           </a:p>
@@ -1097,7 +1103,7 @@
               <a:pPr>
                 <a:defRPr lang="ko-KR" altLang="en-US"/>
               </a:pPr>
-              <a:t>2018-01-26</a:t>
+              <a:t>2018-08-21</a:t>
             </a:fld>
             <a:endParaRPr lang="ko-KR" altLang="en-US"/>
           </a:p>
@@ -1445,7 +1451,7 @@
               <a:pPr>
                 <a:defRPr lang="ko-KR" altLang="en-US"/>
               </a:pPr>
-              <a:t>2018-01-26</a:t>
+              <a:t>2018-08-21</a:t>
             </a:fld>
             <a:endParaRPr lang="ko-KR" altLang="en-US"/>
           </a:p>
@@ -1577,7 +1583,7 @@
               <a:pPr>
                 <a:defRPr lang="ko-KR" altLang="en-US"/>
               </a:pPr>
-              <a:t>2018-01-26</a:t>
+              <a:t>2018-08-21</a:t>
             </a:fld>
             <a:endParaRPr lang="ko-KR" altLang="en-US"/>
           </a:p>
@@ -1683,7 +1689,7 @@
               <a:pPr>
                 <a:defRPr lang="ko-KR" altLang="en-US"/>
               </a:pPr>
-              <a:t>2018-01-26</a:t>
+              <a:t>2018-08-21</a:t>
             </a:fld>
             <a:endParaRPr lang="ko-KR" altLang="en-US"/>
           </a:p>
@@ -2164,7 +2170,7 @@
               <a:pPr>
                 <a:defRPr lang="ko-KR" altLang="en-US"/>
               </a:pPr>
-              <a:t>2018-01-26</a:t>
+              <a:t>2018-08-21</a:t>
             </a:fld>
             <a:endParaRPr lang="ko-KR" altLang="en-US"/>
           </a:p>
@@ -2424,7 +2430,7 @@
               <a:pPr>
                 <a:defRPr lang="ko-KR" altLang="en-US"/>
               </a:pPr>
-              <a:t>2018-01-26</a:t>
+              <a:t>2018-08-21</a:t>
             </a:fld>
             <a:endParaRPr lang="ko-KR" altLang="en-US"/>
           </a:p>
@@ -2700,7 +2706,7 @@
               <a:pPr>
                 <a:defRPr lang="ko-KR" altLang="en-US"/>
               </a:pPr>
-              <a:t>2018-01-26</a:t>
+              <a:t>2018-08-21</a:t>
             </a:fld>
             <a:endParaRPr lang="ko-KR" altLang="en-US"/>
           </a:p>
@@ -3231,7 +3237,7 @@
               <a:pPr>
                 <a:defRPr lang="ko-KR" altLang="en-US"/>
               </a:pPr>
-              <a:t>2018-01-26</a:t>
+              <a:t>2018-08-21</a:t>
             </a:fld>
             <a:endParaRPr lang="ko-KR" altLang="en-US"/>
           </a:p>
@@ -3676,7 +3682,7 @@
               <a:pPr>
                 <a:defRPr lang="ko-KR" altLang="en-US"/>
               </a:pPr>
-              <a:t>2018-01-26</a:t>
+              <a:t>2018-08-21</a:t>
             </a:fld>
             <a:endParaRPr lang="ko-KR" altLang="en-US"/>
           </a:p>
@@ -4027,7 +4033,7 @@
               <a:pPr>
                 <a:defRPr lang="ko-KR" altLang="en-US"/>
               </a:pPr>
-              <a:t>2018-01-26</a:t>
+              <a:t>2018-08-21</a:t>
             </a:fld>
             <a:endParaRPr lang="ko-KR" altLang="en-US"/>
           </a:p>
@@ -4718,6 +4724,2710 @@
           <a:chExt cx="0" cy="0"/>
         </a:xfrm>
       </p:grpSpPr>
+      <p:sp>
+        <p:nvSpPr>
+          <p:cNvPr id="2" name="TextBox 1"/>
+          <p:cNvSpPr txBox="1"/>
+          <p:nvPr/>
+        </p:nvSpPr>
+        <p:spPr>
+          <a:xfrm>
+            <a:off x="357158" y="928670"/>
+            <a:ext cx="8215370" cy="646331"/>
+          </a:xfrm>
+          <a:prstGeom prst="rect">
+            <a:avLst/>
+          </a:prstGeom>
+          <a:noFill/>
+        </p:spPr>
+        <p:txBody>
+          <a:bodyPr wrap="square">
+            <a:spAutoFit/>
+          </a:bodyPr>
+          <a:lstStyle/>
+          <a:p>
+            <a:pPr lvl="0">
+              <a:defRPr lang="ko-KR" altLang="en-US"/>
+            </a:pPr>
+            <a:r>
+              <a:rPr lang="en-US" altLang="ko-KR">
+                <a:latin typeface="HY강B"/>
+                <a:ea typeface="HY강B"/>
+              </a:rPr>
+              <a:t>for( i=1 ; i&lt;=5 ; i++ ) </a:t>
+            </a:r>
+            <a:r>
+              <a:rPr lang="ko-KR" altLang="en-US">
+                <a:latin typeface="HY강B"/>
+                <a:ea typeface="HY강B"/>
+              </a:rPr>
+              <a:t>에서 </a:t>
+            </a:r>
+            <a:r>
+              <a:rPr lang="en-US" altLang="ko-KR">
+                <a:latin typeface="HY강B"/>
+                <a:ea typeface="HY강B"/>
+              </a:rPr>
+              <a:t>i</a:t>
+            </a:r>
+            <a:r>
+              <a:rPr lang="ko-KR" altLang="en-US">
+                <a:latin typeface="HY강B"/>
+                <a:ea typeface="HY강B"/>
+              </a:rPr>
+              <a:t>가 </a:t>
+            </a:r>
+            <a:r>
+              <a:rPr lang="en-US" altLang="ko-KR">
+                <a:latin typeface="HY강B"/>
+                <a:ea typeface="HY강B"/>
+              </a:rPr>
+              <a:t>1</a:t>
+            </a:r>
+            <a:r>
+              <a:rPr lang="ko-KR" altLang="en-US">
+                <a:latin typeface="HY강B"/>
+                <a:ea typeface="HY강B"/>
+              </a:rPr>
+              <a:t>에서부터 </a:t>
+            </a:r>
+            <a:r>
+              <a:rPr lang="en-US" altLang="ko-KR">
+                <a:latin typeface="HY강B"/>
+                <a:ea typeface="HY강B"/>
+              </a:rPr>
+              <a:t>1</a:t>
+            </a:r>
+            <a:r>
+              <a:rPr lang="ko-KR" altLang="en-US">
+                <a:latin typeface="HY강B"/>
+                <a:ea typeface="HY강B"/>
+              </a:rPr>
+              <a:t>씩 증가하여 </a:t>
+            </a:r>
+            <a:r>
+              <a:rPr lang="en-US" altLang="ko-KR">
+                <a:latin typeface="HY강B"/>
+                <a:ea typeface="HY강B"/>
+              </a:rPr>
+              <a:t>5</a:t>
+            </a:r>
+            <a:r>
+              <a:rPr lang="ko-KR" altLang="en-US">
+                <a:latin typeface="HY강B"/>
+                <a:ea typeface="HY강B"/>
+              </a:rPr>
+              <a:t>까지 변하므로 </a:t>
+            </a:r>
+            <a:r>
+              <a:rPr lang="en-US" altLang="ko-KR">
+                <a:latin typeface="HY강B"/>
+                <a:ea typeface="HY강B"/>
+              </a:rPr>
+              <a:t>5</a:t>
+            </a:r>
+            <a:r>
+              <a:rPr lang="ko-KR" altLang="en-US">
+                <a:latin typeface="HY강B"/>
+                <a:ea typeface="HY강B"/>
+              </a:rPr>
+              <a:t>번 순환 하게 된다</a:t>
+            </a:r>
+            <a:r>
+              <a:rPr lang="en-US" altLang="ko-KR">
+                <a:latin typeface="HY강B"/>
+                <a:ea typeface="HY강B"/>
+              </a:rPr>
+              <a:t>. </a:t>
+            </a:r>
+            <a:r>
+              <a:rPr lang="ko-KR" altLang="en-US">
+                <a:latin typeface="HY강B"/>
+                <a:ea typeface="HY강B"/>
+              </a:rPr>
+              <a:t>매 회전마다의 변화를 그림으로 나타내면 다음과 같다</a:t>
+            </a:r>
+            <a:r>
+              <a:rPr lang="en-US" altLang="ko-KR">
+                <a:latin typeface="HY강B"/>
+                <a:ea typeface="HY강B"/>
+              </a:rPr>
+              <a:t>.</a:t>
+            </a:r>
+            <a:endParaRPr lang="ko-KR" altLang="en-US">
+              <a:latin typeface="HY강B"/>
+              <a:ea typeface="HY강B"/>
+            </a:endParaRPr>
+          </a:p>
+        </p:txBody>
+      </p:sp>
+      <p:graphicFrame>
+        <p:nvGraphicFramePr>
+          <p:cNvPr id="3" name="표 2"/>
+          <p:cNvGraphicFramePr>
+            <a:graphicFrameLocks noGrp="1"/>
+          </p:cNvGraphicFramePr>
+          <p:nvPr/>
+        </p:nvGraphicFramePr>
+        <p:xfrm>
+          <a:off x="857224" y="1975104"/>
+          <a:ext cx="7429551" cy="3882789"/>
+        </p:xfrm>
+        <a:graphic>
+          <a:graphicData uri="http://schemas.openxmlformats.org/drawingml/2006/table">
+            <a:tbl>
+              <a:tblPr/>
+              <a:tblGrid>
+                <a:gridCol w="919480">
+                  <a:extLst>
+                    <a:ext uri="{9D8B030D-6E8A-4147-A177-3AD203B41FA5}">
+                      <a16:colId xmlns:a16="http://schemas.microsoft.com/office/drawing/2014/main" val="20000"/>
+                    </a:ext>
+                  </a:extLst>
+                </a:gridCol>
+                <a:gridCol w="1512345">
+                  <a:extLst>
+                    <a:ext uri="{9D8B030D-6E8A-4147-A177-3AD203B41FA5}">
+                      <a16:colId xmlns:a16="http://schemas.microsoft.com/office/drawing/2014/main" val="20001"/>
+                    </a:ext>
+                  </a:extLst>
+                </a:gridCol>
+                <a:gridCol w="1348941">
+                  <a:extLst>
+                    <a:ext uri="{9D8B030D-6E8A-4147-A177-3AD203B41FA5}">
+                      <a16:colId xmlns:a16="http://schemas.microsoft.com/office/drawing/2014/main" val="20002"/>
+                    </a:ext>
+                  </a:extLst>
+                </a:gridCol>
+                <a:gridCol w="1672510">
+                  <a:extLst>
+                    <a:ext uri="{9D8B030D-6E8A-4147-A177-3AD203B41FA5}">
+                      <a16:colId xmlns:a16="http://schemas.microsoft.com/office/drawing/2014/main" val="20003"/>
+                    </a:ext>
+                  </a:extLst>
+                </a:gridCol>
+                <a:gridCol w="1976275">
+                  <a:extLst>
+                    <a:ext uri="{9D8B030D-6E8A-4147-A177-3AD203B41FA5}">
+                      <a16:colId xmlns:a16="http://schemas.microsoft.com/office/drawing/2014/main" val="20004"/>
+                    </a:ext>
+                  </a:extLst>
+                </a:gridCol>
+              </a:tblGrid>
+              <a:tr h="805862">
+                <a:tc>
+                  <a:txBody>
+                    <a:bodyPr/>
+                    <a:lstStyle/>
+                    <a:p>
+                      <a:pPr marL="0" algn="ctr">
+                        <a:lnSpc>
+                          <a:spcPct val="160000"/>
+                        </a:lnSpc>
+                        <a:spcBef>
+                          <a:spcPts val="0"/>
+                        </a:spcBef>
+                        <a:spcAft>
+                          <a:spcPts val="0"/>
+                        </a:spcAft>
+                        <a:defRPr lang="ko-KR" altLang="en-US"/>
+                      </a:pPr>
+                      <a:r>
+                        <a:rPr lang="ko-KR" altLang="en-US" sz="1400" b="1">
+                          <a:solidFill>
+                            <a:srgbClr val="000000"/>
+                          </a:solidFill>
+                          <a:latin typeface="굴림체"/>
+                        </a:rPr>
+                        <a:t>회전수</a:t>
+                      </a:r>
+                      <a:endParaRPr lang="ko-KR" altLang="en-US" sz="1400">
+                        <a:solidFill>
+                          <a:srgbClr val="000000"/>
+                        </a:solidFill>
+                        <a:latin typeface="바탕"/>
+                      </a:endParaRPr>
+                    </a:p>
+                  </a:txBody>
+                  <a:tcPr anchor="ctr">
+                    <a:lnL w="3556" cap="flat" cmpd="sng" algn="ctr">
+                      <a:solidFill>
+                        <a:srgbClr val="000000"/>
+                      </a:solidFill>
+                      <a:prstDash val="solid"/>
+                      <a:round/>
+                    </a:lnL>
+                    <a:lnR w="3556" cap="flat" cmpd="sng" algn="ctr">
+                      <a:solidFill>
+                        <a:srgbClr val="000000"/>
+                      </a:solidFill>
+                      <a:prstDash val="solid"/>
+                      <a:round/>
+                    </a:lnR>
+                    <a:lnT w="3556" cap="flat" cmpd="sng" algn="ctr">
+                      <a:solidFill>
+                        <a:srgbClr val="000000"/>
+                      </a:solidFill>
+                      <a:prstDash val="solid"/>
+                      <a:round/>
+                    </a:lnT>
+                    <a:lnB w="3556" cap="flat" cmpd="sng" algn="ctr">
+                      <a:solidFill>
+                        <a:srgbClr val="000000"/>
+                      </a:solidFill>
+                      <a:prstDash val="solid"/>
+                      <a:round/>
+                    </a:lnB>
+                    <a:solidFill>
+                      <a:schemeClr val="accent1">
+                        <a:lumMod val="60000"/>
+                        <a:lumOff val="40000"/>
+                      </a:schemeClr>
+                    </a:solidFill>
+                  </a:tcPr>
+                </a:tc>
+                <a:tc>
+                  <a:txBody>
+                    <a:bodyPr/>
+                    <a:lstStyle/>
+                    <a:p>
+                      <a:pPr marL="0" algn="ctr">
+                        <a:lnSpc>
+                          <a:spcPct val="160000"/>
+                        </a:lnSpc>
+                        <a:spcBef>
+                          <a:spcPts val="0"/>
+                        </a:spcBef>
+                        <a:spcAft>
+                          <a:spcPts val="0"/>
+                        </a:spcAft>
+                        <a:defRPr lang="ko-KR" altLang="en-US"/>
+                      </a:pPr>
+                      <a:r>
+                        <a:rPr lang="en-US" sz="1400" b="1">
+                          <a:solidFill>
+                            <a:srgbClr val="000000"/>
+                          </a:solidFill>
+                          <a:latin typeface="굴림체"/>
+                          <a:ea typeface="굴림체"/>
+                        </a:rPr>
+                        <a:t>i </a:t>
+                      </a:r>
+                      <a:r>
+                        <a:rPr lang="ko-KR" altLang="en-US" sz="1400" b="1">
+                          <a:solidFill>
+                            <a:srgbClr val="000000"/>
+                          </a:solidFill>
+                          <a:latin typeface="굴림체"/>
+                          <a:ea typeface="굴림체"/>
+                        </a:rPr>
+                        <a:t>변수의 값</a:t>
+                      </a:r>
+                      <a:endParaRPr lang="ko-KR" altLang="en-US" sz="1400">
+                        <a:solidFill>
+                          <a:srgbClr val="000000"/>
+                        </a:solidFill>
+                        <a:latin typeface="바탕"/>
+                      </a:endParaRPr>
+                    </a:p>
+                  </a:txBody>
+                  <a:tcPr anchor="ctr">
+                    <a:lnL w="3556" cap="flat" cmpd="sng" algn="ctr">
+                      <a:solidFill>
+                        <a:srgbClr val="000000"/>
+                      </a:solidFill>
+                      <a:prstDash val="solid"/>
+                      <a:round/>
+                    </a:lnL>
+                    <a:lnR w="3556" cap="flat" cmpd="sng" algn="ctr">
+                      <a:solidFill>
+                        <a:srgbClr val="000000"/>
+                      </a:solidFill>
+                      <a:prstDash val="solid"/>
+                      <a:round/>
+                    </a:lnR>
+                    <a:lnT w="3556" cap="flat" cmpd="sng" algn="ctr">
+                      <a:solidFill>
+                        <a:srgbClr val="000000"/>
+                      </a:solidFill>
+                      <a:prstDash val="solid"/>
+                      <a:round/>
+                    </a:lnT>
+                    <a:lnB w="3556" cap="flat" cmpd="sng" algn="ctr">
+                      <a:solidFill>
+                        <a:srgbClr val="000000"/>
+                      </a:solidFill>
+                      <a:prstDash val="solid"/>
+                      <a:round/>
+                    </a:lnB>
+                    <a:solidFill>
+                      <a:schemeClr val="accent1">
+                        <a:lumMod val="60000"/>
+                        <a:lumOff val="40000"/>
+                      </a:schemeClr>
+                    </a:solidFill>
+                  </a:tcPr>
+                </a:tc>
+                <a:tc gridSpan="2">
+                  <a:txBody>
+                    <a:bodyPr/>
+                    <a:lstStyle/>
+                    <a:p>
+                      <a:pPr marL="0" algn="ctr">
+                        <a:lnSpc>
+                          <a:spcPct val="160000"/>
+                        </a:lnSpc>
+                        <a:spcBef>
+                          <a:spcPts val="0"/>
+                        </a:spcBef>
+                        <a:spcAft>
+                          <a:spcPts val="0"/>
+                        </a:spcAft>
+                        <a:defRPr lang="ko-KR" altLang="en-US"/>
+                      </a:pPr>
+                      <a:r>
+                        <a:rPr lang="ko-KR" altLang="en-US" sz="1400" b="1">
+                          <a:solidFill>
+                            <a:srgbClr val="000000"/>
+                          </a:solidFill>
+                          <a:latin typeface="굴림체"/>
+                        </a:rPr>
+                        <a:t>조건</a:t>
+                      </a:r>
+                      <a:r>
+                        <a:rPr lang="en-US" altLang="ko-KR" sz="1400" b="1">
+                          <a:solidFill>
+                            <a:srgbClr val="000000"/>
+                          </a:solidFill>
+                          <a:latin typeface="굴림체"/>
+                        </a:rPr>
+                        <a:t>( </a:t>
+                      </a:r>
+                      <a:r>
+                        <a:rPr lang="en-US" sz="1400" b="1">
+                          <a:solidFill>
+                            <a:srgbClr val="000000"/>
+                          </a:solidFill>
+                          <a:latin typeface="HY견고딕"/>
+                          <a:ea typeface="HY견고딕"/>
+                        </a:rPr>
+                        <a:t>i&lt;=5</a:t>
+                      </a:r>
+                      <a:r>
+                        <a:rPr lang="en-US" sz="1400" b="1">
+                          <a:solidFill>
+                            <a:srgbClr val="000000"/>
+                          </a:solidFill>
+                          <a:latin typeface="굴림체"/>
+                          <a:ea typeface="굴림체"/>
+                        </a:rPr>
+                        <a:t> )</a:t>
+                      </a:r>
+                      <a:r>
+                        <a:rPr lang="ko-KR" altLang="en-US" sz="1400" b="1">
+                          <a:solidFill>
+                            <a:srgbClr val="000000"/>
+                          </a:solidFill>
+                          <a:latin typeface="굴림체"/>
+                          <a:ea typeface="굴림체"/>
+                        </a:rPr>
+                        <a:t>의 </a:t>
+                      </a:r>
+                    </a:p>
+                    <a:p>
+                      <a:pPr marL="0" algn="ctr">
+                        <a:lnSpc>
+                          <a:spcPct val="160000"/>
+                        </a:lnSpc>
+                        <a:spcBef>
+                          <a:spcPts val="0"/>
+                        </a:spcBef>
+                        <a:spcAft>
+                          <a:spcPts val="0"/>
+                        </a:spcAft>
+                        <a:defRPr lang="ko-KR" altLang="en-US"/>
+                      </a:pPr>
+                      <a:r>
+                        <a:rPr lang="en-US" sz="1400" b="1">
+                          <a:solidFill>
+                            <a:srgbClr val="000000"/>
+                          </a:solidFill>
+                          <a:latin typeface="굴림체"/>
+                          <a:ea typeface="굴림체"/>
+                        </a:rPr>
+                        <a:t>true, false </a:t>
+                      </a:r>
+                      <a:r>
+                        <a:rPr lang="ko-KR" altLang="en-US" sz="1400" b="1">
+                          <a:solidFill>
+                            <a:srgbClr val="000000"/>
+                          </a:solidFill>
+                          <a:latin typeface="굴림체"/>
+                          <a:ea typeface="굴림체"/>
+                        </a:rPr>
+                        <a:t>여부</a:t>
+                      </a:r>
+                      <a:endParaRPr lang="ko-KR" altLang="en-US" sz="1400">
+                        <a:solidFill>
+                          <a:srgbClr val="000000"/>
+                        </a:solidFill>
+                        <a:latin typeface="바탕"/>
+                      </a:endParaRPr>
+                    </a:p>
+                  </a:txBody>
+                  <a:tcPr anchor="ctr">
+                    <a:lnL w="3556" cap="flat" cmpd="sng" algn="ctr">
+                      <a:solidFill>
+                        <a:srgbClr val="000000"/>
+                      </a:solidFill>
+                      <a:prstDash val="solid"/>
+                      <a:round/>
+                    </a:lnL>
+                    <a:lnR w="3556" cap="flat" cmpd="sng" algn="ctr">
+                      <a:solidFill>
+                        <a:srgbClr val="000000"/>
+                      </a:solidFill>
+                      <a:prstDash val="solid"/>
+                      <a:round/>
+                    </a:lnR>
+                    <a:lnT w="3556" cap="flat" cmpd="sng" algn="ctr">
+                      <a:solidFill>
+                        <a:srgbClr val="000000"/>
+                      </a:solidFill>
+                      <a:prstDash val="solid"/>
+                      <a:round/>
+                    </a:lnT>
+                    <a:lnB w="3556" cap="flat" cmpd="sng" algn="ctr">
+                      <a:solidFill>
+                        <a:srgbClr val="000000"/>
+                      </a:solidFill>
+                      <a:prstDash val="solid"/>
+                      <a:round/>
+                    </a:lnB>
+                    <a:solidFill>
+                      <a:schemeClr val="accent1">
+                        <a:lumMod val="60000"/>
+                        <a:lumOff val="40000"/>
+                      </a:schemeClr>
+                    </a:solidFill>
+                  </a:tcPr>
+                </a:tc>
+                <a:tc hMerge="1">
+                  <a:txBody>
+                    <a:bodyPr/>
+                    <a:lstStyle/>
+                    <a:p>
+                      <a:pPr latinLnBrk="1">
+                        <a:defRPr lang="ko-KR" altLang="en-US"/>
+                      </a:pPr>
+                      <a:endParaRPr lang="ko-KR" altLang="en-US"/>
+                    </a:p>
+                  </a:txBody>
+                  <a:tcPr/>
+                </a:tc>
+                <a:tc>
+                  <a:txBody>
+                    <a:bodyPr/>
+                    <a:lstStyle/>
+                    <a:p>
+                      <a:pPr marL="0" algn="ctr">
+                        <a:lnSpc>
+                          <a:spcPct val="160000"/>
+                        </a:lnSpc>
+                        <a:spcBef>
+                          <a:spcPts val="0"/>
+                        </a:spcBef>
+                        <a:spcAft>
+                          <a:spcPts val="0"/>
+                        </a:spcAft>
+                        <a:defRPr lang="ko-KR" altLang="en-US"/>
+                      </a:pPr>
+                      <a:r>
+                        <a:rPr lang="ko-KR" altLang="en-US" sz="1400" b="1">
+                          <a:solidFill>
+                            <a:srgbClr val="000000"/>
+                          </a:solidFill>
+                          <a:latin typeface="굴림체"/>
+                        </a:rPr>
+                        <a:t>출 력 모 양</a:t>
+                      </a:r>
+                      <a:endParaRPr lang="ko-KR" altLang="en-US" sz="1400">
+                        <a:solidFill>
+                          <a:srgbClr val="000000"/>
+                        </a:solidFill>
+                        <a:latin typeface="바탕"/>
+                      </a:endParaRPr>
+                    </a:p>
+                  </a:txBody>
+                  <a:tcPr anchor="ctr">
+                    <a:lnL w="3556" cap="flat" cmpd="sng" algn="ctr">
+                      <a:solidFill>
+                        <a:srgbClr val="000000"/>
+                      </a:solidFill>
+                      <a:prstDash val="solid"/>
+                      <a:round/>
+                    </a:lnL>
+                    <a:lnR w="3556" cap="flat" cmpd="sng" algn="ctr">
+                      <a:solidFill>
+                        <a:srgbClr val="000000"/>
+                      </a:solidFill>
+                      <a:prstDash val="solid"/>
+                      <a:round/>
+                    </a:lnR>
+                    <a:lnT w="3556" cap="flat" cmpd="sng" algn="ctr">
+                      <a:solidFill>
+                        <a:srgbClr val="000000"/>
+                      </a:solidFill>
+                      <a:prstDash val="solid"/>
+                      <a:round/>
+                    </a:lnT>
+                    <a:lnB w="3556" cap="flat" cmpd="sng" algn="ctr">
+                      <a:solidFill>
+                        <a:srgbClr val="000000"/>
+                      </a:solidFill>
+                      <a:prstDash val="solid"/>
+                      <a:round/>
+                    </a:lnB>
+                    <a:solidFill>
+                      <a:schemeClr val="accent1">
+                        <a:lumMod val="60000"/>
+                        <a:lumOff val="40000"/>
+                      </a:schemeClr>
+                    </a:solidFill>
+                  </a:tcPr>
+                </a:tc>
+                <a:extLst>
+                  <a:ext uri="{0D108BD9-81ED-4DB2-BD59-A6C34878D82A}">
+                    <a16:rowId xmlns:a16="http://schemas.microsoft.com/office/drawing/2014/main" val="10000"/>
+                  </a:ext>
+                </a:extLst>
+              </a:tr>
+              <a:tr h="447701">
+                <a:tc>
+                  <a:txBody>
+                    <a:bodyPr/>
+                    <a:lstStyle/>
+                    <a:p>
+                      <a:pPr marL="0" algn="ctr">
+                        <a:lnSpc>
+                          <a:spcPct val="160000"/>
+                        </a:lnSpc>
+                        <a:spcBef>
+                          <a:spcPts val="0"/>
+                        </a:spcBef>
+                        <a:spcAft>
+                          <a:spcPts val="0"/>
+                        </a:spcAft>
+                        <a:defRPr lang="ko-KR" altLang="en-US"/>
+                      </a:pPr>
+                      <a:r>
+                        <a:rPr lang="en-US" sz="1400" b="1">
+                          <a:solidFill>
+                            <a:srgbClr val="000000"/>
+                          </a:solidFill>
+                          <a:latin typeface="굴림체"/>
+                          <a:ea typeface="굴림체"/>
+                        </a:rPr>
+                        <a:t>#1</a:t>
+                      </a:r>
+                      <a:endParaRPr lang="en-US" sz="1400">
+                        <a:solidFill>
+                          <a:srgbClr val="000000"/>
+                        </a:solidFill>
+                        <a:latin typeface="바탕"/>
+                      </a:endParaRPr>
+                    </a:p>
+                  </a:txBody>
+                  <a:tcPr anchor="ctr">
+                    <a:lnL w="3556" cap="flat" cmpd="sng" algn="ctr">
+                      <a:solidFill>
+                        <a:srgbClr val="000000"/>
+                      </a:solidFill>
+                      <a:prstDash val="solid"/>
+                      <a:round/>
+                    </a:lnL>
+                    <a:lnR w="3556" cap="flat" cmpd="sng" algn="ctr">
+                      <a:solidFill>
+                        <a:srgbClr val="000000"/>
+                      </a:solidFill>
+                      <a:prstDash val="solid"/>
+                      <a:round/>
+                    </a:lnR>
+                    <a:lnT w="3556" cap="flat" cmpd="sng" algn="ctr">
+                      <a:solidFill>
+                        <a:srgbClr val="000000"/>
+                      </a:solidFill>
+                      <a:prstDash val="solid"/>
+                      <a:round/>
+                    </a:lnT>
+                    <a:lnB w="3556" cap="flat" cmpd="sng" algn="ctr">
+                      <a:solidFill>
+                        <a:srgbClr val="000000"/>
+                      </a:solidFill>
+                      <a:prstDash val="solid"/>
+                      <a:round/>
+                    </a:lnB>
+                  </a:tcPr>
+                </a:tc>
+                <a:tc>
+                  <a:txBody>
+                    <a:bodyPr/>
+                    <a:lstStyle/>
+                    <a:p>
+                      <a:pPr marL="0" algn="ctr">
+                        <a:lnSpc>
+                          <a:spcPct val="160000"/>
+                        </a:lnSpc>
+                        <a:spcBef>
+                          <a:spcPts val="0"/>
+                        </a:spcBef>
+                        <a:spcAft>
+                          <a:spcPts val="0"/>
+                        </a:spcAft>
+                        <a:defRPr lang="ko-KR" altLang="en-US"/>
+                      </a:pPr>
+                      <a:r>
+                        <a:rPr lang="en-US" sz="1400" b="1">
+                          <a:solidFill>
+                            <a:srgbClr val="000000"/>
+                          </a:solidFill>
+                          <a:latin typeface="굴림체"/>
+                          <a:ea typeface="굴림체"/>
+                        </a:rPr>
+                        <a:t>1</a:t>
+                      </a:r>
+                      <a:endParaRPr lang="en-US" sz="1400">
+                        <a:solidFill>
+                          <a:srgbClr val="000000"/>
+                        </a:solidFill>
+                        <a:latin typeface="바탕"/>
+                      </a:endParaRPr>
+                    </a:p>
+                  </a:txBody>
+                  <a:tcPr anchor="ctr">
+                    <a:lnL w="3556" cap="flat" cmpd="sng" algn="ctr">
+                      <a:solidFill>
+                        <a:srgbClr val="000000"/>
+                      </a:solidFill>
+                      <a:prstDash val="solid"/>
+                      <a:round/>
+                    </a:lnL>
+                    <a:lnR w="3556" cap="flat" cmpd="sng" algn="ctr">
+                      <a:solidFill>
+                        <a:srgbClr val="000000"/>
+                      </a:solidFill>
+                      <a:prstDash val="solid"/>
+                      <a:round/>
+                    </a:lnR>
+                    <a:lnT w="3556" cap="flat" cmpd="sng" algn="ctr">
+                      <a:solidFill>
+                        <a:srgbClr val="000000"/>
+                      </a:solidFill>
+                      <a:prstDash val="solid"/>
+                      <a:round/>
+                    </a:lnT>
+                    <a:lnB w="3556" cap="flat" cmpd="sng" algn="ctr">
+                      <a:solidFill>
+                        <a:srgbClr val="000000"/>
+                      </a:solidFill>
+                      <a:prstDash val="solid"/>
+                      <a:round/>
+                    </a:lnB>
+                  </a:tcPr>
+                </a:tc>
+                <a:tc>
+                  <a:txBody>
+                    <a:bodyPr/>
+                    <a:lstStyle/>
+                    <a:p>
+                      <a:pPr marL="0" algn="ctr">
+                        <a:lnSpc>
+                          <a:spcPct val="160000"/>
+                        </a:lnSpc>
+                        <a:spcBef>
+                          <a:spcPts val="0"/>
+                        </a:spcBef>
+                        <a:spcAft>
+                          <a:spcPts val="0"/>
+                        </a:spcAft>
+                        <a:defRPr lang="ko-KR" altLang="en-US"/>
+                      </a:pPr>
+                      <a:r>
+                        <a:rPr lang="en-US" sz="1400" b="1">
+                          <a:solidFill>
+                            <a:srgbClr val="000000"/>
+                          </a:solidFill>
+                          <a:latin typeface="굴림체"/>
+                          <a:ea typeface="굴림체"/>
+                        </a:rPr>
+                        <a:t>1 &lt;= 5</a:t>
+                      </a:r>
+                      <a:endParaRPr lang="en-US" sz="1400">
+                        <a:solidFill>
+                          <a:srgbClr val="000000"/>
+                        </a:solidFill>
+                        <a:latin typeface="바탕"/>
+                      </a:endParaRPr>
+                    </a:p>
+                  </a:txBody>
+                  <a:tcPr anchor="ctr">
+                    <a:lnL w="3556" cap="flat" cmpd="sng" algn="ctr">
+                      <a:solidFill>
+                        <a:srgbClr val="000000"/>
+                      </a:solidFill>
+                      <a:prstDash val="solid"/>
+                      <a:round/>
+                    </a:lnL>
+                    <a:lnR w="3556" cap="flat" cmpd="sng" algn="ctr">
+                      <a:solidFill>
+                        <a:srgbClr val="000000"/>
+                      </a:solidFill>
+                      <a:prstDash val="solid"/>
+                      <a:round/>
+                    </a:lnR>
+                    <a:lnT w="3556" cap="flat" cmpd="sng" algn="ctr">
+                      <a:solidFill>
+                        <a:srgbClr val="000000"/>
+                      </a:solidFill>
+                      <a:prstDash val="solid"/>
+                      <a:round/>
+                    </a:lnT>
+                    <a:lnB w="3556" cap="flat" cmpd="sng" algn="ctr">
+                      <a:solidFill>
+                        <a:srgbClr val="000000"/>
+                      </a:solidFill>
+                      <a:prstDash val="solid"/>
+                      <a:round/>
+                    </a:lnB>
+                  </a:tcPr>
+                </a:tc>
+                <a:tc>
+                  <a:txBody>
+                    <a:bodyPr/>
+                    <a:lstStyle/>
+                    <a:p>
+                      <a:pPr marL="0" algn="ctr">
+                        <a:lnSpc>
+                          <a:spcPct val="160000"/>
+                        </a:lnSpc>
+                        <a:spcBef>
+                          <a:spcPts val="0"/>
+                        </a:spcBef>
+                        <a:spcAft>
+                          <a:spcPts val="0"/>
+                        </a:spcAft>
+                        <a:defRPr lang="ko-KR" altLang="en-US"/>
+                      </a:pPr>
+                      <a:r>
+                        <a:rPr lang="en-US" sz="1400" b="1">
+                          <a:solidFill>
+                            <a:srgbClr val="000000"/>
+                          </a:solidFill>
+                          <a:latin typeface="굴림체"/>
+                          <a:ea typeface="굴림체"/>
+                        </a:rPr>
+                        <a:t>true</a:t>
+                      </a:r>
+                      <a:endParaRPr lang="en-US" sz="1400">
+                        <a:solidFill>
+                          <a:srgbClr val="000000"/>
+                        </a:solidFill>
+                        <a:latin typeface="바탕"/>
+                      </a:endParaRPr>
+                    </a:p>
+                  </a:txBody>
+                  <a:tcPr anchor="ctr">
+                    <a:lnL w="3556" cap="flat" cmpd="sng" algn="ctr">
+                      <a:solidFill>
+                        <a:srgbClr val="000000"/>
+                      </a:solidFill>
+                      <a:prstDash val="solid"/>
+                      <a:round/>
+                    </a:lnL>
+                    <a:lnR w="3556" cap="flat" cmpd="sng" algn="ctr">
+                      <a:solidFill>
+                        <a:srgbClr val="000000"/>
+                      </a:solidFill>
+                      <a:prstDash val="solid"/>
+                      <a:round/>
+                    </a:lnR>
+                    <a:lnT w="3556" cap="flat" cmpd="sng" algn="ctr">
+                      <a:solidFill>
+                        <a:srgbClr val="000000"/>
+                      </a:solidFill>
+                      <a:prstDash val="solid"/>
+                      <a:round/>
+                    </a:lnT>
+                    <a:lnB w="3556" cap="flat" cmpd="sng" algn="ctr">
+                      <a:solidFill>
+                        <a:srgbClr val="000000"/>
+                      </a:solidFill>
+                      <a:prstDash val="solid"/>
+                      <a:round/>
+                    </a:lnB>
+                  </a:tcPr>
+                </a:tc>
+                <a:tc>
+                  <a:txBody>
+                    <a:bodyPr/>
+                    <a:lstStyle/>
+                    <a:p>
+                      <a:pPr marL="0" algn="just">
+                        <a:lnSpc>
+                          <a:spcPct val="160000"/>
+                        </a:lnSpc>
+                        <a:spcBef>
+                          <a:spcPts val="0"/>
+                        </a:spcBef>
+                        <a:spcAft>
+                          <a:spcPts val="0"/>
+                        </a:spcAft>
+                        <a:defRPr lang="ko-KR" altLang="en-US"/>
+                      </a:pPr>
+                      <a:r>
+                        <a:rPr lang="en-US" sz="1400" b="1">
+                          <a:solidFill>
+                            <a:srgbClr val="000000"/>
+                          </a:solidFill>
+                          <a:latin typeface="굴림체"/>
+                          <a:ea typeface="굴림체"/>
+                        </a:rPr>
+                        <a:t>1</a:t>
+                      </a:r>
+                      <a:endParaRPr lang="en-US" sz="1400">
+                        <a:solidFill>
+                          <a:srgbClr val="000000"/>
+                        </a:solidFill>
+                        <a:latin typeface="바탕"/>
+                      </a:endParaRPr>
+                    </a:p>
+                  </a:txBody>
+                  <a:tcPr anchor="ctr">
+                    <a:lnL w="3556" cap="flat" cmpd="sng" algn="ctr">
+                      <a:solidFill>
+                        <a:srgbClr val="000000"/>
+                      </a:solidFill>
+                      <a:prstDash val="solid"/>
+                      <a:round/>
+                    </a:lnL>
+                    <a:lnR w="3556" cap="flat" cmpd="sng" algn="ctr">
+                      <a:solidFill>
+                        <a:srgbClr val="000000"/>
+                      </a:solidFill>
+                      <a:prstDash val="solid"/>
+                      <a:round/>
+                    </a:lnR>
+                    <a:lnT w="3556" cap="flat" cmpd="sng" algn="ctr">
+                      <a:solidFill>
+                        <a:srgbClr val="000000"/>
+                      </a:solidFill>
+                      <a:prstDash val="solid"/>
+                      <a:round/>
+                    </a:lnT>
+                    <a:lnB w="3556" cap="flat" cmpd="sng" algn="ctr">
+                      <a:solidFill>
+                        <a:srgbClr val="000000"/>
+                      </a:solidFill>
+                      <a:prstDash val="solid"/>
+                      <a:round/>
+                    </a:lnB>
+                  </a:tcPr>
+                </a:tc>
+                <a:extLst>
+                  <a:ext uri="{0D108BD9-81ED-4DB2-BD59-A6C34878D82A}">
+                    <a16:rowId xmlns:a16="http://schemas.microsoft.com/office/drawing/2014/main" val="10001"/>
+                  </a:ext>
+                </a:extLst>
+              </a:tr>
+              <a:tr h="447701">
+                <a:tc>
+                  <a:txBody>
+                    <a:bodyPr/>
+                    <a:lstStyle/>
+                    <a:p>
+                      <a:pPr marL="0" algn="ctr">
+                        <a:lnSpc>
+                          <a:spcPct val="160000"/>
+                        </a:lnSpc>
+                        <a:spcBef>
+                          <a:spcPts val="0"/>
+                        </a:spcBef>
+                        <a:spcAft>
+                          <a:spcPts val="0"/>
+                        </a:spcAft>
+                        <a:defRPr lang="ko-KR" altLang="en-US"/>
+                      </a:pPr>
+                      <a:r>
+                        <a:rPr lang="en-US" sz="1400" b="1">
+                          <a:solidFill>
+                            <a:srgbClr val="000000"/>
+                          </a:solidFill>
+                          <a:latin typeface="굴림체"/>
+                          <a:ea typeface="굴림체"/>
+                        </a:rPr>
+                        <a:t>#2</a:t>
+                      </a:r>
+                      <a:endParaRPr lang="en-US" sz="1400">
+                        <a:solidFill>
+                          <a:srgbClr val="000000"/>
+                        </a:solidFill>
+                        <a:latin typeface="바탕"/>
+                      </a:endParaRPr>
+                    </a:p>
+                  </a:txBody>
+                  <a:tcPr anchor="ctr">
+                    <a:lnL w="3556" cap="flat" cmpd="sng" algn="ctr">
+                      <a:solidFill>
+                        <a:srgbClr val="000000"/>
+                      </a:solidFill>
+                      <a:prstDash val="solid"/>
+                      <a:round/>
+                    </a:lnL>
+                    <a:lnR w="3556" cap="flat" cmpd="sng" algn="ctr">
+                      <a:solidFill>
+                        <a:srgbClr val="000000"/>
+                      </a:solidFill>
+                      <a:prstDash val="solid"/>
+                      <a:round/>
+                    </a:lnR>
+                    <a:lnT w="3556" cap="flat" cmpd="sng" algn="ctr">
+                      <a:solidFill>
+                        <a:srgbClr val="000000"/>
+                      </a:solidFill>
+                      <a:prstDash val="solid"/>
+                      <a:round/>
+                    </a:lnT>
+                    <a:lnB w="3556" cap="flat" cmpd="sng" algn="ctr">
+                      <a:solidFill>
+                        <a:srgbClr val="000000"/>
+                      </a:solidFill>
+                      <a:prstDash val="solid"/>
+                      <a:round/>
+                    </a:lnB>
+                  </a:tcPr>
+                </a:tc>
+                <a:tc>
+                  <a:txBody>
+                    <a:bodyPr/>
+                    <a:lstStyle/>
+                    <a:p>
+                      <a:pPr marL="0" algn="ctr">
+                        <a:lnSpc>
+                          <a:spcPct val="160000"/>
+                        </a:lnSpc>
+                        <a:spcBef>
+                          <a:spcPts val="0"/>
+                        </a:spcBef>
+                        <a:spcAft>
+                          <a:spcPts val="0"/>
+                        </a:spcAft>
+                        <a:defRPr lang="ko-KR" altLang="en-US"/>
+                      </a:pPr>
+                      <a:r>
+                        <a:rPr lang="en-US" sz="1400" b="1">
+                          <a:solidFill>
+                            <a:srgbClr val="000000"/>
+                          </a:solidFill>
+                          <a:latin typeface="굴림체"/>
+                          <a:ea typeface="굴림체"/>
+                        </a:rPr>
+                        <a:t>2</a:t>
+                      </a:r>
+                      <a:endParaRPr lang="en-US" sz="1400">
+                        <a:solidFill>
+                          <a:srgbClr val="000000"/>
+                        </a:solidFill>
+                        <a:latin typeface="바탕"/>
+                      </a:endParaRPr>
+                    </a:p>
+                  </a:txBody>
+                  <a:tcPr anchor="ctr">
+                    <a:lnL w="3556" cap="flat" cmpd="sng" algn="ctr">
+                      <a:solidFill>
+                        <a:srgbClr val="000000"/>
+                      </a:solidFill>
+                      <a:prstDash val="solid"/>
+                      <a:round/>
+                    </a:lnL>
+                    <a:lnR w="3556" cap="flat" cmpd="sng" algn="ctr">
+                      <a:solidFill>
+                        <a:srgbClr val="000000"/>
+                      </a:solidFill>
+                      <a:prstDash val="solid"/>
+                      <a:round/>
+                    </a:lnR>
+                    <a:lnT w="3556" cap="flat" cmpd="sng" algn="ctr">
+                      <a:solidFill>
+                        <a:srgbClr val="000000"/>
+                      </a:solidFill>
+                      <a:prstDash val="solid"/>
+                      <a:round/>
+                    </a:lnT>
+                    <a:lnB w="3556" cap="flat" cmpd="sng" algn="ctr">
+                      <a:solidFill>
+                        <a:srgbClr val="000000"/>
+                      </a:solidFill>
+                      <a:prstDash val="solid"/>
+                      <a:round/>
+                    </a:lnB>
+                  </a:tcPr>
+                </a:tc>
+                <a:tc>
+                  <a:txBody>
+                    <a:bodyPr/>
+                    <a:lstStyle/>
+                    <a:p>
+                      <a:pPr marL="0" algn="ctr">
+                        <a:lnSpc>
+                          <a:spcPct val="160000"/>
+                        </a:lnSpc>
+                        <a:spcBef>
+                          <a:spcPts val="0"/>
+                        </a:spcBef>
+                        <a:spcAft>
+                          <a:spcPts val="0"/>
+                        </a:spcAft>
+                        <a:defRPr lang="ko-KR" altLang="en-US"/>
+                      </a:pPr>
+                      <a:r>
+                        <a:rPr lang="en-US" sz="1400" b="1">
+                          <a:solidFill>
+                            <a:srgbClr val="000000"/>
+                          </a:solidFill>
+                          <a:latin typeface="굴림체"/>
+                          <a:ea typeface="굴림체"/>
+                        </a:rPr>
+                        <a:t>2 &lt;= 5</a:t>
+                      </a:r>
+                      <a:endParaRPr lang="en-US" sz="1400">
+                        <a:solidFill>
+                          <a:srgbClr val="000000"/>
+                        </a:solidFill>
+                        <a:latin typeface="바탕"/>
+                      </a:endParaRPr>
+                    </a:p>
+                  </a:txBody>
+                  <a:tcPr anchor="ctr">
+                    <a:lnL w="3556" cap="flat" cmpd="sng" algn="ctr">
+                      <a:solidFill>
+                        <a:srgbClr val="000000"/>
+                      </a:solidFill>
+                      <a:prstDash val="solid"/>
+                      <a:round/>
+                    </a:lnL>
+                    <a:lnR w="3556" cap="flat" cmpd="sng" algn="ctr">
+                      <a:solidFill>
+                        <a:srgbClr val="000000"/>
+                      </a:solidFill>
+                      <a:prstDash val="solid"/>
+                      <a:round/>
+                    </a:lnR>
+                    <a:lnT w="3556" cap="flat" cmpd="sng" algn="ctr">
+                      <a:solidFill>
+                        <a:srgbClr val="000000"/>
+                      </a:solidFill>
+                      <a:prstDash val="solid"/>
+                      <a:round/>
+                    </a:lnT>
+                    <a:lnB w="3556" cap="flat" cmpd="sng" algn="ctr">
+                      <a:solidFill>
+                        <a:srgbClr val="000000"/>
+                      </a:solidFill>
+                      <a:prstDash val="solid"/>
+                      <a:round/>
+                    </a:lnB>
+                  </a:tcPr>
+                </a:tc>
+                <a:tc>
+                  <a:txBody>
+                    <a:bodyPr/>
+                    <a:lstStyle/>
+                    <a:p>
+                      <a:pPr marL="0" algn="ctr">
+                        <a:lnSpc>
+                          <a:spcPct val="160000"/>
+                        </a:lnSpc>
+                        <a:spcBef>
+                          <a:spcPts val="0"/>
+                        </a:spcBef>
+                        <a:spcAft>
+                          <a:spcPts val="0"/>
+                        </a:spcAft>
+                        <a:defRPr lang="ko-KR" altLang="en-US"/>
+                      </a:pPr>
+                      <a:r>
+                        <a:rPr lang="en-US" sz="1400" b="1">
+                          <a:solidFill>
+                            <a:srgbClr val="000000"/>
+                          </a:solidFill>
+                          <a:latin typeface="굴림체"/>
+                          <a:ea typeface="굴림체"/>
+                        </a:rPr>
+                        <a:t>true</a:t>
+                      </a:r>
+                      <a:endParaRPr lang="en-US" sz="1400">
+                        <a:solidFill>
+                          <a:srgbClr val="000000"/>
+                        </a:solidFill>
+                        <a:latin typeface="바탕"/>
+                      </a:endParaRPr>
+                    </a:p>
+                  </a:txBody>
+                  <a:tcPr anchor="ctr">
+                    <a:lnL w="3556" cap="flat" cmpd="sng" algn="ctr">
+                      <a:solidFill>
+                        <a:srgbClr val="000000"/>
+                      </a:solidFill>
+                      <a:prstDash val="solid"/>
+                      <a:round/>
+                    </a:lnL>
+                    <a:lnR w="3556" cap="flat" cmpd="sng" algn="ctr">
+                      <a:solidFill>
+                        <a:srgbClr val="000000"/>
+                      </a:solidFill>
+                      <a:prstDash val="solid"/>
+                      <a:round/>
+                    </a:lnR>
+                    <a:lnT w="3556" cap="flat" cmpd="sng" algn="ctr">
+                      <a:solidFill>
+                        <a:srgbClr val="000000"/>
+                      </a:solidFill>
+                      <a:prstDash val="solid"/>
+                      <a:round/>
+                    </a:lnT>
+                    <a:lnB w="3556" cap="flat" cmpd="sng" algn="ctr">
+                      <a:solidFill>
+                        <a:srgbClr val="000000"/>
+                      </a:solidFill>
+                      <a:prstDash val="solid"/>
+                      <a:round/>
+                    </a:lnB>
+                  </a:tcPr>
+                </a:tc>
+                <a:tc>
+                  <a:txBody>
+                    <a:bodyPr/>
+                    <a:lstStyle/>
+                    <a:p>
+                      <a:pPr marL="0" algn="just">
+                        <a:lnSpc>
+                          <a:spcPct val="160000"/>
+                        </a:lnSpc>
+                        <a:spcBef>
+                          <a:spcPts val="0"/>
+                        </a:spcBef>
+                        <a:spcAft>
+                          <a:spcPts val="0"/>
+                        </a:spcAft>
+                        <a:defRPr lang="ko-KR" altLang="en-US"/>
+                      </a:pPr>
+                      <a:r>
+                        <a:rPr lang="en-US" sz="1400" b="1">
+                          <a:solidFill>
+                            <a:srgbClr val="000000"/>
+                          </a:solidFill>
+                          <a:latin typeface="굴림체"/>
+                          <a:ea typeface="굴림체"/>
+                        </a:rPr>
+                        <a:t>1 2</a:t>
+                      </a:r>
+                      <a:endParaRPr lang="en-US" sz="1400">
+                        <a:solidFill>
+                          <a:srgbClr val="000000"/>
+                        </a:solidFill>
+                        <a:latin typeface="바탕"/>
+                      </a:endParaRPr>
+                    </a:p>
+                  </a:txBody>
+                  <a:tcPr anchor="ctr">
+                    <a:lnL w="3556" cap="flat" cmpd="sng" algn="ctr">
+                      <a:solidFill>
+                        <a:srgbClr val="000000"/>
+                      </a:solidFill>
+                      <a:prstDash val="solid"/>
+                      <a:round/>
+                    </a:lnL>
+                    <a:lnR w="3556" cap="flat" cmpd="sng" algn="ctr">
+                      <a:solidFill>
+                        <a:srgbClr val="000000"/>
+                      </a:solidFill>
+                      <a:prstDash val="solid"/>
+                      <a:round/>
+                    </a:lnR>
+                    <a:lnT w="3556" cap="flat" cmpd="sng" algn="ctr">
+                      <a:solidFill>
+                        <a:srgbClr val="000000"/>
+                      </a:solidFill>
+                      <a:prstDash val="solid"/>
+                      <a:round/>
+                    </a:lnT>
+                    <a:lnB w="3556" cap="flat" cmpd="sng" algn="ctr">
+                      <a:solidFill>
+                        <a:srgbClr val="000000"/>
+                      </a:solidFill>
+                      <a:prstDash val="solid"/>
+                      <a:round/>
+                    </a:lnB>
+                  </a:tcPr>
+                </a:tc>
+                <a:extLst>
+                  <a:ext uri="{0D108BD9-81ED-4DB2-BD59-A6C34878D82A}">
+                    <a16:rowId xmlns:a16="http://schemas.microsoft.com/office/drawing/2014/main" val="10002"/>
+                  </a:ext>
+                </a:extLst>
+              </a:tr>
+              <a:tr h="447701">
+                <a:tc>
+                  <a:txBody>
+                    <a:bodyPr/>
+                    <a:lstStyle/>
+                    <a:p>
+                      <a:pPr marL="0" algn="ctr">
+                        <a:lnSpc>
+                          <a:spcPct val="160000"/>
+                        </a:lnSpc>
+                        <a:spcBef>
+                          <a:spcPts val="0"/>
+                        </a:spcBef>
+                        <a:spcAft>
+                          <a:spcPts val="0"/>
+                        </a:spcAft>
+                        <a:defRPr lang="ko-KR" altLang="en-US"/>
+                      </a:pPr>
+                      <a:r>
+                        <a:rPr lang="en-US" sz="1400" b="1">
+                          <a:solidFill>
+                            <a:srgbClr val="000000"/>
+                          </a:solidFill>
+                          <a:latin typeface="굴림체"/>
+                          <a:ea typeface="굴림체"/>
+                        </a:rPr>
+                        <a:t>#3</a:t>
+                      </a:r>
+                      <a:endParaRPr lang="en-US" sz="1400">
+                        <a:solidFill>
+                          <a:srgbClr val="000000"/>
+                        </a:solidFill>
+                        <a:latin typeface="바탕"/>
+                      </a:endParaRPr>
+                    </a:p>
+                  </a:txBody>
+                  <a:tcPr anchor="ctr">
+                    <a:lnL w="3556" cap="flat" cmpd="sng" algn="ctr">
+                      <a:solidFill>
+                        <a:srgbClr val="000000"/>
+                      </a:solidFill>
+                      <a:prstDash val="solid"/>
+                      <a:round/>
+                    </a:lnL>
+                    <a:lnR w="3556" cap="flat" cmpd="sng" algn="ctr">
+                      <a:solidFill>
+                        <a:srgbClr val="000000"/>
+                      </a:solidFill>
+                      <a:prstDash val="solid"/>
+                      <a:round/>
+                    </a:lnR>
+                    <a:lnT w="3556" cap="flat" cmpd="sng" algn="ctr">
+                      <a:solidFill>
+                        <a:srgbClr val="000000"/>
+                      </a:solidFill>
+                      <a:prstDash val="solid"/>
+                      <a:round/>
+                    </a:lnT>
+                    <a:lnB w="3556" cap="flat" cmpd="sng" algn="ctr">
+                      <a:solidFill>
+                        <a:srgbClr val="000000"/>
+                      </a:solidFill>
+                      <a:prstDash val="solid"/>
+                      <a:round/>
+                    </a:lnB>
+                  </a:tcPr>
+                </a:tc>
+                <a:tc>
+                  <a:txBody>
+                    <a:bodyPr/>
+                    <a:lstStyle/>
+                    <a:p>
+                      <a:pPr marL="0" algn="ctr">
+                        <a:lnSpc>
+                          <a:spcPct val="160000"/>
+                        </a:lnSpc>
+                        <a:spcBef>
+                          <a:spcPts val="0"/>
+                        </a:spcBef>
+                        <a:spcAft>
+                          <a:spcPts val="0"/>
+                        </a:spcAft>
+                        <a:defRPr lang="ko-KR" altLang="en-US"/>
+                      </a:pPr>
+                      <a:r>
+                        <a:rPr lang="en-US" sz="1400" b="1">
+                          <a:solidFill>
+                            <a:srgbClr val="000000"/>
+                          </a:solidFill>
+                          <a:latin typeface="굴림체"/>
+                          <a:ea typeface="굴림체"/>
+                        </a:rPr>
+                        <a:t>3</a:t>
+                      </a:r>
+                      <a:endParaRPr lang="en-US" sz="1400">
+                        <a:solidFill>
+                          <a:srgbClr val="000000"/>
+                        </a:solidFill>
+                        <a:latin typeface="바탕"/>
+                      </a:endParaRPr>
+                    </a:p>
+                  </a:txBody>
+                  <a:tcPr anchor="ctr">
+                    <a:lnL w="3556" cap="flat" cmpd="sng" algn="ctr">
+                      <a:solidFill>
+                        <a:srgbClr val="000000"/>
+                      </a:solidFill>
+                      <a:prstDash val="solid"/>
+                      <a:round/>
+                    </a:lnL>
+                    <a:lnR w="3556" cap="flat" cmpd="sng" algn="ctr">
+                      <a:solidFill>
+                        <a:srgbClr val="000000"/>
+                      </a:solidFill>
+                      <a:prstDash val="solid"/>
+                      <a:round/>
+                    </a:lnR>
+                    <a:lnT w="3556" cap="flat" cmpd="sng" algn="ctr">
+                      <a:solidFill>
+                        <a:srgbClr val="000000"/>
+                      </a:solidFill>
+                      <a:prstDash val="solid"/>
+                      <a:round/>
+                    </a:lnT>
+                    <a:lnB w="3556" cap="flat" cmpd="sng" algn="ctr">
+                      <a:solidFill>
+                        <a:srgbClr val="000000"/>
+                      </a:solidFill>
+                      <a:prstDash val="solid"/>
+                      <a:round/>
+                    </a:lnB>
+                  </a:tcPr>
+                </a:tc>
+                <a:tc>
+                  <a:txBody>
+                    <a:bodyPr/>
+                    <a:lstStyle/>
+                    <a:p>
+                      <a:pPr marL="0" algn="ctr">
+                        <a:lnSpc>
+                          <a:spcPct val="160000"/>
+                        </a:lnSpc>
+                        <a:spcBef>
+                          <a:spcPts val="0"/>
+                        </a:spcBef>
+                        <a:spcAft>
+                          <a:spcPts val="0"/>
+                        </a:spcAft>
+                        <a:defRPr lang="ko-KR" altLang="en-US"/>
+                      </a:pPr>
+                      <a:r>
+                        <a:rPr lang="en-US" sz="1400" b="1">
+                          <a:solidFill>
+                            <a:srgbClr val="000000"/>
+                          </a:solidFill>
+                          <a:latin typeface="굴림체"/>
+                          <a:ea typeface="굴림체"/>
+                        </a:rPr>
+                        <a:t>3 &lt;= 5</a:t>
+                      </a:r>
+                      <a:endParaRPr lang="en-US" sz="1400">
+                        <a:solidFill>
+                          <a:srgbClr val="000000"/>
+                        </a:solidFill>
+                        <a:latin typeface="바탕"/>
+                      </a:endParaRPr>
+                    </a:p>
+                  </a:txBody>
+                  <a:tcPr anchor="ctr">
+                    <a:lnL w="3556" cap="flat" cmpd="sng" algn="ctr">
+                      <a:solidFill>
+                        <a:srgbClr val="000000"/>
+                      </a:solidFill>
+                      <a:prstDash val="solid"/>
+                      <a:round/>
+                    </a:lnL>
+                    <a:lnR w="3556" cap="flat" cmpd="sng" algn="ctr">
+                      <a:solidFill>
+                        <a:srgbClr val="000000"/>
+                      </a:solidFill>
+                      <a:prstDash val="solid"/>
+                      <a:round/>
+                    </a:lnR>
+                    <a:lnT w="3556" cap="flat" cmpd="sng" algn="ctr">
+                      <a:solidFill>
+                        <a:srgbClr val="000000"/>
+                      </a:solidFill>
+                      <a:prstDash val="solid"/>
+                      <a:round/>
+                    </a:lnT>
+                    <a:lnB w="3556" cap="flat" cmpd="sng" algn="ctr">
+                      <a:solidFill>
+                        <a:srgbClr val="000000"/>
+                      </a:solidFill>
+                      <a:prstDash val="solid"/>
+                      <a:round/>
+                    </a:lnB>
+                  </a:tcPr>
+                </a:tc>
+                <a:tc>
+                  <a:txBody>
+                    <a:bodyPr/>
+                    <a:lstStyle/>
+                    <a:p>
+                      <a:pPr marL="0" algn="ctr">
+                        <a:lnSpc>
+                          <a:spcPct val="160000"/>
+                        </a:lnSpc>
+                        <a:spcBef>
+                          <a:spcPts val="0"/>
+                        </a:spcBef>
+                        <a:spcAft>
+                          <a:spcPts val="0"/>
+                        </a:spcAft>
+                        <a:defRPr lang="ko-KR" altLang="en-US"/>
+                      </a:pPr>
+                      <a:r>
+                        <a:rPr lang="en-US" sz="1400" b="1">
+                          <a:solidFill>
+                            <a:srgbClr val="000000"/>
+                          </a:solidFill>
+                          <a:latin typeface="굴림체"/>
+                          <a:ea typeface="굴림체"/>
+                        </a:rPr>
+                        <a:t>true</a:t>
+                      </a:r>
+                      <a:endParaRPr lang="en-US" sz="1400">
+                        <a:solidFill>
+                          <a:srgbClr val="000000"/>
+                        </a:solidFill>
+                        <a:latin typeface="바탕"/>
+                      </a:endParaRPr>
+                    </a:p>
+                  </a:txBody>
+                  <a:tcPr anchor="ctr">
+                    <a:lnL w="3556" cap="flat" cmpd="sng" algn="ctr">
+                      <a:solidFill>
+                        <a:srgbClr val="000000"/>
+                      </a:solidFill>
+                      <a:prstDash val="solid"/>
+                      <a:round/>
+                    </a:lnL>
+                    <a:lnR w="3556" cap="flat" cmpd="sng" algn="ctr">
+                      <a:solidFill>
+                        <a:srgbClr val="000000"/>
+                      </a:solidFill>
+                      <a:prstDash val="solid"/>
+                      <a:round/>
+                    </a:lnR>
+                    <a:lnT w="3556" cap="flat" cmpd="sng" algn="ctr">
+                      <a:solidFill>
+                        <a:srgbClr val="000000"/>
+                      </a:solidFill>
+                      <a:prstDash val="solid"/>
+                      <a:round/>
+                    </a:lnT>
+                    <a:lnB w="3556" cap="flat" cmpd="sng" algn="ctr">
+                      <a:solidFill>
+                        <a:srgbClr val="000000"/>
+                      </a:solidFill>
+                      <a:prstDash val="solid"/>
+                      <a:round/>
+                    </a:lnB>
+                  </a:tcPr>
+                </a:tc>
+                <a:tc>
+                  <a:txBody>
+                    <a:bodyPr/>
+                    <a:lstStyle/>
+                    <a:p>
+                      <a:pPr marL="0" algn="just">
+                        <a:lnSpc>
+                          <a:spcPct val="160000"/>
+                        </a:lnSpc>
+                        <a:spcBef>
+                          <a:spcPts val="0"/>
+                        </a:spcBef>
+                        <a:spcAft>
+                          <a:spcPts val="0"/>
+                        </a:spcAft>
+                        <a:defRPr lang="ko-KR" altLang="en-US"/>
+                      </a:pPr>
+                      <a:r>
+                        <a:rPr lang="en-US" sz="1400" b="1">
+                          <a:solidFill>
+                            <a:srgbClr val="000000"/>
+                          </a:solidFill>
+                          <a:latin typeface="굴림체"/>
+                          <a:ea typeface="굴림체"/>
+                        </a:rPr>
+                        <a:t>1 2 3</a:t>
+                      </a:r>
+                      <a:endParaRPr lang="en-US" sz="1400">
+                        <a:solidFill>
+                          <a:srgbClr val="000000"/>
+                        </a:solidFill>
+                        <a:latin typeface="바탕"/>
+                      </a:endParaRPr>
+                    </a:p>
+                  </a:txBody>
+                  <a:tcPr anchor="ctr">
+                    <a:lnL w="3556" cap="flat" cmpd="sng" algn="ctr">
+                      <a:solidFill>
+                        <a:srgbClr val="000000"/>
+                      </a:solidFill>
+                      <a:prstDash val="solid"/>
+                      <a:round/>
+                    </a:lnL>
+                    <a:lnR w="3556" cap="flat" cmpd="sng" algn="ctr">
+                      <a:solidFill>
+                        <a:srgbClr val="000000"/>
+                      </a:solidFill>
+                      <a:prstDash val="solid"/>
+                      <a:round/>
+                    </a:lnR>
+                    <a:lnT w="3556" cap="flat" cmpd="sng" algn="ctr">
+                      <a:solidFill>
+                        <a:srgbClr val="000000"/>
+                      </a:solidFill>
+                      <a:prstDash val="solid"/>
+                      <a:round/>
+                    </a:lnT>
+                    <a:lnB w="3556" cap="flat" cmpd="sng" algn="ctr">
+                      <a:solidFill>
+                        <a:srgbClr val="000000"/>
+                      </a:solidFill>
+                      <a:prstDash val="solid"/>
+                      <a:round/>
+                    </a:lnB>
+                  </a:tcPr>
+                </a:tc>
+                <a:extLst>
+                  <a:ext uri="{0D108BD9-81ED-4DB2-BD59-A6C34878D82A}">
+                    <a16:rowId xmlns:a16="http://schemas.microsoft.com/office/drawing/2014/main" val="10003"/>
+                  </a:ext>
+                </a:extLst>
+              </a:tr>
+              <a:tr h="447701">
+                <a:tc>
+                  <a:txBody>
+                    <a:bodyPr/>
+                    <a:lstStyle/>
+                    <a:p>
+                      <a:pPr marL="0" algn="ctr">
+                        <a:lnSpc>
+                          <a:spcPct val="160000"/>
+                        </a:lnSpc>
+                        <a:spcBef>
+                          <a:spcPts val="0"/>
+                        </a:spcBef>
+                        <a:spcAft>
+                          <a:spcPts val="0"/>
+                        </a:spcAft>
+                        <a:defRPr lang="ko-KR" altLang="en-US"/>
+                      </a:pPr>
+                      <a:r>
+                        <a:rPr lang="en-US" sz="1400" b="1">
+                          <a:solidFill>
+                            <a:srgbClr val="000000"/>
+                          </a:solidFill>
+                          <a:latin typeface="굴림체"/>
+                          <a:ea typeface="굴림체"/>
+                        </a:rPr>
+                        <a:t>#4</a:t>
+                      </a:r>
+                      <a:endParaRPr lang="en-US" sz="1400">
+                        <a:solidFill>
+                          <a:srgbClr val="000000"/>
+                        </a:solidFill>
+                        <a:latin typeface="바탕"/>
+                      </a:endParaRPr>
+                    </a:p>
+                  </a:txBody>
+                  <a:tcPr anchor="ctr">
+                    <a:lnL w="3556" cap="flat" cmpd="sng" algn="ctr">
+                      <a:solidFill>
+                        <a:srgbClr val="000000"/>
+                      </a:solidFill>
+                      <a:prstDash val="solid"/>
+                      <a:round/>
+                    </a:lnL>
+                    <a:lnR w="3556" cap="flat" cmpd="sng" algn="ctr">
+                      <a:solidFill>
+                        <a:srgbClr val="000000"/>
+                      </a:solidFill>
+                      <a:prstDash val="solid"/>
+                      <a:round/>
+                    </a:lnR>
+                    <a:lnT w="3556" cap="flat" cmpd="sng" algn="ctr">
+                      <a:solidFill>
+                        <a:srgbClr val="000000"/>
+                      </a:solidFill>
+                      <a:prstDash val="solid"/>
+                      <a:round/>
+                    </a:lnT>
+                    <a:lnB w="3556" cap="flat" cmpd="sng" algn="ctr">
+                      <a:solidFill>
+                        <a:srgbClr val="000000"/>
+                      </a:solidFill>
+                      <a:prstDash val="solid"/>
+                      <a:round/>
+                    </a:lnB>
+                  </a:tcPr>
+                </a:tc>
+                <a:tc>
+                  <a:txBody>
+                    <a:bodyPr/>
+                    <a:lstStyle/>
+                    <a:p>
+                      <a:pPr marL="0" algn="ctr">
+                        <a:lnSpc>
+                          <a:spcPct val="160000"/>
+                        </a:lnSpc>
+                        <a:spcBef>
+                          <a:spcPts val="0"/>
+                        </a:spcBef>
+                        <a:spcAft>
+                          <a:spcPts val="0"/>
+                        </a:spcAft>
+                        <a:defRPr lang="ko-KR" altLang="en-US"/>
+                      </a:pPr>
+                      <a:r>
+                        <a:rPr lang="en-US" sz="1400" b="1">
+                          <a:solidFill>
+                            <a:srgbClr val="000000"/>
+                          </a:solidFill>
+                          <a:latin typeface="굴림체"/>
+                          <a:ea typeface="굴림체"/>
+                        </a:rPr>
+                        <a:t>4</a:t>
+                      </a:r>
+                      <a:endParaRPr lang="en-US" sz="1400">
+                        <a:solidFill>
+                          <a:srgbClr val="000000"/>
+                        </a:solidFill>
+                        <a:latin typeface="바탕"/>
+                      </a:endParaRPr>
+                    </a:p>
+                  </a:txBody>
+                  <a:tcPr anchor="ctr">
+                    <a:lnL w="3556" cap="flat" cmpd="sng" algn="ctr">
+                      <a:solidFill>
+                        <a:srgbClr val="000000"/>
+                      </a:solidFill>
+                      <a:prstDash val="solid"/>
+                      <a:round/>
+                    </a:lnL>
+                    <a:lnR w="3556" cap="flat" cmpd="sng" algn="ctr">
+                      <a:solidFill>
+                        <a:srgbClr val="000000"/>
+                      </a:solidFill>
+                      <a:prstDash val="solid"/>
+                      <a:round/>
+                    </a:lnR>
+                    <a:lnT w="3556" cap="flat" cmpd="sng" algn="ctr">
+                      <a:solidFill>
+                        <a:srgbClr val="000000"/>
+                      </a:solidFill>
+                      <a:prstDash val="solid"/>
+                      <a:round/>
+                    </a:lnT>
+                    <a:lnB w="3556" cap="flat" cmpd="sng" algn="ctr">
+                      <a:solidFill>
+                        <a:srgbClr val="000000"/>
+                      </a:solidFill>
+                      <a:prstDash val="solid"/>
+                      <a:round/>
+                    </a:lnB>
+                  </a:tcPr>
+                </a:tc>
+                <a:tc>
+                  <a:txBody>
+                    <a:bodyPr/>
+                    <a:lstStyle/>
+                    <a:p>
+                      <a:pPr marL="0" algn="ctr">
+                        <a:lnSpc>
+                          <a:spcPct val="160000"/>
+                        </a:lnSpc>
+                        <a:spcBef>
+                          <a:spcPts val="0"/>
+                        </a:spcBef>
+                        <a:spcAft>
+                          <a:spcPts val="0"/>
+                        </a:spcAft>
+                        <a:defRPr lang="ko-KR" altLang="en-US"/>
+                      </a:pPr>
+                      <a:r>
+                        <a:rPr lang="en-US" sz="1400" b="1">
+                          <a:solidFill>
+                            <a:srgbClr val="000000"/>
+                          </a:solidFill>
+                          <a:latin typeface="굴림체"/>
+                          <a:ea typeface="굴림체"/>
+                        </a:rPr>
+                        <a:t>4 &lt;= 5</a:t>
+                      </a:r>
+                      <a:endParaRPr lang="en-US" sz="1400">
+                        <a:solidFill>
+                          <a:srgbClr val="000000"/>
+                        </a:solidFill>
+                        <a:latin typeface="바탕"/>
+                      </a:endParaRPr>
+                    </a:p>
+                  </a:txBody>
+                  <a:tcPr anchor="ctr">
+                    <a:lnL w="3556" cap="flat" cmpd="sng" algn="ctr">
+                      <a:solidFill>
+                        <a:srgbClr val="000000"/>
+                      </a:solidFill>
+                      <a:prstDash val="solid"/>
+                      <a:round/>
+                    </a:lnL>
+                    <a:lnR w="3556" cap="flat" cmpd="sng" algn="ctr">
+                      <a:solidFill>
+                        <a:srgbClr val="000000"/>
+                      </a:solidFill>
+                      <a:prstDash val="solid"/>
+                      <a:round/>
+                    </a:lnR>
+                    <a:lnT w="3556" cap="flat" cmpd="sng" algn="ctr">
+                      <a:solidFill>
+                        <a:srgbClr val="000000"/>
+                      </a:solidFill>
+                      <a:prstDash val="solid"/>
+                      <a:round/>
+                    </a:lnT>
+                    <a:lnB w="3556" cap="flat" cmpd="sng" algn="ctr">
+                      <a:solidFill>
+                        <a:srgbClr val="000000"/>
+                      </a:solidFill>
+                      <a:prstDash val="solid"/>
+                      <a:round/>
+                    </a:lnB>
+                  </a:tcPr>
+                </a:tc>
+                <a:tc>
+                  <a:txBody>
+                    <a:bodyPr/>
+                    <a:lstStyle/>
+                    <a:p>
+                      <a:pPr marL="0" algn="ctr">
+                        <a:lnSpc>
+                          <a:spcPct val="160000"/>
+                        </a:lnSpc>
+                        <a:spcBef>
+                          <a:spcPts val="0"/>
+                        </a:spcBef>
+                        <a:spcAft>
+                          <a:spcPts val="0"/>
+                        </a:spcAft>
+                        <a:defRPr lang="ko-KR" altLang="en-US"/>
+                      </a:pPr>
+                      <a:r>
+                        <a:rPr lang="en-US" sz="1400" b="1">
+                          <a:solidFill>
+                            <a:srgbClr val="000000"/>
+                          </a:solidFill>
+                          <a:latin typeface="굴림체"/>
+                          <a:ea typeface="굴림체"/>
+                        </a:rPr>
+                        <a:t>true</a:t>
+                      </a:r>
+                      <a:endParaRPr lang="en-US" sz="1400">
+                        <a:solidFill>
+                          <a:srgbClr val="000000"/>
+                        </a:solidFill>
+                        <a:latin typeface="바탕"/>
+                      </a:endParaRPr>
+                    </a:p>
+                  </a:txBody>
+                  <a:tcPr anchor="ctr">
+                    <a:lnL w="3556" cap="flat" cmpd="sng" algn="ctr">
+                      <a:solidFill>
+                        <a:srgbClr val="000000"/>
+                      </a:solidFill>
+                      <a:prstDash val="solid"/>
+                      <a:round/>
+                    </a:lnL>
+                    <a:lnR w="3556" cap="flat" cmpd="sng" algn="ctr">
+                      <a:solidFill>
+                        <a:srgbClr val="000000"/>
+                      </a:solidFill>
+                      <a:prstDash val="solid"/>
+                      <a:round/>
+                    </a:lnR>
+                    <a:lnT w="3556" cap="flat" cmpd="sng" algn="ctr">
+                      <a:solidFill>
+                        <a:srgbClr val="000000"/>
+                      </a:solidFill>
+                      <a:prstDash val="solid"/>
+                      <a:round/>
+                    </a:lnT>
+                    <a:lnB w="3556" cap="flat" cmpd="sng" algn="ctr">
+                      <a:solidFill>
+                        <a:srgbClr val="000000"/>
+                      </a:solidFill>
+                      <a:prstDash val="solid"/>
+                      <a:round/>
+                    </a:lnB>
+                  </a:tcPr>
+                </a:tc>
+                <a:tc>
+                  <a:txBody>
+                    <a:bodyPr/>
+                    <a:lstStyle/>
+                    <a:p>
+                      <a:pPr marL="0" algn="just">
+                        <a:lnSpc>
+                          <a:spcPct val="160000"/>
+                        </a:lnSpc>
+                        <a:spcBef>
+                          <a:spcPts val="0"/>
+                        </a:spcBef>
+                        <a:spcAft>
+                          <a:spcPts val="0"/>
+                        </a:spcAft>
+                        <a:defRPr lang="ko-KR" altLang="en-US"/>
+                      </a:pPr>
+                      <a:r>
+                        <a:rPr lang="en-US" sz="1400" b="1">
+                          <a:solidFill>
+                            <a:srgbClr val="000000"/>
+                          </a:solidFill>
+                          <a:latin typeface="굴림체"/>
+                          <a:ea typeface="굴림체"/>
+                        </a:rPr>
+                        <a:t>1 2 3 4</a:t>
+                      </a:r>
+                      <a:endParaRPr lang="en-US" sz="1400">
+                        <a:solidFill>
+                          <a:srgbClr val="000000"/>
+                        </a:solidFill>
+                        <a:latin typeface="바탕"/>
+                      </a:endParaRPr>
+                    </a:p>
+                  </a:txBody>
+                  <a:tcPr anchor="ctr">
+                    <a:lnL w="3556" cap="flat" cmpd="sng" algn="ctr">
+                      <a:solidFill>
+                        <a:srgbClr val="000000"/>
+                      </a:solidFill>
+                      <a:prstDash val="solid"/>
+                      <a:round/>
+                    </a:lnL>
+                    <a:lnR w="3556" cap="flat" cmpd="sng" algn="ctr">
+                      <a:solidFill>
+                        <a:srgbClr val="000000"/>
+                      </a:solidFill>
+                      <a:prstDash val="solid"/>
+                      <a:round/>
+                    </a:lnR>
+                    <a:lnT w="3556" cap="flat" cmpd="sng" algn="ctr">
+                      <a:solidFill>
+                        <a:srgbClr val="000000"/>
+                      </a:solidFill>
+                      <a:prstDash val="solid"/>
+                      <a:round/>
+                    </a:lnT>
+                    <a:lnB w="3556" cap="flat" cmpd="sng" algn="ctr">
+                      <a:solidFill>
+                        <a:srgbClr val="000000"/>
+                      </a:solidFill>
+                      <a:prstDash val="solid"/>
+                      <a:round/>
+                    </a:lnB>
+                  </a:tcPr>
+                </a:tc>
+                <a:extLst>
+                  <a:ext uri="{0D108BD9-81ED-4DB2-BD59-A6C34878D82A}">
+                    <a16:rowId xmlns:a16="http://schemas.microsoft.com/office/drawing/2014/main" val="10004"/>
+                  </a:ext>
+                </a:extLst>
+              </a:tr>
+              <a:tr h="447701">
+                <a:tc>
+                  <a:txBody>
+                    <a:bodyPr/>
+                    <a:lstStyle/>
+                    <a:p>
+                      <a:pPr marL="0" algn="ctr">
+                        <a:lnSpc>
+                          <a:spcPct val="160000"/>
+                        </a:lnSpc>
+                        <a:spcBef>
+                          <a:spcPts val="0"/>
+                        </a:spcBef>
+                        <a:spcAft>
+                          <a:spcPts val="0"/>
+                        </a:spcAft>
+                        <a:defRPr lang="ko-KR" altLang="en-US"/>
+                      </a:pPr>
+                      <a:r>
+                        <a:rPr lang="en-US" sz="1400" b="1">
+                          <a:solidFill>
+                            <a:srgbClr val="000000"/>
+                          </a:solidFill>
+                          <a:latin typeface="굴림체"/>
+                          <a:ea typeface="굴림체"/>
+                        </a:rPr>
+                        <a:t>#5</a:t>
+                      </a:r>
+                      <a:endParaRPr lang="en-US" sz="1400">
+                        <a:solidFill>
+                          <a:srgbClr val="000000"/>
+                        </a:solidFill>
+                        <a:latin typeface="바탕"/>
+                      </a:endParaRPr>
+                    </a:p>
+                  </a:txBody>
+                  <a:tcPr anchor="ctr">
+                    <a:lnL w="3556" cap="flat" cmpd="sng" algn="ctr">
+                      <a:solidFill>
+                        <a:srgbClr val="000000"/>
+                      </a:solidFill>
+                      <a:prstDash val="solid"/>
+                      <a:round/>
+                    </a:lnL>
+                    <a:lnR w="3556" cap="flat" cmpd="sng" algn="ctr">
+                      <a:solidFill>
+                        <a:srgbClr val="000000"/>
+                      </a:solidFill>
+                      <a:prstDash val="solid"/>
+                      <a:round/>
+                    </a:lnR>
+                    <a:lnT w="3556" cap="flat" cmpd="sng" algn="ctr">
+                      <a:solidFill>
+                        <a:srgbClr val="000000"/>
+                      </a:solidFill>
+                      <a:prstDash val="solid"/>
+                      <a:round/>
+                    </a:lnT>
+                    <a:lnB w="3556" cap="flat" cmpd="sng" algn="ctr">
+                      <a:solidFill>
+                        <a:srgbClr val="000000"/>
+                      </a:solidFill>
+                      <a:prstDash val="solid"/>
+                      <a:round/>
+                    </a:lnB>
+                  </a:tcPr>
+                </a:tc>
+                <a:tc>
+                  <a:txBody>
+                    <a:bodyPr/>
+                    <a:lstStyle/>
+                    <a:p>
+                      <a:pPr marL="0" algn="ctr">
+                        <a:lnSpc>
+                          <a:spcPct val="160000"/>
+                        </a:lnSpc>
+                        <a:spcBef>
+                          <a:spcPts val="0"/>
+                        </a:spcBef>
+                        <a:spcAft>
+                          <a:spcPts val="0"/>
+                        </a:spcAft>
+                        <a:defRPr lang="ko-KR" altLang="en-US"/>
+                      </a:pPr>
+                      <a:r>
+                        <a:rPr lang="en-US" sz="1400" b="1">
+                          <a:solidFill>
+                            <a:srgbClr val="000000"/>
+                          </a:solidFill>
+                          <a:latin typeface="굴림체"/>
+                          <a:ea typeface="굴림체"/>
+                        </a:rPr>
+                        <a:t>5</a:t>
+                      </a:r>
+                      <a:endParaRPr lang="en-US" sz="1400">
+                        <a:solidFill>
+                          <a:srgbClr val="000000"/>
+                        </a:solidFill>
+                        <a:latin typeface="바탕"/>
+                      </a:endParaRPr>
+                    </a:p>
+                  </a:txBody>
+                  <a:tcPr anchor="ctr">
+                    <a:lnL w="3556" cap="flat" cmpd="sng" algn="ctr">
+                      <a:solidFill>
+                        <a:srgbClr val="000000"/>
+                      </a:solidFill>
+                      <a:prstDash val="solid"/>
+                      <a:round/>
+                    </a:lnL>
+                    <a:lnR w="3556" cap="flat" cmpd="sng" algn="ctr">
+                      <a:solidFill>
+                        <a:srgbClr val="000000"/>
+                      </a:solidFill>
+                      <a:prstDash val="solid"/>
+                      <a:round/>
+                    </a:lnR>
+                    <a:lnT w="3556" cap="flat" cmpd="sng" algn="ctr">
+                      <a:solidFill>
+                        <a:srgbClr val="000000"/>
+                      </a:solidFill>
+                      <a:prstDash val="solid"/>
+                      <a:round/>
+                    </a:lnT>
+                    <a:lnB w="3556" cap="flat" cmpd="sng" algn="ctr">
+                      <a:solidFill>
+                        <a:srgbClr val="000000"/>
+                      </a:solidFill>
+                      <a:prstDash val="solid"/>
+                      <a:round/>
+                    </a:lnB>
+                  </a:tcPr>
+                </a:tc>
+                <a:tc>
+                  <a:txBody>
+                    <a:bodyPr/>
+                    <a:lstStyle/>
+                    <a:p>
+                      <a:pPr marL="0" algn="ctr">
+                        <a:lnSpc>
+                          <a:spcPct val="160000"/>
+                        </a:lnSpc>
+                        <a:spcBef>
+                          <a:spcPts val="0"/>
+                        </a:spcBef>
+                        <a:spcAft>
+                          <a:spcPts val="0"/>
+                        </a:spcAft>
+                        <a:defRPr lang="ko-KR" altLang="en-US"/>
+                      </a:pPr>
+                      <a:r>
+                        <a:rPr lang="en-US" sz="1400" b="1">
+                          <a:solidFill>
+                            <a:srgbClr val="000000"/>
+                          </a:solidFill>
+                          <a:latin typeface="굴림체"/>
+                          <a:ea typeface="굴림체"/>
+                        </a:rPr>
+                        <a:t>5 &lt;= 5</a:t>
+                      </a:r>
+                      <a:endParaRPr lang="en-US" sz="1400">
+                        <a:solidFill>
+                          <a:srgbClr val="000000"/>
+                        </a:solidFill>
+                        <a:latin typeface="바탕"/>
+                      </a:endParaRPr>
+                    </a:p>
+                  </a:txBody>
+                  <a:tcPr anchor="ctr">
+                    <a:lnL w="3556" cap="flat" cmpd="sng" algn="ctr">
+                      <a:solidFill>
+                        <a:srgbClr val="000000"/>
+                      </a:solidFill>
+                      <a:prstDash val="solid"/>
+                      <a:round/>
+                    </a:lnL>
+                    <a:lnR w="3556" cap="flat" cmpd="sng" algn="ctr">
+                      <a:solidFill>
+                        <a:srgbClr val="000000"/>
+                      </a:solidFill>
+                      <a:prstDash val="solid"/>
+                      <a:round/>
+                    </a:lnR>
+                    <a:lnT w="3556" cap="flat" cmpd="sng" algn="ctr">
+                      <a:solidFill>
+                        <a:srgbClr val="000000"/>
+                      </a:solidFill>
+                      <a:prstDash val="solid"/>
+                      <a:round/>
+                    </a:lnT>
+                    <a:lnB w="3556" cap="flat" cmpd="sng" algn="ctr">
+                      <a:solidFill>
+                        <a:srgbClr val="000000"/>
+                      </a:solidFill>
+                      <a:prstDash val="solid"/>
+                      <a:round/>
+                    </a:lnB>
+                  </a:tcPr>
+                </a:tc>
+                <a:tc>
+                  <a:txBody>
+                    <a:bodyPr/>
+                    <a:lstStyle/>
+                    <a:p>
+                      <a:pPr marL="0" algn="ctr">
+                        <a:lnSpc>
+                          <a:spcPct val="160000"/>
+                        </a:lnSpc>
+                        <a:spcBef>
+                          <a:spcPts val="0"/>
+                        </a:spcBef>
+                        <a:spcAft>
+                          <a:spcPts val="0"/>
+                        </a:spcAft>
+                        <a:defRPr lang="ko-KR" altLang="en-US"/>
+                      </a:pPr>
+                      <a:r>
+                        <a:rPr lang="en-US" sz="1400" b="1">
+                          <a:solidFill>
+                            <a:srgbClr val="000000"/>
+                          </a:solidFill>
+                          <a:latin typeface="굴림체"/>
+                          <a:ea typeface="굴림체"/>
+                        </a:rPr>
+                        <a:t>true</a:t>
+                      </a:r>
+                      <a:endParaRPr lang="en-US" sz="1400">
+                        <a:solidFill>
+                          <a:srgbClr val="000000"/>
+                        </a:solidFill>
+                        <a:latin typeface="바탕"/>
+                      </a:endParaRPr>
+                    </a:p>
+                  </a:txBody>
+                  <a:tcPr anchor="ctr">
+                    <a:lnL w="3556" cap="flat" cmpd="sng" algn="ctr">
+                      <a:solidFill>
+                        <a:srgbClr val="000000"/>
+                      </a:solidFill>
+                      <a:prstDash val="solid"/>
+                      <a:round/>
+                    </a:lnL>
+                    <a:lnR w="3556" cap="flat" cmpd="sng" algn="ctr">
+                      <a:solidFill>
+                        <a:srgbClr val="000000"/>
+                      </a:solidFill>
+                      <a:prstDash val="solid"/>
+                      <a:round/>
+                    </a:lnR>
+                    <a:lnT w="3556" cap="flat" cmpd="sng" algn="ctr">
+                      <a:solidFill>
+                        <a:srgbClr val="000000"/>
+                      </a:solidFill>
+                      <a:prstDash val="solid"/>
+                      <a:round/>
+                    </a:lnT>
+                    <a:lnB w="3556" cap="flat" cmpd="sng" algn="ctr">
+                      <a:solidFill>
+                        <a:srgbClr val="000000"/>
+                      </a:solidFill>
+                      <a:prstDash val="solid"/>
+                      <a:round/>
+                    </a:lnB>
+                  </a:tcPr>
+                </a:tc>
+                <a:tc>
+                  <a:txBody>
+                    <a:bodyPr/>
+                    <a:lstStyle/>
+                    <a:p>
+                      <a:pPr marL="0" algn="just">
+                        <a:lnSpc>
+                          <a:spcPct val="160000"/>
+                        </a:lnSpc>
+                        <a:spcBef>
+                          <a:spcPts val="0"/>
+                        </a:spcBef>
+                        <a:spcAft>
+                          <a:spcPts val="0"/>
+                        </a:spcAft>
+                        <a:defRPr lang="ko-KR" altLang="en-US"/>
+                      </a:pPr>
+                      <a:r>
+                        <a:rPr lang="en-US" sz="1400" b="1">
+                          <a:solidFill>
+                            <a:srgbClr val="000000"/>
+                          </a:solidFill>
+                          <a:latin typeface="굴림체"/>
+                          <a:ea typeface="굴림체"/>
+                        </a:rPr>
+                        <a:t>1 2 3 4 5</a:t>
+                      </a:r>
+                      <a:endParaRPr lang="en-US" sz="1400">
+                        <a:solidFill>
+                          <a:srgbClr val="000000"/>
+                        </a:solidFill>
+                        <a:latin typeface="바탕"/>
+                      </a:endParaRPr>
+                    </a:p>
+                  </a:txBody>
+                  <a:tcPr anchor="ctr">
+                    <a:lnL w="3556" cap="flat" cmpd="sng" algn="ctr">
+                      <a:solidFill>
+                        <a:srgbClr val="000000"/>
+                      </a:solidFill>
+                      <a:prstDash val="solid"/>
+                      <a:round/>
+                    </a:lnL>
+                    <a:lnR w="3556" cap="flat" cmpd="sng" algn="ctr">
+                      <a:solidFill>
+                        <a:srgbClr val="000000"/>
+                      </a:solidFill>
+                      <a:prstDash val="solid"/>
+                      <a:round/>
+                    </a:lnR>
+                    <a:lnT w="3556" cap="flat" cmpd="sng" algn="ctr">
+                      <a:solidFill>
+                        <a:srgbClr val="000000"/>
+                      </a:solidFill>
+                      <a:prstDash val="solid"/>
+                      <a:round/>
+                    </a:lnT>
+                    <a:lnB w="3556" cap="flat" cmpd="sng" algn="ctr">
+                      <a:solidFill>
+                        <a:srgbClr val="000000"/>
+                      </a:solidFill>
+                      <a:prstDash val="solid"/>
+                      <a:round/>
+                    </a:lnB>
+                  </a:tcPr>
+                </a:tc>
+                <a:extLst>
+                  <a:ext uri="{0D108BD9-81ED-4DB2-BD59-A6C34878D82A}">
+                    <a16:rowId xmlns:a16="http://schemas.microsoft.com/office/drawing/2014/main" val="10005"/>
+                  </a:ext>
+                </a:extLst>
+              </a:tr>
+              <a:tr h="838422">
+                <a:tc>
+                  <a:txBody>
+                    <a:bodyPr/>
+                    <a:lstStyle/>
+                    <a:p>
+                      <a:pPr marL="0" algn="ctr">
+                        <a:lnSpc>
+                          <a:spcPct val="160000"/>
+                        </a:lnSpc>
+                        <a:spcBef>
+                          <a:spcPts val="0"/>
+                        </a:spcBef>
+                        <a:spcAft>
+                          <a:spcPts val="0"/>
+                        </a:spcAft>
+                        <a:defRPr lang="ko-KR" altLang="en-US"/>
+                      </a:pPr>
+                      <a:endParaRPr lang="ko-KR" altLang="en-US" sz="1400">
+                        <a:solidFill>
+                          <a:srgbClr val="000000"/>
+                        </a:solidFill>
+                        <a:latin typeface="바탕"/>
+                      </a:endParaRPr>
+                    </a:p>
+                  </a:txBody>
+                  <a:tcPr anchor="ctr">
+                    <a:lnL w="3556" cap="flat" cmpd="sng" algn="ctr">
+                      <a:solidFill>
+                        <a:srgbClr val="000000"/>
+                      </a:solidFill>
+                      <a:prstDash val="solid"/>
+                      <a:round/>
+                    </a:lnL>
+                    <a:lnR w="3556" cap="flat" cmpd="sng" algn="ctr">
+                      <a:solidFill>
+                        <a:srgbClr val="000000"/>
+                      </a:solidFill>
+                      <a:prstDash val="solid"/>
+                      <a:round/>
+                    </a:lnR>
+                    <a:lnT w="3556" cap="flat" cmpd="sng" algn="ctr">
+                      <a:solidFill>
+                        <a:srgbClr val="000000"/>
+                      </a:solidFill>
+                      <a:prstDash val="solid"/>
+                      <a:round/>
+                    </a:lnT>
+                    <a:lnB w="3556" cap="flat" cmpd="sng" algn="ctr">
+                      <a:solidFill>
+                        <a:srgbClr val="000000"/>
+                      </a:solidFill>
+                      <a:prstDash val="solid"/>
+                      <a:round/>
+                    </a:lnB>
+                  </a:tcPr>
+                </a:tc>
+                <a:tc>
+                  <a:txBody>
+                    <a:bodyPr/>
+                    <a:lstStyle/>
+                    <a:p>
+                      <a:pPr marL="0" algn="ctr">
+                        <a:lnSpc>
+                          <a:spcPct val="160000"/>
+                        </a:lnSpc>
+                        <a:spcBef>
+                          <a:spcPts val="0"/>
+                        </a:spcBef>
+                        <a:spcAft>
+                          <a:spcPts val="0"/>
+                        </a:spcAft>
+                        <a:defRPr lang="ko-KR" altLang="en-US"/>
+                      </a:pPr>
+                      <a:r>
+                        <a:rPr lang="en-US" sz="1400" b="1">
+                          <a:solidFill>
+                            <a:srgbClr val="000000"/>
+                          </a:solidFill>
+                          <a:latin typeface="굴림체"/>
+                          <a:ea typeface="굴림체"/>
+                        </a:rPr>
+                        <a:t>6</a:t>
+                      </a:r>
+                      <a:endParaRPr lang="en-US" sz="1400">
+                        <a:solidFill>
+                          <a:srgbClr val="000000"/>
+                        </a:solidFill>
+                        <a:latin typeface="바탕"/>
+                      </a:endParaRPr>
+                    </a:p>
+                  </a:txBody>
+                  <a:tcPr anchor="ctr">
+                    <a:lnL w="3556" cap="flat" cmpd="sng" algn="ctr">
+                      <a:solidFill>
+                        <a:srgbClr val="000000"/>
+                      </a:solidFill>
+                      <a:prstDash val="solid"/>
+                      <a:round/>
+                    </a:lnL>
+                    <a:lnR w="3556" cap="flat" cmpd="sng" algn="ctr">
+                      <a:solidFill>
+                        <a:srgbClr val="000000"/>
+                      </a:solidFill>
+                      <a:prstDash val="solid"/>
+                      <a:round/>
+                    </a:lnR>
+                    <a:lnT w="3556" cap="flat" cmpd="sng" algn="ctr">
+                      <a:solidFill>
+                        <a:srgbClr val="000000"/>
+                      </a:solidFill>
+                      <a:prstDash val="solid"/>
+                      <a:round/>
+                    </a:lnT>
+                    <a:lnB w="3556" cap="flat" cmpd="sng" algn="ctr">
+                      <a:solidFill>
+                        <a:srgbClr val="000000"/>
+                      </a:solidFill>
+                      <a:prstDash val="solid"/>
+                      <a:round/>
+                    </a:lnB>
+                  </a:tcPr>
+                </a:tc>
+                <a:tc>
+                  <a:txBody>
+                    <a:bodyPr/>
+                    <a:lstStyle/>
+                    <a:p>
+                      <a:pPr marL="0" algn="ctr">
+                        <a:lnSpc>
+                          <a:spcPct val="160000"/>
+                        </a:lnSpc>
+                        <a:spcBef>
+                          <a:spcPts val="0"/>
+                        </a:spcBef>
+                        <a:spcAft>
+                          <a:spcPts val="0"/>
+                        </a:spcAft>
+                        <a:defRPr lang="ko-KR" altLang="en-US"/>
+                      </a:pPr>
+                      <a:r>
+                        <a:rPr lang="en-US" sz="1400" b="1">
+                          <a:solidFill>
+                            <a:srgbClr val="000000"/>
+                          </a:solidFill>
+                          <a:latin typeface="굴림체"/>
+                          <a:ea typeface="굴림체"/>
+                        </a:rPr>
+                        <a:t>6 &lt;= 5</a:t>
+                      </a:r>
+                      <a:endParaRPr lang="en-US" sz="1400">
+                        <a:solidFill>
+                          <a:srgbClr val="000000"/>
+                        </a:solidFill>
+                        <a:latin typeface="바탕"/>
+                      </a:endParaRPr>
+                    </a:p>
+                  </a:txBody>
+                  <a:tcPr anchor="ctr">
+                    <a:lnL w="3556" cap="flat" cmpd="sng" algn="ctr">
+                      <a:solidFill>
+                        <a:srgbClr val="000000"/>
+                      </a:solidFill>
+                      <a:prstDash val="solid"/>
+                      <a:round/>
+                    </a:lnL>
+                    <a:lnR w="3556" cap="flat" cmpd="sng" algn="ctr">
+                      <a:solidFill>
+                        <a:srgbClr val="000000"/>
+                      </a:solidFill>
+                      <a:prstDash val="solid"/>
+                      <a:round/>
+                    </a:lnR>
+                    <a:lnT w="3556" cap="flat" cmpd="sng" algn="ctr">
+                      <a:solidFill>
+                        <a:srgbClr val="000000"/>
+                      </a:solidFill>
+                      <a:prstDash val="solid"/>
+                      <a:round/>
+                    </a:lnT>
+                    <a:lnB w="3556" cap="flat" cmpd="sng" algn="ctr">
+                      <a:solidFill>
+                        <a:srgbClr val="000000"/>
+                      </a:solidFill>
+                      <a:prstDash val="solid"/>
+                      <a:round/>
+                    </a:lnB>
+                  </a:tcPr>
+                </a:tc>
+                <a:tc gridSpan="2">
+                  <a:txBody>
+                    <a:bodyPr/>
+                    <a:lstStyle/>
+                    <a:p>
+                      <a:pPr marL="0" algn="l">
+                        <a:lnSpc>
+                          <a:spcPct val="160000"/>
+                        </a:lnSpc>
+                        <a:spcBef>
+                          <a:spcPts val="0"/>
+                        </a:spcBef>
+                        <a:spcAft>
+                          <a:spcPts val="0"/>
+                        </a:spcAft>
+                        <a:defRPr lang="ko-KR" altLang="en-US"/>
+                      </a:pPr>
+                      <a:r>
+                        <a:rPr lang="en-US" altLang="ko-KR" sz="1400" b="1">
+                          <a:solidFill>
+                            <a:srgbClr val="FF0000"/>
+                          </a:solidFill>
+                          <a:latin typeface="HY견고딕"/>
+                          <a:ea typeface="HY견고딕"/>
+                        </a:rPr>
+                        <a:t>false</a:t>
+                      </a:r>
+                    </a:p>
+                    <a:p>
+                      <a:pPr marL="0" algn="just">
+                        <a:lnSpc>
+                          <a:spcPct val="160000"/>
+                        </a:lnSpc>
+                        <a:spcBef>
+                          <a:spcPts val="0"/>
+                        </a:spcBef>
+                        <a:spcAft>
+                          <a:spcPts val="0"/>
+                        </a:spcAft>
+                        <a:defRPr lang="ko-KR" altLang="en-US"/>
+                      </a:pPr>
+                      <a:r>
+                        <a:rPr lang="en-US" altLang="ko-KR" sz="1400" b="1">
+                          <a:solidFill>
+                            <a:srgbClr val="000000"/>
+                          </a:solidFill>
+                          <a:latin typeface="굴림체"/>
+                          <a:ea typeface="굴림체"/>
+                        </a:rPr>
+                        <a:t>(</a:t>
+                      </a:r>
+                      <a:r>
+                        <a:rPr lang="en-US" altLang="ko-KR" sz="1400" b="1" u="sng">
+                          <a:solidFill>
+                            <a:srgbClr val="000000"/>
+                          </a:solidFill>
+                          <a:uFill>
+                            <a:solidFill>
+                              <a:srgbClr val="000000"/>
+                            </a:solidFill>
+                          </a:uFill>
+                          <a:latin typeface="굴림체"/>
+                          <a:ea typeface="굴림체"/>
+                        </a:rPr>
+                        <a:t>for</a:t>
+                      </a:r>
+                      <a:r>
+                        <a:rPr lang="ko-KR" altLang="en-US" sz="1400" b="1" u="sng">
+                          <a:solidFill>
+                            <a:srgbClr val="000000"/>
+                          </a:solidFill>
+                          <a:uFill>
+                            <a:solidFill>
+                              <a:srgbClr val="000000"/>
+                            </a:solidFill>
+                          </a:uFill>
+                          <a:latin typeface="굴림체"/>
+                          <a:ea typeface="굴림체"/>
+                        </a:rPr>
+                        <a:t>문을 빠져나와 다음 문장을 수행</a:t>
+                      </a:r>
+                      <a:r>
+                        <a:rPr lang="en-US" altLang="ko-KR" sz="1400" b="1">
+                          <a:solidFill>
+                            <a:srgbClr val="000000"/>
+                          </a:solidFill>
+                          <a:latin typeface="굴림체"/>
+                          <a:ea typeface="굴림체"/>
+                        </a:rPr>
+                        <a:t>)</a:t>
+                      </a:r>
+                      <a:endParaRPr lang="ko-KR" altLang="en-US" sz="1400">
+                        <a:solidFill>
+                          <a:srgbClr val="000000"/>
+                        </a:solidFill>
+                        <a:latin typeface="바탕"/>
+                      </a:endParaRPr>
+                    </a:p>
+                  </a:txBody>
+                  <a:tcPr anchor="ctr">
+                    <a:lnL w="3556" cap="flat" cmpd="sng" algn="ctr">
+                      <a:solidFill>
+                        <a:srgbClr val="000000"/>
+                      </a:solidFill>
+                      <a:prstDash val="solid"/>
+                      <a:round/>
+                    </a:lnL>
+                    <a:lnR w="3556" cap="flat" cmpd="sng" algn="ctr">
+                      <a:solidFill>
+                        <a:srgbClr val="000000"/>
+                      </a:solidFill>
+                      <a:prstDash val="solid"/>
+                      <a:round/>
+                    </a:lnR>
+                    <a:lnT w="3556" cap="flat" cmpd="sng" algn="ctr">
+                      <a:solidFill>
+                        <a:srgbClr val="000000"/>
+                      </a:solidFill>
+                      <a:prstDash val="solid"/>
+                      <a:round/>
+                    </a:lnT>
+                    <a:lnB w="3556" cap="flat" cmpd="sng" algn="ctr">
+                      <a:solidFill>
+                        <a:srgbClr val="000000"/>
+                      </a:solidFill>
+                      <a:prstDash val="solid"/>
+                      <a:round/>
+                    </a:lnB>
+                  </a:tcPr>
+                </a:tc>
+                <a:tc hMerge="1">
+                  <a:txBody>
+                    <a:bodyPr/>
+                    <a:lstStyle/>
+                    <a:p>
+                      <a:pPr latinLnBrk="1">
+                        <a:defRPr lang="ko-KR" altLang="en-US"/>
+                      </a:pPr>
+                      <a:endParaRPr lang="ko-KR" altLang="en-US"/>
+                    </a:p>
+                  </a:txBody>
+                  <a:tcPr/>
+                </a:tc>
+                <a:extLst>
+                  <a:ext uri="{0D108BD9-81ED-4DB2-BD59-A6C34878D82A}">
+                    <a16:rowId xmlns:a16="http://schemas.microsoft.com/office/drawing/2014/main" val="10006"/>
+                  </a:ext>
+                </a:extLst>
+              </a:tr>
+            </a:tbl>
+          </a:graphicData>
+        </a:graphic>
+      </p:graphicFrame>
+      <p:sp>
+        <p:nvSpPr>
+          <p:cNvPr id="32769" name="Rectangle 1"/>
+          <p:cNvSpPr>
+            <a:spLocks noChangeArrowheads="1"/>
+          </p:cNvSpPr>
+          <p:nvPr/>
+        </p:nvSpPr>
+        <p:spPr>
+          <a:xfrm>
+            <a:off x="0" y="0"/>
+            <a:ext cx="9144000" cy="457200"/>
+          </a:xfrm>
+          <a:prstGeom prst="rect">
+            <a:avLst/>
+          </a:prstGeom>
+          <a:noFill/>
+          <a:ln w="9525">
+            <a:noFill/>
+            <a:miter/>
+          </a:ln>
+          <a:effectLst/>
+        </p:spPr>
+        <p:txBody>
+          <a:bodyPr vert="horz" wrap="none" lIns="91440" tIns="45720" rIns="91440" bIns="45720" anchor="ctr" anchorCtr="0">
+            <a:prstTxWarp prst="textNoShape">
+              <a:avLst/>
+            </a:prstTxWarp>
+            <a:spAutoFit/>
+          </a:bodyPr>
+          <a:lstStyle/>
+          <a:p>
+            <a:pPr marL="0" lvl="0" indent="0" algn="l" defTabSz="900000" rtl="0" eaLnBrk="1" latinLnBrk="1" hangingPunct="1">
+              <a:lnSpc>
+                <a:spcPct val="100000"/>
+              </a:lnSpc>
+              <a:spcBef>
+                <a:spcPct val="0"/>
+              </a:spcBef>
+              <a:spcAft>
+                <a:spcPct val="0"/>
+              </a:spcAft>
+              <a:buClrTx/>
+              <a:buFontTx/>
+              <a:buNone/>
+              <a:defRPr lang="ko-KR" altLang="en-US"/>
+            </a:pPr>
+            <a:endParaRPr kumimoji="1" lang="ko-KR" altLang="ko-KR" sz="1800" b="0" i="0" u="none" strike="noStrike" cap="none" normalizeH="0">
+              <a:solidFill>
+                <a:schemeClr val="tx1"/>
+              </a:solidFill>
+              <a:effectLst/>
+              <a:latin typeface="굴림"/>
+              <a:ea typeface="굴림"/>
+              <a:cs typeface="굴림"/>
+            </a:endParaRPr>
+          </a:p>
+        </p:txBody>
+      </p:sp>
+    </p:spTree>
+  </p:cSld>
+  <p:clrMapOvr>
+    <a:masterClrMapping/>
+  </p:clrMapOvr>
+  <mc:AlternateContent xmlns:mc="http://schemas.openxmlformats.org/markup-compatibility/2006" xmlns:p14="http://schemas.microsoft.com/office/powerpoint/2010/main">
+    <mc:Choice Requires="p14">
+      <p:transition/>
+    </mc:Choice>
+    <mc:Fallback xmlns="" xmlns:c="http://schemas.openxmlformats.org/drawingml/2006/chart" xmlns:dgm="http://schemas.openxmlformats.org/drawingml/2006/diagram" xmlns:dsp="http://schemas.microsoft.com/office/drawing/2008/diagram">
+      <p:transition/>
+    </mc:Fallback>
+  </mc:AlternateContent>
+  <p:timing>
+    <p:tnLst>
+      <p:par>
+        <p:cTn id="1" dur="indefinite" restart="never" nodeType="tmRoot"/>
+      </p:par>
+    </p:tnLst>
+  </p:timing>
+</p:sld>
+</file>
+
+<file path=ppt/slides/slide11.xml><?xml version="1.0" encoding="utf-8"?>
+<p:sld xmlns:a="http://schemas.openxmlformats.org/drawingml/2006/main" xmlns:r="http://schemas.openxmlformats.org/officeDocument/2006/relationships" xmlns:p="http://schemas.openxmlformats.org/presentationml/2006/main">
+  <p:cSld>
+    <p:spTree>
+      <p:nvGrpSpPr>
+        <p:cNvPr id="1" name=""/>
+        <p:cNvGrpSpPr/>
+        <p:nvPr/>
+      </p:nvGrpSpPr>
+      <p:grpSpPr>
+        <a:xfrm>
+          <a:off x="0" y="0"/>
+          <a:ext cx="0" cy="0"/>
+          <a:chOff x="0" y="0"/>
+          <a:chExt cx="0" cy="0"/>
+        </a:xfrm>
+      </p:grpSpPr>
       <p:pic>
         <p:nvPicPr>
           <p:cNvPr id="8193" name="Picture 1"/>
@@ -4924,7 +7634,7 @@
 </p:sld>
 </file>
 
-<file path=ppt/slides/slide11.xml><?xml version="1.0" encoding="utf-8"?>
+<file path=ppt/slides/slide12.xml><?xml version="1.0" encoding="utf-8"?>
 <p:sld xmlns:a="http://schemas.openxmlformats.org/drawingml/2006/main" xmlns:r="http://schemas.openxmlformats.org/officeDocument/2006/relationships" xmlns:p="http://schemas.openxmlformats.org/presentationml/2006/main">
   <p:cSld>
     <p:spTree>
@@ -5298,7 +8008,7 @@
 </p:sld>
 </file>
 
-<file path=ppt/slides/slide12.xml><?xml version="1.0" encoding="utf-8"?>
+<file path=ppt/slides/slide13.xml><?xml version="1.0" encoding="utf-8"?>
 <p:sld xmlns:a="http://schemas.openxmlformats.org/drawingml/2006/main" xmlns:r="http://schemas.openxmlformats.org/officeDocument/2006/relationships" xmlns:p="http://schemas.openxmlformats.org/presentationml/2006/main">
   <p:cSld>
     <p:spTree>
@@ -7896,7 +10606,7 @@
 </p:sld>
 </file>
 
-<file path=ppt/slides/slide13.xml><?xml version="1.0" encoding="utf-8"?>
+<file path=ppt/slides/slide14.xml><?xml version="1.0" encoding="utf-8"?>
 <p:sld xmlns:a="http://schemas.openxmlformats.org/drawingml/2006/main" xmlns:r="http://schemas.openxmlformats.org/officeDocument/2006/relationships" xmlns:p="http://schemas.openxmlformats.org/presentationml/2006/main">
   <p:cSld>
     <p:spTree>
@@ -8125,7 +10835,7 @@
 </p:sld>
 </file>
 
-<file path=ppt/slides/slide14.xml><?xml version="1.0" encoding="utf-8"?>
+<file path=ppt/slides/slide15.xml><?xml version="1.0" encoding="utf-8"?>
 <p:sld xmlns:a="http://schemas.openxmlformats.org/drawingml/2006/main" xmlns:r="http://schemas.openxmlformats.org/officeDocument/2006/relationships" xmlns:p="http://schemas.openxmlformats.org/presentationml/2006/main">
   <p:cSld>
     <p:spTree>
@@ -8363,7 +11073,83 @@
 </p:sld>
 </file>
 
-<file path=ppt/slides/slide15.xml><?xml version="1.0" encoding="utf-8"?>
+<file path=ppt/slides/slide16.xml><?xml version="1.0" encoding="utf-8"?>
+<p:sld xmlns:a="http://schemas.openxmlformats.org/drawingml/2006/main" xmlns:r="http://schemas.openxmlformats.org/officeDocument/2006/relationships" xmlns:p="http://schemas.openxmlformats.org/presentationml/2006/main">
+  <p:cSld>
+    <p:spTree>
+      <p:nvGrpSpPr>
+        <p:cNvPr id="1" name=""/>
+        <p:cNvGrpSpPr/>
+        <p:nvPr/>
+      </p:nvGrpSpPr>
+      <p:grpSpPr>
+        <a:xfrm>
+          <a:off x="0" y="0"/>
+          <a:ext cx="0" cy="0"/>
+          <a:chOff x="0" y="0"/>
+          <a:chExt cx="0" cy="0"/>
+        </a:xfrm>
+      </p:grpSpPr>
+      <p:pic>
+        <p:nvPicPr>
+          <p:cNvPr id="39937" name="Picture 1"/>
+          <p:cNvPicPr>
+            <a:picLocks noChangeAspect="1" noChangeArrowheads="1"/>
+          </p:cNvPicPr>
+          <p:nvPr/>
+        </p:nvPicPr>
+        <p:blipFill rotWithShape="1">
+          <a:blip r:embed="rId2"/>
+          <a:srcRect t="63522"/>
+          <a:stretch/>
+        </p:blipFill>
+        <p:spPr>
+          <a:xfrm>
+            <a:off x="1835696" y="2276872"/>
+            <a:ext cx="5172075" cy="2178551"/>
+          </a:xfrm>
+          <a:prstGeom prst="rect">
+            <a:avLst/>
+          </a:prstGeom>
+          <a:noFill/>
+          <a:ln w="9525">
+            <a:solidFill>
+              <a:srgbClr val="002060"/>
+            </a:solidFill>
+            <a:miter/>
+          </a:ln>
+          <a:effectLst/>
+        </p:spPr>
+      </p:pic>
+    </p:spTree>
+    <p:extLst>
+      <p:ext uri="{BB962C8B-B14F-4D97-AF65-F5344CB8AC3E}">
+        <p14:creationId xmlns:p14="http://schemas.microsoft.com/office/powerpoint/2010/main" val="1791660094"/>
+      </p:ext>
+    </p:extLst>
+  </p:cSld>
+  <p:clrMapOvr>
+    <a:masterClrMapping/>
+  </p:clrMapOvr>
+  <mc:AlternateContent xmlns:mc="http://schemas.openxmlformats.org/markup-compatibility/2006" xmlns:p14="http://schemas.microsoft.com/office/powerpoint/2010/main">
+    <mc:Choice Requires="p14">
+      <p:transition/>
+    </mc:Choice>
+    <mc:Fallback xmlns="" xmlns:c="http://schemas.openxmlformats.org/drawingml/2006/chart" xmlns:dgm="http://schemas.openxmlformats.org/drawingml/2006/diagram" xmlns:dsp="http://schemas.microsoft.com/office/drawing/2008/diagram">
+      <p:transition/>
+    </mc:Fallback>
+  </mc:AlternateContent>
+  <p:timing>
+    <p:tnLst>
+      <p:par>
+        <p:cTn id="1" dur="indefinite" restart="never" nodeType="tmRoot"/>
+      </p:par>
+    </p:tnLst>
+  </p:timing>
+</p:sld>
+</file>
+
+<file path=ppt/slides/slide17.xml><?xml version="1.0" encoding="utf-8"?>
 <p:sld xmlns:a="http://schemas.openxmlformats.org/drawingml/2006/main" xmlns:r="http://schemas.openxmlformats.org/officeDocument/2006/relationships" xmlns:p="http://schemas.openxmlformats.org/presentationml/2006/main">
   <p:cSld>
     <p:spTree>
@@ -8840,7 +11626,7 @@
 </p:sld>
 </file>
 
-<file path=ppt/slides/slide16.xml><?xml version="1.0" encoding="utf-8"?>
+<file path=ppt/slides/slide18.xml><?xml version="1.0" encoding="utf-8"?>
 <p:sld xmlns:a="http://schemas.openxmlformats.org/drawingml/2006/main" xmlns:r="http://schemas.openxmlformats.org/officeDocument/2006/relationships" xmlns:p="http://schemas.openxmlformats.org/presentationml/2006/main">
   <p:cSld>
     <p:spTree>
@@ -12554,658 +15340,6 @@
 </p:sld>
 </file>
 
-<file path=ppt/slides/slide17.xml><?xml version="1.0" encoding="utf-8"?>
-<p:sld xmlns:a="http://schemas.openxmlformats.org/drawingml/2006/main" xmlns:r="http://schemas.openxmlformats.org/officeDocument/2006/relationships" xmlns:p="http://schemas.openxmlformats.org/presentationml/2006/main">
-  <p:cSld>
-    <p:spTree>
-      <p:nvGrpSpPr>
-        <p:cNvPr id="1" name=""/>
-        <p:cNvGrpSpPr/>
-        <p:nvPr/>
-      </p:nvGrpSpPr>
-      <p:grpSpPr>
-        <a:xfrm>
-          <a:off x="0" y="0"/>
-          <a:ext cx="0" cy="0"/>
-          <a:chOff x="0" y="0"/>
-          <a:chExt cx="0" cy="0"/>
-        </a:xfrm>
-      </p:grpSpPr>
-      <p:sp>
-        <p:nvSpPr>
-          <p:cNvPr id="2" name="제목 1"/>
-          <p:cNvSpPr>
-            <a:spLocks noGrp="1"/>
-          </p:cNvSpPr>
-          <p:nvPr>
-            <p:ph type="title"/>
-          </p:nvPr>
-        </p:nvSpPr>
-        <p:spPr/>
-        <p:txBody>
-          <a:bodyPr/>
-          <a:lstStyle/>
-          <a:p>
-            <a:pPr lvl="0">
-              <a:defRPr lang="ko-KR" altLang="en-US"/>
-            </a:pPr>
-            <a:endParaRPr lang="ko-KR" altLang="en-US"/>
-          </a:p>
-        </p:txBody>
-      </p:sp>
-      <p:sp>
-        <p:nvSpPr>
-          <p:cNvPr id="3" name="내용 개체 틀 2"/>
-          <p:cNvSpPr>
-            <a:spLocks noGrp="1"/>
-          </p:cNvSpPr>
-          <p:nvPr>
-            <p:ph idx="1"/>
-          </p:nvPr>
-        </p:nvSpPr>
-        <p:spPr/>
-        <p:txBody>
-          <a:bodyPr/>
-          <a:lstStyle/>
-          <a:p>
-            <a:pPr lvl="0">
-              <a:defRPr lang="ko-KR" altLang="en-US"/>
-            </a:pPr>
-            <a:r>
-              <a:rPr lang="ko-KR" altLang="en-US" sz="2400" u="sng"/>
-              <a:t>밖에 있는 </a:t>
-            </a:r>
-            <a:r>
-              <a:rPr lang="en-US" altLang="ko-KR" sz="2400" b="1" u="sng"/>
-              <a:t>for</a:t>
-            </a:r>
-            <a:r>
-              <a:rPr lang="ko-KR" altLang="en-US" sz="2400" b="1" u="sng"/>
-              <a:t>문</a:t>
-            </a:r>
-            <a:r>
-              <a:rPr lang="en-US" altLang="ko-KR" sz="2400" u="sng"/>
-              <a:t>(outer for)</a:t>
-            </a:r>
-            <a:r>
-              <a:rPr lang="ko-KR" altLang="en-US" sz="2400" u="sng"/>
-              <a:t>은 줄</a:t>
-            </a:r>
-            <a:r>
-              <a:rPr lang="en-US" altLang="ko-KR" sz="2400" u="sng"/>
-              <a:t>(row)</a:t>
-            </a:r>
-            <a:r>
-              <a:rPr lang="ko-KR" altLang="en-US" sz="2400" u="sng"/>
-              <a:t>의 수를 결정하고</a:t>
-            </a:r>
-            <a:r>
-              <a:rPr lang="en-US" altLang="ko-KR" sz="2400" u="sng"/>
-              <a:t>, </a:t>
-            </a:r>
-            <a:r>
-              <a:rPr lang="ko-KR" altLang="en-US" sz="2400" u="sng"/>
-              <a:t>안에 있는 </a:t>
-            </a:r>
-            <a:r>
-              <a:rPr lang="en-US" altLang="ko-KR" sz="2400" b="1" u="sng"/>
-              <a:t>for</a:t>
-            </a:r>
-            <a:r>
-              <a:rPr lang="ko-KR" altLang="en-US" sz="2400" b="1" u="sng"/>
-              <a:t>문</a:t>
-            </a:r>
-            <a:r>
-              <a:rPr lang="en-US" altLang="ko-KR" sz="2400" u="sng"/>
-              <a:t>(inner for)</a:t>
-            </a:r>
-            <a:r>
-              <a:rPr lang="ko-KR" altLang="en-US" sz="2400" u="sng"/>
-              <a:t>은 칸</a:t>
-            </a:r>
-            <a:r>
-              <a:rPr lang="en-US" altLang="ko-KR" sz="2400" u="sng"/>
-              <a:t>(column)</a:t>
-            </a:r>
-            <a:r>
-              <a:rPr lang="ko-KR" altLang="en-US" sz="2400" u="sng"/>
-              <a:t>의 수를 결정 한다</a:t>
-            </a:r>
-            <a:r>
-              <a:rPr lang="en-US" altLang="ko-KR" sz="2400" u="sng"/>
-              <a:t>.</a:t>
-            </a:r>
-            <a:r>
-              <a:rPr lang="ko-KR" altLang="en-US" sz="2400"/>
-              <a:t> </a:t>
-            </a:r>
-          </a:p>
-          <a:p>
-            <a:pPr lvl="0">
-              <a:defRPr lang="ko-KR" altLang="en-US"/>
-            </a:pPr>
-            <a:r>
-              <a:rPr lang="ko-KR" altLang="en-US" sz="2400"/>
-              <a:t>따라서</a:t>
-            </a:r>
-            <a:r>
-              <a:rPr lang="en-US" altLang="ko-KR" sz="2400"/>
-              <a:t>, </a:t>
-            </a:r>
-            <a:r>
-              <a:rPr lang="ko-KR" altLang="en-US" sz="2400"/>
-              <a:t>줄의 개수가 </a:t>
-            </a:r>
-            <a:r>
-              <a:rPr lang="en-US" altLang="ko-KR" sz="2400"/>
-              <a:t>5 </a:t>
-            </a:r>
-            <a:r>
-              <a:rPr lang="ko-KR" altLang="en-US" sz="2400"/>
-              <a:t>이므로 밖에 있는 </a:t>
-            </a:r>
-            <a:r>
-              <a:rPr lang="en-US" altLang="ko-KR" sz="2400" b="1"/>
-              <a:t>for</a:t>
-            </a:r>
-            <a:r>
-              <a:rPr lang="ko-KR" altLang="en-US" sz="2400" b="1"/>
-              <a:t>문</a:t>
-            </a:r>
-            <a:r>
-              <a:rPr lang="en-US" altLang="ko-KR" sz="2400"/>
-              <a:t>(outer for)</a:t>
-            </a:r>
-            <a:r>
-              <a:rPr lang="ko-KR" altLang="en-US" sz="2400"/>
-              <a:t>은 </a:t>
-            </a:r>
-            <a:r>
-              <a:rPr lang="en-US" altLang="ko-KR" sz="2400"/>
-              <a:t>5</a:t>
-            </a:r>
-            <a:r>
-              <a:rPr lang="ko-KR" altLang="en-US" sz="2400"/>
-              <a:t>번 반복되어야 한다</a:t>
-            </a:r>
-            <a:r>
-              <a:rPr lang="en-US" altLang="ko-KR" sz="2400"/>
-              <a:t>. </a:t>
-            </a:r>
-          </a:p>
-          <a:p>
-            <a:pPr lvl="0">
-              <a:defRPr lang="ko-KR" altLang="en-US"/>
-            </a:pPr>
-            <a:r>
-              <a:rPr lang="ko-KR" altLang="en-US" sz="2400"/>
-              <a:t>그리고</a:t>
-            </a:r>
-            <a:r>
-              <a:rPr lang="en-US" altLang="ko-KR" sz="2400"/>
-              <a:t>, </a:t>
-            </a:r>
-            <a:r>
-              <a:rPr lang="ko-KR" altLang="en-US" sz="2400"/>
-              <a:t>칸</a:t>
-            </a:r>
-            <a:r>
-              <a:rPr lang="en-US" altLang="ko-KR" sz="2400"/>
-              <a:t>(column)</a:t>
-            </a:r>
-            <a:r>
-              <a:rPr lang="ko-KR" altLang="en-US" sz="2400"/>
-              <a:t>의 수를 결정하는 안에 있는 </a:t>
-            </a:r>
-            <a:r>
-              <a:rPr lang="en-US" altLang="ko-KR" sz="2400" b="1"/>
-              <a:t>for</a:t>
-            </a:r>
-            <a:r>
-              <a:rPr lang="ko-KR" altLang="en-US" sz="2400" b="1"/>
-              <a:t>문</a:t>
-            </a:r>
-            <a:r>
-              <a:rPr lang="en-US" altLang="ko-KR" sz="2400"/>
-              <a:t>(inner for)</a:t>
-            </a:r>
-            <a:r>
-              <a:rPr lang="ko-KR" altLang="en-US" sz="2400"/>
-              <a:t>은 줄마다 다르므로 </a:t>
-            </a:r>
-            <a:r>
-              <a:rPr lang="en-US" altLang="ko-KR" sz="2400"/>
-              <a:t>j &lt;= 5</a:t>
-            </a:r>
-            <a:r>
-              <a:rPr lang="ko-KR" altLang="en-US" sz="2400"/>
-              <a:t>처럼 매번 </a:t>
-            </a:r>
-            <a:r>
-              <a:rPr lang="en-US" altLang="ko-KR" sz="2400"/>
-              <a:t>5</a:t>
-            </a:r>
-            <a:r>
-              <a:rPr lang="ko-KR" altLang="en-US" sz="2400"/>
-              <a:t>번 반복하는 것이 아니라</a:t>
-            </a:r>
-            <a:r>
-              <a:rPr lang="en-US" altLang="ko-KR" sz="2400"/>
-              <a:t>,</a:t>
-            </a:r>
-            <a:r>
-              <a:rPr lang="ko-KR" altLang="en-US" sz="2400" u="sng"/>
-              <a:t> </a:t>
-            </a:r>
-            <a:r>
-              <a:rPr lang="en-US" altLang="ko-KR" sz="2400" b="1" u="sng"/>
-              <a:t>1</a:t>
-            </a:r>
-            <a:r>
-              <a:rPr lang="ko-KR" altLang="en-US" sz="2400" u="sng"/>
-              <a:t> 번째 줄에는 </a:t>
-            </a:r>
-            <a:r>
-              <a:rPr lang="en-US" altLang="ko-KR" sz="2400" b="1" u="sng"/>
-              <a:t>1</a:t>
-            </a:r>
-            <a:r>
-              <a:rPr lang="ko-KR" altLang="en-US" sz="2400" u="sng"/>
-              <a:t>번</a:t>
-            </a:r>
-            <a:r>
-              <a:rPr lang="en-US" altLang="ko-KR" sz="2400" u="sng"/>
-              <a:t>, </a:t>
-            </a:r>
-            <a:r>
-              <a:rPr lang="en-US" altLang="ko-KR" sz="2400" b="1" u="sng"/>
-              <a:t>2</a:t>
-            </a:r>
-            <a:r>
-              <a:rPr lang="ko-KR" altLang="en-US" sz="2400" u="sng"/>
-              <a:t>번째 줄에는 </a:t>
-            </a:r>
-            <a:r>
-              <a:rPr lang="en-US" altLang="ko-KR" sz="2400" b="1" u="sng"/>
-              <a:t>2</a:t>
-            </a:r>
-            <a:r>
-              <a:rPr lang="ko-KR" altLang="en-US" sz="2400" u="sng"/>
-              <a:t>번</a:t>
-            </a:r>
-            <a:r>
-              <a:rPr lang="en-US" altLang="ko-KR" sz="2400" u="sng"/>
-              <a:t>, </a:t>
-            </a:r>
-            <a:r>
-              <a:rPr lang="en-US" altLang="ko-KR" sz="2400" b="1" u="sng"/>
-              <a:t>3</a:t>
-            </a:r>
-            <a:r>
-              <a:rPr lang="ko-KR" altLang="en-US" sz="2400" u="sng"/>
-              <a:t>번째 줄에는 </a:t>
-            </a:r>
-            <a:r>
-              <a:rPr lang="en-US" altLang="ko-KR" sz="2400" b="1" u="sng"/>
-              <a:t>3</a:t>
-            </a:r>
-            <a:r>
-              <a:rPr lang="ko-KR" altLang="en-US" sz="2400" u="sng"/>
-              <a:t>번</a:t>
-            </a:r>
-            <a:r>
-              <a:rPr lang="en-US" altLang="ko-KR" sz="2400" u="sng"/>
-              <a:t>, </a:t>
-            </a:r>
-            <a:r>
-              <a:rPr lang="en-US" altLang="ko-KR" sz="2400" b="1" u="sng"/>
-              <a:t>4</a:t>
-            </a:r>
-            <a:r>
-              <a:rPr lang="ko-KR" altLang="en-US" sz="2400" u="sng"/>
-              <a:t>번째 줄에는 </a:t>
-            </a:r>
-            <a:r>
-              <a:rPr lang="en-US" altLang="ko-KR" sz="2400" b="1" u="sng"/>
-              <a:t>4</a:t>
-            </a:r>
-            <a:r>
-              <a:rPr lang="ko-KR" altLang="en-US" sz="2400" u="sng"/>
-              <a:t>번</a:t>
-            </a:r>
-            <a:r>
-              <a:rPr lang="en-US" altLang="ko-KR" sz="2400" u="sng"/>
-              <a:t>, </a:t>
-            </a:r>
-            <a:r>
-              <a:rPr lang="en-US" altLang="ko-KR" sz="2400" b="1" u="sng"/>
-              <a:t>5</a:t>
-            </a:r>
-            <a:r>
-              <a:rPr lang="ko-KR" altLang="en-US" sz="2400" u="sng"/>
-              <a:t>번째 줄에는 </a:t>
-            </a:r>
-            <a:r>
-              <a:rPr lang="en-US" altLang="ko-KR" sz="2400" b="1" u="sng"/>
-              <a:t>5</a:t>
-            </a:r>
-            <a:r>
-              <a:rPr lang="ko-KR" altLang="en-US" sz="2400" u="sng"/>
-              <a:t>번 회전하므로 각 줄의 칸의 수가 </a:t>
-            </a:r>
-            <a:r>
-              <a:rPr lang="en-US" altLang="ko-KR" sz="2400" u="sng"/>
-              <a:t>i</a:t>
-            </a:r>
-            <a:r>
-              <a:rPr lang="ko-KR" altLang="en-US" sz="2400" u="sng"/>
-              <a:t>의 값과 동</a:t>
-            </a:r>
-            <a:r>
-              <a:rPr lang="ko-KR" altLang="en-US" sz="2400"/>
-              <a:t>일하므로</a:t>
-            </a:r>
-            <a:r>
-              <a:rPr lang="en-US" altLang="ko-KR" sz="2400"/>
-              <a:t>, </a:t>
-            </a:r>
-            <a:r>
-              <a:rPr lang="ko-KR" altLang="en-US" sz="2400"/>
-              <a:t>각 줄마다 </a:t>
-            </a:r>
-            <a:r>
-              <a:rPr lang="en-US" altLang="ko-KR" sz="2400"/>
-              <a:t>i </a:t>
-            </a:r>
-            <a:r>
-              <a:rPr lang="ko-KR" altLang="en-US" sz="2400"/>
-              <a:t>변수 값만큼 회전하면 되기에 안에 있는 </a:t>
-            </a:r>
-            <a:r>
-              <a:rPr lang="en-US" altLang="ko-KR" sz="2400" b="1"/>
-              <a:t>for</a:t>
-            </a:r>
-            <a:r>
-              <a:rPr lang="ko-KR" altLang="en-US" sz="2400" b="1"/>
-              <a:t>문</a:t>
-            </a:r>
-            <a:r>
-              <a:rPr lang="en-US" altLang="ko-KR" sz="2400"/>
-              <a:t>(inner for)</a:t>
-            </a:r>
-            <a:r>
-              <a:rPr lang="ko-KR" altLang="en-US" sz="2400"/>
-              <a:t>의 회전수 값을 가지고 있는 </a:t>
-            </a:r>
-            <a:r>
-              <a:rPr lang="en-US" altLang="ko-KR" sz="2400"/>
-              <a:t>j </a:t>
-            </a:r>
-            <a:r>
-              <a:rPr lang="ko-KR" altLang="en-US" sz="2400"/>
-              <a:t>가 </a:t>
-            </a:r>
-            <a:r>
-              <a:rPr lang="en-US" altLang="ko-KR" sz="2400"/>
-              <a:t>j &lt;= i </a:t>
-            </a:r>
-            <a:r>
-              <a:rPr lang="ko-KR" altLang="en-US" sz="2400"/>
-              <a:t>의 조건식을 써주면 된다</a:t>
-            </a:r>
-            <a:r>
-              <a:rPr lang="en-US" altLang="ko-KR" sz="2400"/>
-              <a:t>.</a:t>
-            </a:r>
-          </a:p>
-        </p:txBody>
-      </p:sp>
-    </p:spTree>
-  </p:cSld>
-  <p:clrMapOvr>
-    <a:masterClrMapping/>
-  </p:clrMapOvr>
-  <mc:AlternateContent xmlns:mc="http://schemas.openxmlformats.org/markup-compatibility/2006" xmlns:p14="http://schemas.microsoft.com/office/powerpoint/2010/main">
-    <mc:Choice Requires="p14">
-      <p:transition/>
-    </mc:Choice>
-    <mc:Fallback xmlns="" xmlns:c="http://schemas.openxmlformats.org/drawingml/2006/chart" xmlns:dgm="http://schemas.openxmlformats.org/drawingml/2006/diagram" xmlns:dsp="http://schemas.microsoft.com/office/drawing/2008/diagram">
-      <p:transition/>
-    </mc:Fallback>
-  </mc:AlternateContent>
-  <p:timing>
-    <p:tnLst>
-      <p:par>
-        <p:cTn id="1" dur="indefinite" restart="never" nodeType="tmRoot"/>
-      </p:par>
-    </p:tnLst>
-  </p:timing>
-</p:sld>
-</file>
-
-<file path=ppt/slides/slide18.xml><?xml version="1.0" encoding="utf-8"?>
-<p:sld xmlns:a="http://schemas.openxmlformats.org/drawingml/2006/main" xmlns:r="http://schemas.openxmlformats.org/officeDocument/2006/relationships" xmlns:p="http://schemas.openxmlformats.org/presentationml/2006/main">
-  <p:cSld>
-    <p:spTree>
-      <p:nvGrpSpPr>
-        <p:cNvPr id="1" name=""/>
-        <p:cNvGrpSpPr/>
-        <p:nvPr/>
-      </p:nvGrpSpPr>
-      <p:grpSpPr>
-        <a:xfrm>
-          <a:off x="0" y="0"/>
-          <a:ext cx="0" cy="0"/>
-          <a:chOff x="0" y="0"/>
-          <a:chExt cx="0" cy="0"/>
-        </a:xfrm>
-      </p:grpSpPr>
-      <p:pic>
-        <p:nvPicPr>
-          <p:cNvPr id="39937" name="Picture 1"/>
-          <p:cNvPicPr>
-            <a:picLocks noChangeAspect="1" noChangeArrowheads="1"/>
-          </p:cNvPicPr>
-          <p:nvPr/>
-        </p:nvPicPr>
-        <p:blipFill rotWithShape="1">
-          <a:blip r:embed="rId2"/>
-          <a:srcRect/>
-          <a:stretch>
-            <a:fillRect/>
-          </a:stretch>
-        </p:blipFill>
-        <p:spPr>
-          <a:xfrm>
-            <a:off x="357158" y="571480"/>
-            <a:ext cx="5172075" cy="5972175"/>
-          </a:xfrm>
-          <a:prstGeom prst="rect">
-            <a:avLst/>
-          </a:prstGeom>
-          <a:noFill/>
-          <a:ln w="9525">
-            <a:solidFill>
-              <a:srgbClr val="002060"/>
-            </a:solidFill>
-            <a:miter/>
-          </a:ln>
-          <a:effectLst/>
-        </p:spPr>
-      </p:pic>
-      <p:sp>
-        <p:nvSpPr>
-          <p:cNvPr id="3" name="직사각형 2"/>
-          <p:cNvSpPr/>
-          <p:nvPr/>
-        </p:nvSpPr>
-        <p:spPr>
-          <a:xfrm>
-            <a:off x="5286380" y="1714488"/>
-            <a:ext cx="3643338" cy="1285884"/>
-          </a:xfrm>
-          <a:prstGeom prst="rect">
-            <a:avLst/>
-          </a:prstGeom>
-          <a:gradFill flip="none" rotWithShape="1">
-            <a:gsLst>
-              <a:gs pos="0">
-                <a:srgbClr val="FF00FF">
-                  <a:tint val="66000"/>
-                  <a:satMod val="160000"/>
-                </a:srgbClr>
-              </a:gs>
-              <a:gs pos="50000">
-                <a:srgbClr val="FF00FF">
-                  <a:tint val="44500"/>
-                  <a:satMod val="160000"/>
-                </a:srgbClr>
-              </a:gs>
-              <a:gs pos="100000">
-                <a:srgbClr val="FF00FF">
-                  <a:tint val="23500"/>
-                  <a:satMod val="160000"/>
-                </a:srgbClr>
-              </a:gs>
-            </a:gsLst>
-            <a:path path="circle">
-              <a:fillToRect l="50000" t="50000" r="50000" b="50000"/>
-            </a:path>
-            <a:tileRect/>
-          </a:gradFill>
-          <a:ln w="9525" cap="flat" cmpd="sng" algn="ctr">
-            <a:noFill/>
-            <a:prstDash val="solid"/>
-            <a:round/>
-          </a:ln>
-          <a:effectLst/>
-        </p:spPr>
-        <p:txBody>
-          <a:bodyPr vert="horz" wrap="square" lIns="91440" tIns="45720" rIns="91440" bIns="45720" anchor="ctr" anchorCtr="0">
-            <a:prstTxWarp prst="textNoShape">
-              <a:avLst/>
-            </a:prstTxWarp>
-          </a:bodyPr>
-          <a:lstStyle/>
-          <a:p>
-            <a:pPr algn="ctr">
-              <a:defRPr lang="ko-KR" altLang="en-US"/>
-            </a:pPr>
-            <a:r>
-              <a:rPr kumimoji="0" lang="ko-KR" altLang="en-US" sz="1600" b="0" i="0" u="none" strike="noStrike" cap="none" normalizeH="0">
-                <a:solidFill>
-                  <a:schemeClr val="tx1"/>
-                </a:solidFill>
-                <a:effectLst/>
-                <a:latin typeface="HY강B"/>
-                <a:ea typeface="HY강B"/>
-              </a:rPr>
-              <a:t>실행창에 결과값이 출력된 것을 확인할 수 있다</a:t>
-            </a:r>
-            <a:r>
-              <a:rPr kumimoji="0" lang="en-US" altLang="ko-KR" sz="1600" b="0" i="0" u="none" strike="noStrike" cap="none" normalizeH="0">
-                <a:solidFill>
-                  <a:schemeClr val="tx1"/>
-                </a:solidFill>
-                <a:effectLst/>
-                <a:latin typeface="HY강B"/>
-                <a:ea typeface="HY강B"/>
-              </a:rPr>
-              <a:t>.</a:t>
-            </a:r>
-            <a:endParaRPr kumimoji="0" lang="ko-KR" altLang="en-US" sz="1600" b="0" i="0" u="none" strike="noStrike" cap="none" normalizeH="0">
-              <a:solidFill>
-                <a:schemeClr val="tx1"/>
-              </a:solidFill>
-              <a:effectLst/>
-              <a:latin typeface="HY강B"/>
-              <a:ea typeface="HY강B"/>
-            </a:endParaRPr>
-          </a:p>
-        </p:txBody>
-      </p:sp>
-      <p:sp>
-        <p:nvSpPr>
-          <p:cNvPr id="4" name="모서리가 둥근 직사각형 3"/>
-          <p:cNvSpPr/>
-          <p:nvPr/>
-        </p:nvSpPr>
-        <p:spPr>
-          <a:xfrm>
-            <a:off x="500034" y="4786322"/>
-            <a:ext cx="1928826" cy="1214446"/>
-          </a:xfrm>
-          <a:prstGeom prst="roundRect">
-            <a:avLst>
-              <a:gd name="adj" fmla="val 16667"/>
-            </a:avLst>
-          </a:prstGeom>
-          <a:noFill/>
-          <a:ln w="38100" cap="flat" cmpd="sng" algn="ctr">
-            <a:solidFill>
-              <a:srgbClr val="FF0000"/>
-            </a:solidFill>
-            <a:prstDash val="solid"/>
-            <a:round/>
-          </a:ln>
-          <a:effectLst/>
-        </p:spPr>
-        <p:txBody>
-          <a:bodyPr vert="horz" wrap="square" lIns="91440" tIns="45720" rIns="91440" bIns="45720" anchor="t" anchorCtr="0">
-            <a:prstTxWarp prst="textNoShape">
-              <a:avLst/>
-            </a:prstTxWarp>
-          </a:bodyPr>
-          <a:lstStyle/>
-          <a:p>
-            <a:pPr marL="0" indent="0" algn="l" defTabSz="900000" rtl="0" eaLnBrk="1" latinLnBrk="0" hangingPunct="1">
-              <a:lnSpc>
-                <a:spcPct val="100000"/>
-              </a:lnSpc>
-              <a:spcBef>
-                <a:spcPct val="0"/>
-              </a:spcBef>
-              <a:spcAft>
-                <a:spcPct val="0"/>
-              </a:spcAft>
-              <a:buClrTx/>
-              <a:buFontTx/>
-              <a:buNone/>
-              <a:defRPr lang="ko-KR" altLang="en-US"/>
-            </a:pPr>
-            <a:endParaRPr kumimoji="0" lang="ko-KR" altLang="en-US" sz="1800" b="0" i="0" u="none" strike="noStrike" cap="none" normalizeH="0">
-              <a:solidFill>
-                <a:schemeClr val="tx1"/>
-              </a:solidFill>
-              <a:effectLst/>
-              <a:latin typeface="Arial"/>
-            </a:endParaRPr>
-          </a:p>
-        </p:txBody>
-      </p:sp>
-    </p:spTree>
-  </p:cSld>
-  <p:clrMapOvr>
-    <a:masterClrMapping/>
-  </p:clrMapOvr>
-  <mc:AlternateContent xmlns:mc="http://schemas.openxmlformats.org/markup-compatibility/2006" xmlns:p14="http://schemas.microsoft.com/office/powerpoint/2010/main">
-    <mc:Choice Requires="p14">
-      <p:transition/>
-    </mc:Choice>
-    <mc:Fallback xmlns="" xmlns:c="http://schemas.openxmlformats.org/drawingml/2006/chart" xmlns:dgm="http://schemas.openxmlformats.org/drawingml/2006/diagram" xmlns:dsp="http://schemas.microsoft.com/office/drawing/2008/diagram">
-      <p:transition/>
-    </mc:Fallback>
-  </mc:AlternateContent>
-  <p:timing>
-    <p:tnLst>
-      <p:par>
-        <p:cTn id="1" dur="indefinite" restart="never" nodeType="tmRoot"/>
-      </p:par>
-    </p:tnLst>
-  </p:timing>
-</p:sld>
-</file>
-
 <file path=ppt/slides/slide19.xml><?xml version="1.0" encoding="utf-8"?>
 <p:sld xmlns:a="http://schemas.openxmlformats.org/drawingml/2006/main" xmlns:r="http://schemas.openxmlformats.org/officeDocument/2006/relationships" xmlns:p="http://schemas.openxmlformats.org/presentationml/2006/main">
   <p:cSld>
@@ -13238,21 +15372,10 @@
           <a:bodyPr/>
           <a:lstStyle/>
           <a:p>
-            <a:pPr eaLnBrk="0" hangingPunct="0">
-              <a:defRPr lang="ko-KR" altLang="en-US"/>
-            </a:pPr>
-            <a:r>
-              <a:rPr lang="en-US" altLang="ko-KR"/>
-              <a:t>3. break</a:t>
-            </a:r>
-            <a:r>
-              <a:rPr lang="ko-KR" altLang="en-US"/>
-              <a:t>와 </a:t>
-            </a:r>
-            <a:r>
-              <a:rPr lang="en-US" altLang="ko-KR"/>
-              <a:t>continue</a:t>
-            </a:r>
+            <a:pPr lvl="0">
+              <a:defRPr lang="ko-KR" altLang="en-US"/>
+            </a:pPr>
+            <a:endParaRPr lang="ko-KR" altLang="en-US"/>
           </a:p>
         </p:txBody>
       </p:sp>
@@ -13266,12 +15389,7 @@
             <p:ph idx="1"/>
           </p:nvPr>
         </p:nvSpPr>
-        <p:spPr>
-          <a:xfrm>
-            <a:off x="285720" y="1371600"/>
-            <a:ext cx="8643998" cy="4843482"/>
-          </a:xfrm>
-        </p:spPr>
+        <p:spPr/>
         <p:txBody>
           <a:bodyPr/>
           <a:lstStyle/>
@@ -13280,63 +15398,351 @@
               <a:defRPr lang="ko-KR" altLang="en-US"/>
             </a:pPr>
             <a:r>
-              <a:rPr lang="en-US" altLang="ko-KR"/>
-              <a:t>break</a:t>
-            </a:r>
-            <a:r>
-              <a:rPr lang="ko-KR" altLang="en-US"/>
+              <a:rPr lang="ko-KR" altLang="en-US" sz="2400" u="sng"/>
+              <a:t>밖에 있는 </a:t>
+            </a:r>
+            <a:r>
+              <a:rPr lang="en-US" altLang="ko-KR" sz="2400" b="1" u="sng"/>
+              <a:t>for</a:t>
+            </a:r>
+            <a:r>
+              <a:rPr lang="ko-KR" altLang="en-US" sz="2400" b="1" u="sng"/>
               <a:t>문</a:t>
             </a:r>
-          </a:p>
-          <a:p>
-            <a:pPr lvl="1">
-              <a:lnSpc>
-                <a:spcPct val="150000"/>
-              </a:lnSpc>
-              <a:defRPr lang="ko-KR" altLang="en-US"/>
-            </a:pPr>
-            <a:r>
-              <a:rPr lang="en-US" altLang="ko-KR"/>
-              <a:t>break</a:t>
-            </a:r>
-            <a:r>
-              <a:rPr lang="ko-KR" altLang="en-US"/>
-              <a:t>문은 선택구조나 반복구조 안에서 사용될 수 있는데</a:t>
-            </a:r>
-            <a:r>
-              <a:rPr lang="en-US" altLang="ko-KR"/>
+            <a:r>
+              <a:rPr lang="en-US" altLang="ko-KR" sz="2400" u="sng"/>
+              <a:t>(outer for)</a:t>
+            </a:r>
+            <a:r>
+              <a:rPr lang="ko-KR" altLang="en-US" sz="2400" u="sng"/>
+              <a:t>은 줄</a:t>
+            </a:r>
+            <a:r>
+              <a:rPr lang="en-US" altLang="ko-KR" sz="2400" u="sng"/>
+              <a:t>(row)</a:t>
+            </a:r>
+            <a:r>
+              <a:rPr lang="ko-KR" altLang="en-US" sz="2400" u="sng"/>
+              <a:t>의 수를 결정하고</a:t>
+            </a:r>
+            <a:r>
+              <a:rPr lang="en-US" altLang="ko-KR" sz="2400" u="sng"/>
               <a:t>, </a:t>
             </a:r>
             <a:r>
-              <a:rPr lang="ko-KR" altLang="en-US"/>
-              <a:t>그 의미는 선택구조나 반복구조를 더 이상 실행하지 말고 중단하여</a:t>
-            </a:r>
-            <a:r>
-              <a:rPr lang="en-US" altLang="ko-KR"/>
+              <a:rPr lang="ko-KR" altLang="en-US" sz="2400" u="sng"/>
+              <a:t>안에 있는 </a:t>
+            </a:r>
+            <a:r>
+              <a:rPr lang="en-US" altLang="ko-KR" sz="2400" b="1" u="sng"/>
+              <a:t>for</a:t>
+            </a:r>
+            <a:r>
+              <a:rPr lang="ko-KR" altLang="en-US" sz="2400" b="1" u="sng"/>
+              <a:t>문</a:t>
+            </a:r>
+            <a:r>
+              <a:rPr lang="en-US" altLang="ko-KR" sz="2400" u="sng"/>
+              <a:t>(inner for)</a:t>
+            </a:r>
+            <a:r>
+              <a:rPr lang="ko-KR" altLang="en-US" sz="2400" u="sng"/>
+              <a:t>은 칸</a:t>
+            </a:r>
+            <a:r>
+              <a:rPr lang="en-US" altLang="ko-KR" sz="2400" u="sng"/>
+              <a:t>(column)</a:t>
+            </a:r>
+            <a:r>
+              <a:rPr lang="ko-KR" altLang="en-US" sz="2400" u="sng"/>
+              <a:t>의 수를 결정 한다</a:t>
+            </a:r>
+            <a:r>
+              <a:rPr lang="en-US" altLang="ko-KR" sz="2400" u="sng"/>
+              <a:t>.</a:t>
+            </a:r>
+            <a:r>
+              <a:rPr lang="ko-KR" altLang="en-US" sz="2400"/>
+              <a:t> </a:t>
+            </a:r>
+          </a:p>
+          <a:p>
+            <a:pPr lvl="0">
+              <a:defRPr lang="ko-KR" altLang="en-US"/>
+            </a:pPr>
+            <a:r>
+              <a:rPr lang="ko-KR" altLang="en-US" sz="2400"/>
+              <a:t>따라서</a:t>
+            </a:r>
+            <a:r>
+              <a:rPr lang="en-US" altLang="ko-KR" sz="2400"/>
               <a:t>, </a:t>
             </a:r>
             <a:r>
-              <a:rPr lang="ko-KR" altLang="en-US"/>
-              <a:t>선택구조나 반복구조다음 명령문을 실행하라는 의미로</a:t>
-            </a:r>
-            <a:r>
-              <a:rPr lang="en-US" altLang="ko-KR"/>
-              <a:t>, switch~ case </a:t>
-            </a:r>
-            <a:r>
-              <a:rPr lang="ko-KR" altLang="en-US"/>
-              <a:t>에서는 필수적으로 써 주어야한다</a:t>
-            </a:r>
-            <a:r>
-              <a:rPr lang="en-US" altLang="ko-KR"/>
+              <a:rPr lang="ko-KR" altLang="en-US" sz="2400"/>
+              <a:t>줄의 개수가 </a:t>
+            </a:r>
+            <a:r>
+              <a:rPr lang="en-US" altLang="ko-KR" sz="2400"/>
+              <a:t>5 </a:t>
+            </a:r>
+            <a:r>
+              <a:rPr lang="ko-KR" altLang="en-US" sz="2400"/>
+              <a:t>이므로 밖에 있는 </a:t>
+            </a:r>
+            <a:r>
+              <a:rPr lang="en-US" altLang="ko-KR" sz="2400" b="1"/>
+              <a:t>for</a:t>
+            </a:r>
+            <a:r>
+              <a:rPr lang="ko-KR" altLang="en-US" sz="2400" b="1"/>
+              <a:t>문</a:t>
+            </a:r>
+            <a:r>
+              <a:rPr lang="en-US" altLang="ko-KR" sz="2400"/>
+              <a:t>(outer for)</a:t>
+            </a:r>
+            <a:r>
+              <a:rPr lang="ko-KR" altLang="en-US" sz="2400"/>
+              <a:t>은 </a:t>
+            </a:r>
+            <a:r>
+              <a:rPr lang="en-US" altLang="ko-KR" sz="2400"/>
+              <a:t>5</a:t>
+            </a:r>
+            <a:r>
+              <a:rPr lang="ko-KR" altLang="en-US" sz="2400"/>
+              <a:t>번 반복되어야 한다</a:t>
+            </a:r>
+            <a:r>
+              <a:rPr lang="en-US" altLang="ko-KR" sz="2400"/>
+              <a:t>. </a:t>
+            </a:r>
+          </a:p>
+          <a:p>
+            <a:pPr lvl="0">
+              <a:defRPr lang="ko-KR" altLang="en-US"/>
+            </a:pPr>
+            <a:r>
+              <a:rPr lang="ko-KR" altLang="en-US" sz="2400"/>
+              <a:t>그리고</a:t>
+            </a:r>
+            <a:r>
+              <a:rPr lang="en-US" altLang="ko-KR" sz="2400"/>
+              <a:t>, </a:t>
+            </a:r>
+            <a:r>
+              <a:rPr lang="ko-KR" altLang="en-US" sz="2400"/>
+              <a:t>칸</a:t>
+            </a:r>
+            <a:r>
+              <a:rPr lang="en-US" altLang="ko-KR" sz="2400"/>
+              <a:t>(column)</a:t>
+            </a:r>
+            <a:r>
+              <a:rPr lang="ko-KR" altLang="en-US" sz="2400"/>
+              <a:t>의 수를 결정하는 안에 있는 </a:t>
+            </a:r>
+            <a:r>
+              <a:rPr lang="en-US" altLang="ko-KR" sz="2400" b="1"/>
+              <a:t>for</a:t>
+            </a:r>
+            <a:r>
+              <a:rPr lang="ko-KR" altLang="en-US" sz="2400" b="1"/>
+              <a:t>문</a:t>
+            </a:r>
+            <a:r>
+              <a:rPr lang="en-US" altLang="ko-KR" sz="2400"/>
+              <a:t>(inner for)</a:t>
+            </a:r>
+            <a:r>
+              <a:rPr lang="ko-KR" altLang="en-US" sz="2400"/>
+              <a:t>은 줄마다 다르므로 </a:t>
+            </a:r>
+            <a:r>
+              <a:rPr lang="en-US" altLang="ko-KR" sz="2400"/>
+              <a:t>j &lt;= 5</a:t>
+            </a:r>
+            <a:r>
+              <a:rPr lang="ko-KR" altLang="en-US" sz="2400"/>
+              <a:t>처럼 매번 </a:t>
+            </a:r>
+            <a:r>
+              <a:rPr lang="en-US" altLang="ko-KR" sz="2400"/>
+              <a:t>5</a:t>
+            </a:r>
+            <a:r>
+              <a:rPr lang="ko-KR" altLang="en-US" sz="2400"/>
+              <a:t>번 반복하는 것이 아니라</a:t>
+            </a:r>
+            <a:r>
+              <a:rPr lang="en-US" altLang="ko-KR" sz="2400"/>
+              <a:t>,</a:t>
+            </a:r>
+            <a:r>
+              <a:rPr lang="ko-KR" altLang="en-US" sz="2400" u="sng"/>
+              <a:t> </a:t>
+            </a:r>
+            <a:r>
+              <a:rPr lang="en-US" altLang="ko-KR" sz="2400" b="1" u="sng"/>
+              <a:t>1</a:t>
+            </a:r>
+            <a:r>
+              <a:rPr lang="ko-KR" altLang="en-US" sz="2400" u="sng"/>
+              <a:t> 번째 줄에는 </a:t>
+            </a:r>
+            <a:r>
+              <a:rPr lang="en-US" altLang="ko-KR" sz="2400" b="1" u="sng"/>
+              <a:t>1</a:t>
+            </a:r>
+            <a:r>
+              <a:rPr lang="ko-KR" altLang="en-US" sz="2400" u="sng"/>
+              <a:t>번</a:t>
+            </a:r>
+            <a:r>
+              <a:rPr lang="en-US" altLang="ko-KR" sz="2400" u="sng"/>
+              <a:t>, </a:t>
+            </a:r>
+            <a:r>
+              <a:rPr lang="en-US" altLang="ko-KR" sz="2400" b="1" u="sng"/>
+              <a:t>2</a:t>
+            </a:r>
+            <a:r>
+              <a:rPr lang="ko-KR" altLang="en-US" sz="2400" u="sng"/>
+              <a:t>번째 줄에는 </a:t>
+            </a:r>
+            <a:r>
+              <a:rPr lang="en-US" altLang="ko-KR" sz="2400" b="1" u="sng"/>
+              <a:t>2</a:t>
+            </a:r>
+            <a:r>
+              <a:rPr lang="ko-KR" altLang="en-US" sz="2400" u="sng"/>
+              <a:t>번</a:t>
+            </a:r>
+            <a:r>
+              <a:rPr lang="en-US" altLang="ko-KR" sz="2400" u="sng"/>
+              <a:t>, </a:t>
+            </a:r>
+            <a:r>
+              <a:rPr lang="en-US" altLang="ko-KR" sz="2400" b="1" u="sng"/>
+              <a:t>3</a:t>
+            </a:r>
+            <a:r>
+              <a:rPr lang="ko-KR" altLang="en-US" sz="2400" u="sng"/>
+              <a:t>번째 줄에는 </a:t>
+            </a:r>
+            <a:r>
+              <a:rPr lang="en-US" altLang="ko-KR" sz="2400" b="1" u="sng"/>
+              <a:t>3</a:t>
+            </a:r>
+            <a:r>
+              <a:rPr lang="ko-KR" altLang="en-US" sz="2400" u="sng"/>
+              <a:t>번</a:t>
+            </a:r>
+            <a:r>
+              <a:rPr lang="en-US" altLang="ko-KR" sz="2400" u="sng"/>
+              <a:t>, </a:t>
+            </a:r>
+            <a:r>
+              <a:rPr lang="en-US" altLang="ko-KR" sz="2400" b="1" u="sng"/>
+              <a:t>4</a:t>
+            </a:r>
+            <a:r>
+              <a:rPr lang="ko-KR" altLang="en-US" sz="2400" u="sng"/>
+              <a:t>번째 줄에는 </a:t>
+            </a:r>
+            <a:r>
+              <a:rPr lang="en-US" altLang="ko-KR" sz="2400" b="1" u="sng"/>
+              <a:t>4</a:t>
+            </a:r>
+            <a:r>
+              <a:rPr lang="ko-KR" altLang="en-US" sz="2400" u="sng"/>
+              <a:t>번</a:t>
+            </a:r>
+            <a:r>
+              <a:rPr lang="en-US" altLang="ko-KR" sz="2400" u="sng"/>
+              <a:t>, </a:t>
+            </a:r>
+            <a:r>
+              <a:rPr lang="en-US" altLang="ko-KR" sz="2400" b="1" u="sng"/>
+              <a:t>5</a:t>
+            </a:r>
+            <a:r>
+              <a:rPr lang="ko-KR" altLang="en-US" sz="2400" u="sng"/>
+              <a:t>번째 줄에는 </a:t>
+            </a:r>
+            <a:r>
+              <a:rPr lang="en-US" altLang="ko-KR" sz="2400" b="1" u="sng"/>
+              <a:t>5</a:t>
+            </a:r>
+            <a:r>
+              <a:rPr lang="ko-KR" altLang="en-US" sz="2400" u="sng"/>
+              <a:t>번 회전하므로 각 줄의 칸의 수가 </a:t>
+            </a:r>
+            <a:r>
+              <a:rPr lang="en-US" altLang="ko-KR" sz="2400" u="sng"/>
+              <a:t>i</a:t>
+            </a:r>
+            <a:r>
+              <a:rPr lang="ko-KR" altLang="en-US" sz="2400" u="sng"/>
+              <a:t>의 값과 동</a:t>
+            </a:r>
+            <a:r>
+              <a:rPr lang="ko-KR" altLang="en-US" sz="2400"/>
+              <a:t>일하므로</a:t>
+            </a:r>
+            <a:r>
+              <a:rPr lang="en-US" altLang="ko-KR" sz="2400"/>
+              <a:t>, </a:t>
+            </a:r>
+            <a:r>
+              <a:rPr lang="ko-KR" altLang="en-US" sz="2400"/>
+              <a:t>각 줄마다 </a:t>
+            </a:r>
+            <a:r>
+              <a:rPr lang="en-US" altLang="ko-KR" sz="2400"/>
+              <a:t>i </a:t>
+            </a:r>
+            <a:r>
+              <a:rPr lang="ko-KR" altLang="en-US" sz="2400"/>
+              <a:t>변수 값만큼 회전하면 되기에 안에 있는 </a:t>
+            </a:r>
+            <a:r>
+              <a:rPr lang="en-US" altLang="ko-KR" sz="2400" b="1"/>
+              <a:t>for</a:t>
+            </a:r>
+            <a:r>
+              <a:rPr lang="ko-KR" altLang="en-US" sz="2400" b="1"/>
+              <a:t>문</a:t>
+            </a:r>
+            <a:r>
+              <a:rPr lang="en-US" altLang="ko-KR" sz="2400"/>
+              <a:t>(inner for)</a:t>
+            </a:r>
+            <a:r>
+              <a:rPr lang="ko-KR" altLang="en-US" sz="2400"/>
+              <a:t>의 회전수 값을 가지고 있는 </a:t>
+            </a:r>
+            <a:r>
+              <a:rPr lang="en-US" altLang="ko-KR" sz="2400"/>
+              <a:t>j </a:t>
+            </a:r>
+            <a:r>
+              <a:rPr lang="ko-KR" altLang="en-US" sz="2400"/>
+              <a:t>가 </a:t>
+            </a:r>
+            <a:r>
+              <a:rPr lang="en-US" altLang="ko-KR" sz="2400"/>
+              <a:t>j &lt;= i </a:t>
+            </a:r>
+            <a:r>
+              <a:rPr lang="ko-KR" altLang="en-US" sz="2400"/>
+              <a:t>의 조건식을 써주면 된다</a:t>
+            </a:r>
+            <a:r>
+              <a:rPr lang="en-US" altLang="ko-KR" sz="2400"/>
               <a:t>.</a:t>
             </a:r>
-          </a:p>
-          <a:p>
-            <a:pPr lvl="0">
-              <a:defRPr lang="ko-KR" altLang="en-US"/>
-            </a:pPr>
-            <a:endParaRPr lang="ko-KR" altLang="en-US"/>
           </a:p>
         </p:txBody>
       </p:sp>
@@ -13356,91 +15762,9 @@
   <p:timing>
     <p:tnLst>
       <p:par>
-        <p:cTn id="1" dur="indefinite" restart="never" nodeType="tmRoot">
-          <p:childTnLst>
-            <p:seq concurrent="1" nextAc="seek">
-              <p:cTn id="2" dur="indefinite" nodeType="mainSeq">
-                <p:childTnLst>
-                  <p:par>
-                    <p:cTn id="3" fill="hold">
-                      <p:stCondLst>
-                        <p:cond delay="indefinite"/>
-                        <p:cond evt="onBegin" delay="0">
-                          <p:tn val="2"/>
-                        </p:cond>
-                      </p:stCondLst>
-                      <p:childTnLst>
-                        <p:par>
-                          <p:cTn id="4" fill="hold">
-                            <p:stCondLst>
-                              <p:cond delay="0"/>
-                            </p:stCondLst>
-                            <p:childTnLst>
-                              <p:par>
-                                <p:cTn id="5" presetID="3" presetClass="entr" presetSubtype="10" fill="hold" grpId="0" nodeType="afterEffect">
-                                  <p:stCondLst>
-                                    <p:cond delay="0"/>
-                                  </p:stCondLst>
-                                  <p:childTnLst>
-                                    <p:set>
-                                      <p:cBhvr>
-                                        <p:cTn id="6" dur="1" fill="hold">
-                                          <p:stCondLst>
-                                            <p:cond delay="0"/>
-                                          </p:stCondLst>
-                                        </p:cTn>
-                                        <p:tgtEl>
-                                          <p:spTgt spid="2"/>
-                                        </p:tgtEl>
-                                        <p:attrNameLst>
-                                          <p:attrName>style.visibility</p:attrName>
-                                        </p:attrNameLst>
-                                      </p:cBhvr>
-                                      <p:to>
-                                        <p:strVal val="visible"/>
-                                      </p:to>
-                                    </p:set>
-                                    <p:animEffect transition="in" filter="blinds(horizontal)">
-                                      <p:cBhvr>
-                                        <p:cTn id="7" dur="500"/>
-                                        <p:tgtEl>
-                                          <p:spTgt spid="2"/>
-                                        </p:tgtEl>
-                                      </p:cBhvr>
-                                    </p:animEffect>
-                                  </p:childTnLst>
-                                </p:cTn>
-                              </p:par>
-                            </p:childTnLst>
-                          </p:cTn>
-                        </p:par>
-                      </p:childTnLst>
-                    </p:cTn>
-                  </p:par>
-                </p:childTnLst>
-              </p:cTn>
-              <p:prevCondLst>
-                <p:cond evt="onPrev" delay="0">
-                  <p:tgtEl>
-                    <p:sldTgt/>
-                  </p:tgtEl>
-                </p:cond>
-              </p:prevCondLst>
-              <p:nextCondLst>
-                <p:cond evt="onNext" delay="0">
-                  <p:tgtEl>
-                    <p:sldTgt/>
-                  </p:tgtEl>
-                </p:cond>
-              </p:nextCondLst>
-            </p:seq>
-          </p:childTnLst>
-        </p:cTn>
+        <p:cTn id="1" dur="indefinite" restart="never" nodeType="tmRoot"/>
       </p:par>
     </p:tnLst>
-    <p:bldLst>
-      <p:bldP spid="2" grpId="0"/>
-    </p:bldLst>
   </p:timing>
 </p:sld>
 </file>
@@ -13625,136 +15949,186 @@
           <a:chExt cx="0" cy="0"/>
         </a:xfrm>
       </p:grpSpPr>
+      <p:pic>
+        <p:nvPicPr>
+          <p:cNvPr id="39937" name="Picture 1"/>
+          <p:cNvPicPr>
+            <a:picLocks noChangeAspect="1" noChangeArrowheads="1"/>
+          </p:cNvPicPr>
+          <p:nvPr/>
+        </p:nvPicPr>
+        <p:blipFill rotWithShape="1">
+          <a:blip r:embed="rId2"/>
+          <a:srcRect/>
+          <a:stretch>
+            <a:fillRect/>
+          </a:stretch>
+        </p:blipFill>
+        <p:spPr>
+          <a:xfrm>
+            <a:off x="357158" y="571480"/>
+            <a:ext cx="5172075" cy="5972175"/>
+          </a:xfrm>
+          <a:prstGeom prst="rect">
+            <a:avLst/>
+          </a:prstGeom>
+          <a:noFill/>
+          <a:ln w="9525">
+            <a:solidFill>
+              <a:srgbClr val="002060"/>
+            </a:solidFill>
+            <a:miter/>
+          </a:ln>
+          <a:effectLst/>
+        </p:spPr>
+      </p:pic>
       <p:sp>
         <p:nvSpPr>
-          <p:cNvPr id="2" name="제목 1"/>
-          <p:cNvSpPr>
-            <a:spLocks noGrp="1"/>
-          </p:cNvSpPr>
-          <p:nvPr>
-            <p:ph type="title"/>
-          </p:nvPr>
+          <p:cNvPr id="3" name="직사각형 2"/>
+          <p:cNvSpPr/>
+          <p:nvPr/>
         </p:nvSpPr>
-        <p:spPr/>
+        <p:spPr>
+          <a:xfrm>
+            <a:off x="5286380" y="1714488"/>
+            <a:ext cx="3643338" cy="1285884"/>
+          </a:xfrm>
+          <a:prstGeom prst="rect">
+            <a:avLst/>
+          </a:prstGeom>
+          <a:gradFill flip="none" rotWithShape="1">
+            <a:gsLst>
+              <a:gs pos="0">
+                <a:srgbClr val="FF00FF">
+                  <a:tint val="66000"/>
+                  <a:satMod val="160000"/>
+                </a:srgbClr>
+              </a:gs>
+              <a:gs pos="50000">
+                <a:srgbClr val="FF00FF">
+                  <a:tint val="44500"/>
+                  <a:satMod val="160000"/>
+                </a:srgbClr>
+              </a:gs>
+              <a:gs pos="100000">
+                <a:srgbClr val="FF00FF">
+                  <a:tint val="23500"/>
+                  <a:satMod val="160000"/>
+                </a:srgbClr>
+              </a:gs>
+            </a:gsLst>
+            <a:path path="circle">
+              <a:fillToRect l="50000" t="50000" r="50000" b="50000"/>
+            </a:path>
+            <a:tileRect/>
+          </a:gradFill>
+          <a:ln w="9525" cap="flat" cmpd="sng" algn="ctr">
+            <a:noFill/>
+            <a:prstDash val="solid"/>
+            <a:round/>
+          </a:ln>
+          <a:effectLst/>
+        </p:spPr>
         <p:txBody>
-          <a:bodyPr/>
+          <a:bodyPr vert="horz" wrap="square" lIns="91440" tIns="45720" rIns="91440" bIns="45720" anchor="ctr" anchorCtr="0">
+            <a:prstTxWarp prst="textNoShape">
+              <a:avLst/>
+            </a:prstTxWarp>
+          </a:bodyPr>
           <a:lstStyle/>
           <a:p>
-            <a:pPr lvl="0">
-              <a:defRPr lang="ko-KR" altLang="en-US"/>
-            </a:pPr>
-            <a:endParaRPr lang="ko-KR" altLang="en-US"/>
+            <a:pPr algn="ctr">
+              <a:defRPr lang="ko-KR" altLang="en-US"/>
+            </a:pPr>
+            <a:r>
+              <a:rPr kumimoji="0" lang="ko-KR" altLang="en-US" sz="1600" b="0" i="0" u="none" strike="noStrike" cap="none" normalizeH="0">
+                <a:solidFill>
+                  <a:schemeClr val="tx1"/>
+                </a:solidFill>
+                <a:effectLst/>
+                <a:latin typeface="HY강B"/>
+                <a:ea typeface="HY강B"/>
+              </a:rPr>
+              <a:t>실행창에 결과값이 출력된 것을 확인할 수 있다</a:t>
+            </a:r>
+            <a:r>
+              <a:rPr kumimoji="0" lang="en-US" altLang="ko-KR" sz="1600" b="0" i="0" u="none" strike="noStrike" cap="none" normalizeH="0">
+                <a:solidFill>
+                  <a:schemeClr val="tx1"/>
+                </a:solidFill>
+                <a:effectLst/>
+                <a:latin typeface="HY강B"/>
+                <a:ea typeface="HY강B"/>
+              </a:rPr>
+              <a:t>.</a:t>
+            </a:r>
+            <a:endParaRPr kumimoji="0" lang="ko-KR" altLang="en-US" sz="1600" b="0" i="0" u="none" strike="noStrike" cap="none" normalizeH="0">
+              <a:solidFill>
+                <a:schemeClr val="tx1"/>
+              </a:solidFill>
+              <a:effectLst/>
+              <a:latin typeface="HY강B"/>
+              <a:ea typeface="HY강B"/>
+            </a:endParaRPr>
           </a:p>
         </p:txBody>
       </p:sp>
       <p:sp>
         <p:nvSpPr>
-          <p:cNvPr id="3" name="내용 개체 틀 2"/>
-          <p:cNvSpPr>
-            <a:spLocks noGrp="1"/>
-          </p:cNvSpPr>
-          <p:nvPr>
-            <p:ph idx="1"/>
-          </p:nvPr>
+          <p:cNvPr id="4" name="모서리가 둥근 직사각형 3"/>
+          <p:cNvSpPr/>
+          <p:nvPr/>
         </p:nvSpPr>
-        <p:spPr/>
+        <p:spPr>
+          <a:xfrm>
+            <a:off x="500034" y="4786322"/>
+            <a:ext cx="1928826" cy="1214446"/>
+          </a:xfrm>
+          <a:prstGeom prst="roundRect">
+            <a:avLst>
+              <a:gd name="adj" fmla="val 16667"/>
+            </a:avLst>
+          </a:prstGeom>
+          <a:noFill/>
+          <a:ln w="38100" cap="flat" cmpd="sng" algn="ctr">
+            <a:solidFill>
+              <a:srgbClr val="FF0000"/>
+            </a:solidFill>
+            <a:prstDash val="solid"/>
+            <a:round/>
+          </a:ln>
+          <a:effectLst/>
+        </p:spPr>
         <p:txBody>
-          <a:bodyPr/>
+          <a:bodyPr vert="horz" wrap="square" lIns="91440" tIns="45720" rIns="91440" bIns="45720" anchor="t" anchorCtr="0">
+            <a:prstTxWarp prst="textNoShape">
+              <a:avLst/>
+            </a:prstTxWarp>
+          </a:bodyPr>
           <a:lstStyle/>
           <a:p>
-            <a:pPr lvl="0">
-              <a:defRPr lang="ko-KR" altLang="en-US"/>
-            </a:pPr>
-            <a:r>
-              <a:rPr lang="en-US" altLang="ko-KR"/>
-              <a:t>continue</a:t>
-            </a:r>
-            <a:r>
-              <a:rPr lang="ko-KR" altLang="en-US"/>
-              <a:t>문</a:t>
-            </a:r>
-          </a:p>
-          <a:p>
-            <a:pPr lvl="1">
+            <a:pPr marL="0" indent="0" algn="l" defTabSz="900000" rtl="0" eaLnBrk="1" latinLnBrk="0" hangingPunct="1">
               <a:lnSpc>
-                <a:spcPct val="150000"/>
+                <a:spcPct val="100000"/>
               </a:lnSpc>
-              <a:defRPr lang="ko-KR" altLang="en-US"/>
-            </a:pPr>
-            <a:r>
-              <a:rPr lang="en-US" altLang="ko-KR"/>
-              <a:t>break</a:t>
-            </a:r>
-            <a:r>
-              <a:rPr lang="ko-KR" altLang="en-US"/>
-              <a:t>문이 선택구조나 반복구조를 완전히 빠져 나오라는 의미라면</a:t>
-            </a:r>
-            <a:r>
-              <a:rPr lang="en-US" altLang="ko-KR"/>
-              <a:t>, continue</a:t>
-            </a:r>
-            <a:r>
-              <a:rPr lang="ko-KR" altLang="en-US"/>
-              <a:t>문은 계속의 의미가 있다</a:t>
-            </a:r>
-            <a:r>
-              <a:rPr lang="en-US" altLang="ko-KR"/>
-              <a:t>. </a:t>
-            </a:r>
-            <a:r>
-              <a:rPr lang="ko-KR" altLang="en-US"/>
-              <a:t>예를 들어</a:t>
-            </a:r>
-            <a:r>
-              <a:rPr lang="en-US" altLang="ko-KR"/>
-              <a:t>, 10</a:t>
-            </a:r>
-            <a:r>
-              <a:rPr lang="ko-KR" altLang="en-US"/>
-              <a:t>번 반복하는 반복문에서 </a:t>
-            </a:r>
-            <a:r>
-              <a:rPr lang="en-US" altLang="ko-KR"/>
-              <a:t>5</a:t>
-            </a:r>
-            <a:r>
-              <a:rPr lang="ko-KR" altLang="en-US"/>
-              <a:t>번째 회전에서 </a:t>
-            </a:r>
-            <a:r>
-              <a:rPr lang="en-US" altLang="ko-KR"/>
-              <a:t>continue</a:t>
-            </a:r>
-            <a:r>
-              <a:rPr lang="ko-KR" altLang="en-US"/>
-              <a:t>문을 만났다면  </a:t>
-            </a:r>
-            <a:r>
-              <a:rPr lang="en-US" altLang="ko-KR"/>
-              <a:t>break</a:t>
-            </a:r>
-            <a:r>
-              <a:rPr lang="ko-KR" altLang="en-US"/>
-              <a:t>문 이라면 더 이상 회전을 하지 않지만</a:t>
-            </a:r>
-            <a:r>
-              <a:rPr lang="en-US" altLang="ko-KR"/>
-              <a:t>, continue</a:t>
-            </a:r>
-            <a:r>
-              <a:rPr lang="ko-KR" altLang="en-US"/>
-              <a:t>문은 그 회전의 나머지 문장들만 수행하지 않고 다음 회전으로 제어를 넘긴다</a:t>
-            </a:r>
-            <a:r>
-              <a:rPr lang="en-US" altLang="ko-KR"/>
-              <a:t>.</a:t>
-            </a:r>
-          </a:p>
-          <a:p>
-            <a:pPr lvl="0">
-              <a:defRPr lang="ko-KR" altLang="en-US"/>
-            </a:pPr>
-            <a:endParaRPr lang="ko-KR" altLang="en-US"/>
+              <a:spcBef>
+                <a:spcPct val="0"/>
+              </a:spcBef>
+              <a:spcAft>
+                <a:spcPct val="0"/>
+              </a:spcAft>
+              <a:buClrTx/>
+              <a:buFontTx/>
+              <a:buNone/>
+              <a:defRPr lang="ko-KR" altLang="en-US"/>
+            </a:pPr>
+            <a:endParaRPr kumimoji="0" lang="ko-KR" altLang="en-US" sz="1800" b="0" i="0" u="none" strike="noStrike" cap="none" normalizeH="0">
+              <a:solidFill>
+                <a:schemeClr val="tx1"/>
+              </a:solidFill>
+              <a:effectLst/>
+              <a:latin typeface="Arial"/>
+            </a:endParaRPr>
           </a:p>
         </p:txBody>
       </p:sp>
@@ -13782,6 +16156,418 @@
 </file>
 
 <file path=ppt/slides/slide21.xml><?xml version="1.0" encoding="utf-8"?>
+<p:sld xmlns:a="http://schemas.openxmlformats.org/drawingml/2006/main" xmlns:r="http://schemas.openxmlformats.org/officeDocument/2006/relationships" xmlns:p="http://schemas.openxmlformats.org/presentationml/2006/main">
+  <p:cSld>
+    <p:spTree>
+      <p:nvGrpSpPr>
+        <p:cNvPr id="1" name=""/>
+        <p:cNvGrpSpPr/>
+        <p:nvPr/>
+      </p:nvGrpSpPr>
+      <p:grpSpPr>
+        <a:xfrm>
+          <a:off x="0" y="0"/>
+          <a:ext cx="0" cy="0"/>
+          <a:chOff x="0" y="0"/>
+          <a:chExt cx="0" cy="0"/>
+        </a:xfrm>
+      </p:grpSpPr>
+      <p:sp>
+        <p:nvSpPr>
+          <p:cNvPr id="2" name="제목 1"/>
+          <p:cNvSpPr>
+            <a:spLocks noGrp="1"/>
+          </p:cNvSpPr>
+          <p:nvPr>
+            <p:ph type="title"/>
+          </p:nvPr>
+        </p:nvSpPr>
+        <p:spPr/>
+        <p:txBody>
+          <a:bodyPr/>
+          <a:lstStyle/>
+          <a:p>
+            <a:pPr eaLnBrk="0" hangingPunct="0">
+              <a:defRPr lang="ko-KR" altLang="en-US"/>
+            </a:pPr>
+            <a:r>
+              <a:rPr lang="en-US" altLang="ko-KR"/>
+              <a:t>3. break</a:t>
+            </a:r>
+            <a:r>
+              <a:rPr lang="ko-KR" altLang="en-US"/>
+              <a:t>와 </a:t>
+            </a:r>
+            <a:r>
+              <a:rPr lang="en-US" altLang="ko-KR"/>
+              <a:t>continue</a:t>
+            </a:r>
+          </a:p>
+        </p:txBody>
+      </p:sp>
+      <p:sp>
+        <p:nvSpPr>
+          <p:cNvPr id="3" name="내용 개체 틀 2"/>
+          <p:cNvSpPr>
+            <a:spLocks noGrp="1"/>
+          </p:cNvSpPr>
+          <p:nvPr>
+            <p:ph idx="1"/>
+          </p:nvPr>
+        </p:nvSpPr>
+        <p:spPr>
+          <a:xfrm>
+            <a:off x="285720" y="1371600"/>
+            <a:ext cx="8643998" cy="4843482"/>
+          </a:xfrm>
+        </p:spPr>
+        <p:txBody>
+          <a:bodyPr/>
+          <a:lstStyle/>
+          <a:p>
+            <a:pPr lvl="0">
+              <a:defRPr lang="ko-KR" altLang="en-US"/>
+            </a:pPr>
+            <a:r>
+              <a:rPr lang="en-US" altLang="ko-KR"/>
+              <a:t>break</a:t>
+            </a:r>
+            <a:r>
+              <a:rPr lang="ko-KR" altLang="en-US"/>
+              <a:t>문</a:t>
+            </a:r>
+          </a:p>
+          <a:p>
+            <a:pPr lvl="1">
+              <a:lnSpc>
+                <a:spcPct val="150000"/>
+              </a:lnSpc>
+              <a:defRPr lang="ko-KR" altLang="en-US"/>
+            </a:pPr>
+            <a:r>
+              <a:rPr lang="en-US" altLang="ko-KR"/>
+              <a:t>break</a:t>
+            </a:r>
+            <a:r>
+              <a:rPr lang="ko-KR" altLang="en-US"/>
+              <a:t>문은 선택구조나 반복구조 안에서 사용될 수 있는데</a:t>
+            </a:r>
+            <a:r>
+              <a:rPr lang="en-US" altLang="ko-KR"/>
+              <a:t>, </a:t>
+            </a:r>
+            <a:r>
+              <a:rPr lang="ko-KR" altLang="en-US"/>
+              <a:t>그 의미는 선택구조나 반복구조를 더 이상 실행하지 말고 중단하여</a:t>
+            </a:r>
+            <a:r>
+              <a:rPr lang="en-US" altLang="ko-KR"/>
+              <a:t>, </a:t>
+            </a:r>
+            <a:r>
+              <a:rPr lang="ko-KR" altLang="en-US"/>
+              <a:t>선택구조나 반복구조다음 명령문을 실행하라는 의미로</a:t>
+            </a:r>
+            <a:r>
+              <a:rPr lang="en-US" altLang="ko-KR"/>
+              <a:t>, switch~ case </a:t>
+            </a:r>
+            <a:r>
+              <a:rPr lang="ko-KR" altLang="en-US"/>
+              <a:t>에서는 필수적으로 써 주어야한다</a:t>
+            </a:r>
+            <a:r>
+              <a:rPr lang="en-US" altLang="ko-KR"/>
+              <a:t>.</a:t>
+            </a:r>
+          </a:p>
+          <a:p>
+            <a:pPr lvl="0">
+              <a:defRPr lang="ko-KR" altLang="en-US"/>
+            </a:pPr>
+            <a:endParaRPr lang="ko-KR" altLang="en-US"/>
+          </a:p>
+        </p:txBody>
+      </p:sp>
+    </p:spTree>
+  </p:cSld>
+  <p:clrMapOvr>
+    <a:masterClrMapping/>
+  </p:clrMapOvr>
+  <mc:AlternateContent xmlns:mc="http://schemas.openxmlformats.org/markup-compatibility/2006" xmlns:p14="http://schemas.microsoft.com/office/powerpoint/2010/main">
+    <mc:Choice Requires="p14">
+      <p:transition/>
+    </mc:Choice>
+    <mc:Fallback xmlns="" xmlns:c="http://schemas.openxmlformats.org/drawingml/2006/chart" xmlns:dgm="http://schemas.openxmlformats.org/drawingml/2006/diagram" xmlns:dsp="http://schemas.microsoft.com/office/drawing/2008/diagram">
+      <p:transition/>
+    </mc:Fallback>
+  </mc:AlternateContent>
+  <p:timing>
+    <p:tnLst>
+      <p:par>
+        <p:cTn id="1" dur="indefinite" restart="never" nodeType="tmRoot">
+          <p:childTnLst>
+            <p:seq concurrent="1" nextAc="seek">
+              <p:cTn id="2" dur="indefinite" nodeType="mainSeq">
+                <p:childTnLst>
+                  <p:par>
+                    <p:cTn id="3" fill="hold">
+                      <p:stCondLst>
+                        <p:cond delay="indefinite"/>
+                        <p:cond evt="onBegin" delay="0">
+                          <p:tn val="2"/>
+                        </p:cond>
+                      </p:stCondLst>
+                      <p:childTnLst>
+                        <p:par>
+                          <p:cTn id="4" fill="hold">
+                            <p:stCondLst>
+                              <p:cond delay="0"/>
+                            </p:stCondLst>
+                            <p:childTnLst>
+                              <p:par>
+                                <p:cTn id="5" presetID="3" presetClass="entr" presetSubtype="10" fill="hold" grpId="0" nodeType="afterEffect">
+                                  <p:stCondLst>
+                                    <p:cond delay="0"/>
+                                  </p:stCondLst>
+                                  <p:childTnLst>
+                                    <p:set>
+                                      <p:cBhvr>
+                                        <p:cTn id="6" dur="1" fill="hold">
+                                          <p:stCondLst>
+                                            <p:cond delay="0"/>
+                                          </p:stCondLst>
+                                        </p:cTn>
+                                        <p:tgtEl>
+                                          <p:spTgt spid="2"/>
+                                        </p:tgtEl>
+                                        <p:attrNameLst>
+                                          <p:attrName>style.visibility</p:attrName>
+                                        </p:attrNameLst>
+                                      </p:cBhvr>
+                                      <p:to>
+                                        <p:strVal val="visible"/>
+                                      </p:to>
+                                    </p:set>
+                                    <p:animEffect transition="in" filter="blinds(horizontal)">
+                                      <p:cBhvr>
+                                        <p:cTn id="7" dur="500"/>
+                                        <p:tgtEl>
+                                          <p:spTgt spid="2"/>
+                                        </p:tgtEl>
+                                      </p:cBhvr>
+                                    </p:animEffect>
+                                  </p:childTnLst>
+                                </p:cTn>
+                              </p:par>
+                            </p:childTnLst>
+                          </p:cTn>
+                        </p:par>
+                      </p:childTnLst>
+                    </p:cTn>
+                  </p:par>
+                </p:childTnLst>
+              </p:cTn>
+              <p:prevCondLst>
+                <p:cond evt="onPrev" delay="0">
+                  <p:tgtEl>
+                    <p:sldTgt/>
+                  </p:tgtEl>
+                </p:cond>
+              </p:prevCondLst>
+              <p:nextCondLst>
+                <p:cond evt="onNext" delay="0">
+                  <p:tgtEl>
+                    <p:sldTgt/>
+                  </p:tgtEl>
+                </p:cond>
+              </p:nextCondLst>
+            </p:seq>
+          </p:childTnLst>
+        </p:cTn>
+      </p:par>
+    </p:tnLst>
+    <p:bldLst>
+      <p:bldP spid="2" grpId="0"/>
+    </p:bldLst>
+  </p:timing>
+</p:sld>
+</file>
+
+<file path=ppt/slides/slide22.xml><?xml version="1.0" encoding="utf-8"?>
+<p:sld xmlns:a="http://schemas.openxmlformats.org/drawingml/2006/main" xmlns:r="http://schemas.openxmlformats.org/officeDocument/2006/relationships" xmlns:p="http://schemas.openxmlformats.org/presentationml/2006/main">
+  <p:cSld>
+    <p:spTree>
+      <p:nvGrpSpPr>
+        <p:cNvPr id="1" name=""/>
+        <p:cNvGrpSpPr/>
+        <p:nvPr/>
+      </p:nvGrpSpPr>
+      <p:grpSpPr>
+        <a:xfrm>
+          <a:off x="0" y="0"/>
+          <a:ext cx="0" cy="0"/>
+          <a:chOff x="0" y="0"/>
+          <a:chExt cx="0" cy="0"/>
+        </a:xfrm>
+      </p:grpSpPr>
+      <p:sp>
+        <p:nvSpPr>
+          <p:cNvPr id="2" name="제목 1"/>
+          <p:cNvSpPr>
+            <a:spLocks noGrp="1"/>
+          </p:cNvSpPr>
+          <p:nvPr>
+            <p:ph type="title"/>
+          </p:nvPr>
+        </p:nvSpPr>
+        <p:spPr/>
+        <p:txBody>
+          <a:bodyPr/>
+          <a:lstStyle/>
+          <a:p>
+            <a:pPr lvl="0">
+              <a:defRPr lang="ko-KR" altLang="en-US"/>
+            </a:pPr>
+            <a:endParaRPr lang="ko-KR" altLang="en-US"/>
+          </a:p>
+        </p:txBody>
+      </p:sp>
+      <p:sp>
+        <p:nvSpPr>
+          <p:cNvPr id="3" name="내용 개체 틀 2"/>
+          <p:cNvSpPr>
+            <a:spLocks noGrp="1"/>
+          </p:cNvSpPr>
+          <p:nvPr>
+            <p:ph idx="1"/>
+          </p:nvPr>
+        </p:nvSpPr>
+        <p:spPr/>
+        <p:txBody>
+          <a:bodyPr/>
+          <a:lstStyle/>
+          <a:p>
+            <a:pPr lvl="0">
+              <a:defRPr lang="ko-KR" altLang="en-US"/>
+            </a:pPr>
+            <a:r>
+              <a:rPr lang="en-US" altLang="ko-KR"/>
+              <a:t>continue</a:t>
+            </a:r>
+            <a:r>
+              <a:rPr lang="ko-KR" altLang="en-US"/>
+              <a:t>문</a:t>
+            </a:r>
+          </a:p>
+          <a:p>
+            <a:pPr lvl="1">
+              <a:lnSpc>
+                <a:spcPct val="150000"/>
+              </a:lnSpc>
+              <a:defRPr lang="ko-KR" altLang="en-US"/>
+            </a:pPr>
+            <a:r>
+              <a:rPr lang="en-US" altLang="ko-KR"/>
+              <a:t>break</a:t>
+            </a:r>
+            <a:r>
+              <a:rPr lang="ko-KR" altLang="en-US"/>
+              <a:t>문이 선택구조나 반복구조를 완전히 빠져 나오라는 의미라면</a:t>
+            </a:r>
+            <a:r>
+              <a:rPr lang="en-US" altLang="ko-KR"/>
+              <a:t>, continue</a:t>
+            </a:r>
+            <a:r>
+              <a:rPr lang="ko-KR" altLang="en-US"/>
+              <a:t>문은 계속의 의미가 있다</a:t>
+            </a:r>
+            <a:r>
+              <a:rPr lang="en-US" altLang="ko-KR"/>
+              <a:t>. </a:t>
+            </a:r>
+            <a:r>
+              <a:rPr lang="ko-KR" altLang="en-US"/>
+              <a:t>예를 들어</a:t>
+            </a:r>
+            <a:r>
+              <a:rPr lang="en-US" altLang="ko-KR"/>
+              <a:t>, 10</a:t>
+            </a:r>
+            <a:r>
+              <a:rPr lang="ko-KR" altLang="en-US"/>
+              <a:t>번 반복하는 반복문에서 </a:t>
+            </a:r>
+            <a:r>
+              <a:rPr lang="en-US" altLang="ko-KR"/>
+              <a:t>5</a:t>
+            </a:r>
+            <a:r>
+              <a:rPr lang="ko-KR" altLang="en-US"/>
+              <a:t>번째 회전에서 </a:t>
+            </a:r>
+            <a:r>
+              <a:rPr lang="en-US" altLang="ko-KR"/>
+              <a:t>continue</a:t>
+            </a:r>
+            <a:r>
+              <a:rPr lang="ko-KR" altLang="en-US"/>
+              <a:t>문을 만났다면  </a:t>
+            </a:r>
+            <a:r>
+              <a:rPr lang="en-US" altLang="ko-KR"/>
+              <a:t>break</a:t>
+            </a:r>
+            <a:r>
+              <a:rPr lang="ko-KR" altLang="en-US"/>
+              <a:t>문 이라면 더 이상 회전을 하지 않지만</a:t>
+            </a:r>
+            <a:r>
+              <a:rPr lang="en-US" altLang="ko-KR"/>
+              <a:t>, continue</a:t>
+            </a:r>
+            <a:r>
+              <a:rPr lang="ko-KR" altLang="en-US"/>
+              <a:t>문은 그 회전의 나머지 문장들만 수행하지 않고 다음 회전으로 제어를 넘긴다</a:t>
+            </a:r>
+            <a:r>
+              <a:rPr lang="en-US" altLang="ko-KR"/>
+              <a:t>.</a:t>
+            </a:r>
+          </a:p>
+          <a:p>
+            <a:pPr lvl="0">
+              <a:defRPr lang="ko-KR" altLang="en-US"/>
+            </a:pPr>
+            <a:endParaRPr lang="ko-KR" altLang="en-US"/>
+          </a:p>
+        </p:txBody>
+      </p:sp>
+    </p:spTree>
+  </p:cSld>
+  <p:clrMapOvr>
+    <a:masterClrMapping/>
+  </p:clrMapOvr>
+  <mc:AlternateContent xmlns:mc="http://schemas.openxmlformats.org/markup-compatibility/2006" xmlns:p14="http://schemas.microsoft.com/office/powerpoint/2010/main">
+    <mc:Choice Requires="p14">
+      <p:transition/>
+    </mc:Choice>
+    <mc:Fallback xmlns="" xmlns:c="http://schemas.openxmlformats.org/drawingml/2006/chart" xmlns:dgm="http://schemas.openxmlformats.org/drawingml/2006/diagram" xmlns:dsp="http://schemas.microsoft.com/office/drawing/2008/diagram">
+      <p:transition/>
+    </mc:Fallback>
+  </mc:AlternateContent>
+  <p:timing>
+    <p:tnLst>
+      <p:par>
+        <p:cTn id="1" dur="indefinite" restart="never" nodeType="tmRoot"/>
+      </p:par>
+    </p:tnLst>
+  </p:timing>
+</p:sld>
+</file>
+
+<file path=ppt/slides/slide23.xml><?xml version="1.0" encoding="utf-8"?>
 <p:sld xmlns:a="http://schemas.openxmlformats.org/drawingml/2006/main" xmlns:r="http://schemas.openxmlformats.org/officeDocument/2006/relationships" xmlns:p="http://schemas.openxmlformats.org/presentationml/2006/main">
   <p:cSld>
     <p:spTree>
@@ -14154,7 +16940,7 @@
 </p:sld>
 </file>
 
-<file path=ppt/slides/slide22.xml><?xml version="1.0" encoding="utf-8"?>
+<file path=ppt/slides/slide24.xml><?xml version="1.0" encoding="utf-8"?>
 <p:sld xmlns:a="http://schemas.openxmlformats.org/drawingml/2006/main" xmlns:r="http://schemas.openxmlformats.org/officeDocument/2006/relationships" xmlns:p="http://schemas.openxmlformats.org/presentationml/2006/main">
   <p:cSld>
     <p:spTree>
@@ -14436,7 +17222,7 @@
 </p:sld>
 </file>
 
-<file path=ppt/slides/slide23.xml><?xml version="1.0" encoding="utf-8"?>
+<file path=ppt/slides/slide25.xml><?xml version="1.0" encoding="utf-8"?>
 <p:sld xmlns:a="http://schemas.openxmlformats.org/drawingml/2006/main" xmlns:r="http://schemas.openxmlformats.org/officeDocument/2006/relationships" xmlns:p="http://schemas.openxmlformats.org/presentationml/2006/main">
   <p:cSld>
     <p:spTree>
@@ -16779,7 +19565,7 @@
 </p:sld>
 </file>
 
-<file path=ppt/slides/slide24.xml><?xml version="1.0" encoding="utf-8"?>
+<file path=ppt/slides/slide26.xml><?xml version="1.0" encoding="utf-8"?>
 <p:sld xmlns:a="http://schemas.openxmlformats.org/drawingml/2006/main" xmlns:r="http://schemas.openxmlformats.org/officeDocument/2006/relationships" xmlns:p="http://schemas.openxmlformats.org/presentationml/2006/main">
   <p:cSld>
     <p:spTree>
@@ -16798,416 +19584,867 @@
       </p:grpSpPr>
       <p:sp>
         <p:nvSpPr>
-          <p:cNvPr id="77828" name="WordArt 3"/>
+          <p:cNvPr id="2" name="제목 1"/>
           <p:cNvSpPr>
-            <a:spLocks noChangeArrowheads="1" noChangeShapeType="1"/>
+            <a:spLocks noGrp="1"/>
           </p:cNvSpPr>
+          <p:nvPr>
+            <p:ph type="title"/>
+          </p:nvPr>
+        </p:nvSpPr>
+        <p:spPr/>
+        <p:txBody>
+          <a:bodyPr/>
+          <a:lstStyle/>
+          <a:p>
+            <a:r>
+              <a:rPr lang="ko-KR" altLang="en-US" dirty="0" smtClean="0"/>
+              <a:t>연습문제</a:t>
+            </a:r>
+            <a:endParaRPr lang="ko-KR" altLang="en-US" dirty="0"/>
+          </a:p>
+        </p:txBody>
+      </p:sp>
+      <p:sp>
+        <p:nvSpPr>
+          <p:cNvPr id="3" name="내용 개체 틀 2"/>
+          <p:cNvSpPr>
+            <a:spLocks noGrp="1"/>
+          </p:cNvSpPr>
+          <p:nvPr>
+            <p:ph idx="1"/>
+          </p:nvPr>
+        </p:nvSpPr>
+        <p:spPr>
+          <a:xfrm>
+            <a:off x="457199" y="1357299"/>
+            <a:ext cx="8229599" cy="631542"/>
+          </a:xfrm>
+        </p:spPr>
+        <p:txBody>
+          <a:bodyPr/>
+          <a:lstStyle/>
+          <a:p>
+            <a:r>
+              <a:rPr lang="ko-KR" altLang="en-US" dirty="0"/>
+              <a:t>다음과 같이 </a:t>
+            </a:r>
+            <a:r>
+              <a:rPr lang="ko-KR" altLang="en-US" dirty="0" smtClean="0"/>
+              <a:t>화면에 </a:t>
+            </a:r>
+            <a:r>
+              <a:rPr lang="ko-KR" altLang="en-US" dirty="0"/>
+              <a:t>출력하는 </a:t>
+            </a:r>
+            <a:r>
+              <a:rPr lang="ko-KR" altLang="en-US" dirty="0" smtClean="0"/>
+              <a:t>코드를 작성하시오</a:t>
+            </a:r>
+            <a:endParaRPr lang="ko-KR" altLang="en-US" dirty="0"/>
+          </a:p>
+        </p:txBody>
+      </p:sp>
+      <p:sp>
+        <p:nvSpPr>
+          <p:cNvPr id="4" name="TextBox 3"/>
+          <p:cNvSpPr txBox="1"/>
           <p:nvPr/>
         </p:nvSpPr>
-        <p:spPr bwMode="gray">
+        <p:spPr>
           <a:xfrm>
-            <a:off x="1571604" y="2000240"/>
-            <a:ext cx="6456780" cy="1644784"/>
+            <a:off x="539552" y="1988840"/>
+            <a:ext cx="8064896" cy="1754326"/>
+          </a:xfrm>
+          <a:prstGeom prst="rect">
+            <a:avLst/>
+          </a:prstGeom>
+          <a:ln/>
+        </p:spPr>
+        <p:style>
+          <a:lnRef idx="2">
+            <a:schemeClr val="dk1"/>
+          </a:lnRef>
+          <a:fillRef idx="1">
+            <a:schemeClr val="lt1"/>
+          </a:fillRef>
+          <a:effectRef idx="0">
+            <a:schemeClr val="dk1"/>
+          </a:effectRef>
+          <a:fontRef idx="minor">
+            <a:schemeClr val="dk1"/>
+          </a:fontRef>
+        </p:style>
+        <p:txBody>
+          <a:bodyPr wrap="square" rtlCol="0">
+            <a:spAutoFit/>
+          </a:bodyPr>
+          <a:lstStyle/>
+          <a:p>
+            <a:r>
+              <a:rPr lang="en-US" altLang="ko-KR" dirty="0" smtClean="0">
+                <a:solidFill>
+                  <a:schemeClr val="tx1">
+                    <a:lumMod val="50000"/>
+                  </a:schemeClr>
+                </a:solidFill>
+              </a:rPr>
+              <a:t>1~10 </a:t>
+            </a:r>
+            <a:r>
+              <a:rPr lang="ko-KR" altLang="en-US" dirty="0" smtClean="0">
+                <a:solidFill>
+                  <a:schemeClr val="tx1">
+                    <a:lumMod val="50000"/>
+                  </a:schemeClr>
+                </a:solidFill>
+              </a:rPr>
+              <a:t>까지의 짝수를 출력합니다</a:t>
+            </a:r>
+            <a:r>
+              <a:rPr lang="en-US" altLang="ko-KR" dirty="0" smtClean="0">
+                <a:solidFill>
+                  <a:schemeClr val="tx1">
+                    <a:lumMod val="50000"/>
+                  </a:schemeClr>
+                </a:solidFill>
+              </a:rPr>
+              <a:t>.</a:t>
+            </a:r>
+          </a:p>
+          <a:p>
+            <a:r>
+              <a:rPr lang="en-US" altLang="ko-KR" dirty="0" smtClean="0">
+                <a:solidFill>
+                  <a:schemeClr val="tx1">
+                    <a:lumMod val="50000"/>
+                  </a:schemeClr>
+                </a:solidFill>
+              </a:rPr>
+              <a:t>2</a:t>
+            </a:r>
+          </a:p>
+          <a:p>
+            <a:r>
+              <a:rPr lang="en-US" altLang="ko-KR" dirty="0" smtClean="0">
+                <a:solidFill>
+                  <a:schemeClr val="tx1">
+                    <a:lumMod val="50000"/>
+                  </a:schemeClr>
+                </a:solidFill>
+              </a:rPr>
+              <a:t>4</a:t>
+            </a:r>
+          </a:p>
+          <a:p>
+            <a:r>
+              <a:rPr lang="en-US" altLang="ko-KR" dirty="0" smtClean="0">
+                <a:solidFill>
+                  <a:schemeClr val="tx1">
+                    <a:lumMod val="50000"/>
+                  </a:schemeClr>
+                </a:solidFill>
+              </a:rPr>
+              <a:t>6</a:t>
+            </a:r>
+          </a:p>
+          <a:p>
+            <a:r>
+              <a:rPr lang="en-US" altLang="ko-KR" dirty="0" smtClean="0">
+                <a:solidFill>
+                  <a:schemeClr val="tx1">
+                    <a:lumMod val="50000"/>
+                  </a:schemeClr>
+                </a:solidFill>
+              </a:rPr>
+              <a:t>8</a:t>
+            </a:r>
+          </a:p>
+          <a:p>
+            <a:r>
+              <a:rPr lang="en-US" altLang="ko-KR" dirty="0" smtClean="0">
+                <a:solidFill>
+                  <a:schemeClr val="tx1">
+                    <a:lumMod val="50000"/>
+                  </a:schemeClr>
+                </a:solidFill>
+              </a:rPr>
+              <a:t>10</a:t>
+            </a:r>
+          </a:p>
+        </p:txBody>
+      </p:sp>
+    </p:spTree>
+    <p:extLst>
+      <p:ext uri="{BB962C8B-B14F-4D97-AF65-F5344CB8AC3E}">
+        <p14:creationId xmlns:p14="http://schemas.microsoft.com/office/powerpoint/2010/main" val="59291515"/>
+      </p:ext>
+    </p:extLst>
+  </p:cSld>
+  <p:clrMapOvr>
+    <a:masterClrMapping/>
+  </p:clrMapOvr>
+  <p:transition/>
+  <p:timing>
+    <p:tnLst>
+      <p:par>
+        <p:cTn id="1" dur="indefinite" restart="never" nodeType="tmRoot"/>
+      </p:par>
+    </p:tnLst>
+  </p:timing>
+</p:sld>
+</file>
+
+<file path=ppt/slides/slide27.xml><?xml version="1.0" encoding="utf-8"?>
+<p:sld xmlns:a="http://schemas.openxmlformats.org/drawingml/2006/main" xmlns:r="http://schemas.openxmlformats.org/officeDocument/2006/relationships" xmlns:p="http://schemas.openxmlformats.org/presentationml/2006/main">
+  <p:cSld>
+    <p:spTree>
+      <p:nvGrpSpPr>
+        <p:cNvPr id="1" name=""/>
+        <p:cNvGrpSpPr/>
+        <p:nvPr/>
+      </p:nvGrpSpPr>
+      <p:grpSpPr>
+        <a:xfrm>
+          <a:off x="0" y="0"/>
+          <a:ext cx="0" cy="0"/>
+          <a:chOff x="0" y="0"/>
+          <a:chExt cx="0" cy="0"/>
+        </a:xfrm>
+      </p:grpSpPr>
+      <p:sp>
+        <p:nvSpPr>
+          <p:cNvPr id="2" name="제목 1"/>
+          <p:cNvSpPr>
+            <a:spLocks noGrp="1"/>
+          </p:cNvSpPr>
+          <p:nvPr>
+            <p:ph type="title"/>
+          </p:nvPr>
+        </p:nvSpPr>
+        <p:spPr/>
+        <p:txBody>
+          <a:bodyPr/>
+          <a:lstStyle/>
+          <a:p>
+            <a:r>
+              <a:rPr lang="ko-KR" altLang="en-US" dirty="0" smtClean="0"/>
+              <a:t>연습문제</a:t>
+            </a:r>
+            <a:endParaRPr lang="ko-KR" altLang="en-US" dirty="0"/>
+          </a:p>
+        </p:txBody>
+      </p:sp>
+      <p:sp>
+        <p:nvSpPr>
+          <p:cNvPr id="3" name="내용 개체 틀 2"/>
+          <p:cNvSpPr>
+            <a:spLocks noGrp="1"/>
+          </p:cNvSpPr>
+          <p:nvPr>
+            <p:ph idx="1"/>
+          </p:nvPr>
+        </p:nvSpPr>
+        <p:spPr>
+          <a:xfrm>
+            <a:off x="457199" y="1357299"/>
+            <a:ext cx="8229599" cy="631542"/>
+          </a:xfrm>
+        </p:spPr>
+        <p:txBody>
+          <a:bodyPr/>
+          <a:lstStyle/>
+          <a:p>
+            <a:r>
+              <a:rPr lang="ko-KR" altLang="en-US" dirty="0" smtClean="0"/>
+              <a:t>탭 문자 </a:t>
+            </a:r>
+            <a:r>
+              <a:rPr lang="en-US" altLang="ko-KR" dirty="0" smtClean="0"/>
+              <a:t>\t </a:t>
+            </a:r>
+            <a:r>
+              <a:rPr lang="ko-KR" altLang="en-US" dirty="0" smtClean="0"/>
+              <a:t>를 사용해 다음과 같이 구구단을 화면에 출력하는 코드를 작성하십시오</a:t>
+            </a:r>
+            <a:r>
+              <a:rPr lang="en-US" altLang="ko-KR" dirty="0" smtClean="0"/>
+              <a:t>.</a:t>
+            </a:r>
+            <a:endParaRPr lang="ko-KR" altLang="en-US" dirty="0"/>
+          </a:p>
+        </p:txBody>
+      </p:sp>
+      <p:pic>
+        <p:nvPicPr>
+          <p:cNvPr id="5" name="그림 4"/>
+          <p:cNvPicPr>
+            <a:picLocks noChangeAspect="1"/>
+          </p:cNvPicPr>
+          <p:nvPr/>
+        </p:nvPicPr>
+        <p:blipFill>
+          <a:blip r:embed="rId2">
+            <a:extLst>
+              <a:ext uri="{28A0092B-C50C-407E-A947-70E740481C1C}">
+                <a14:useLocalDpi xmlns:a14="http://schemas.microsoft.com/office/drawing/2010/main" val="0"/>
+              </a:ext>
+            </a:extLst>
+          </a:blip>
+          <a:stretch>
+            <a:fillRect/>
+          </a:stretch>
+        </p:blipFill>
+        <p:spPr>
+          <a:xfrm>
+            <a:off x="1234149" y="2564904"/>
+            <a:ext cx="6675698" cy="3680779"/>
           </a:xfrm>
           <a:prstGeom prst="rect">
             <a:avLst/>
           </a:prstGeom>
         </p:spPr>
-        <p:txBody>
-          <a:bodyPr wrap="none">
-            <a:prstTxWarp prst="textDeflate">
-              <a:avLst>
-                <a:gd name="adj" fmla="val 0"/>
-              </a:avLst>
-            </a:prstTxWarp>
-          </a:bodyPr>
-          <a:lstStyle/>
-          <a:p>
-            <a:pPr algn="ctr">
-              <a:defRPr lang="ko-KR" altLang="en-US"/>
-            </a:pPr>
-            <a:r>
-              <a:rPr lang="en-US" altLang="ko-KR" sz="5400" kern="0">
-                <a:ln w="19050">
-                  <a:solidFill>
-                    <a:schemeClr val="bg1"/>
-                  </a:solidFill>
-                  <a:round/>
-                </a:ln>
-                <a:gradFill rotWithShape="1">
-                  <a:gsLst>
-                    <a:gs pos="0">
-                      <a:schemeClr val="hlink"/>
-                    </a:gs>
-                    <a:gs pos="100000">
-                      <a:schemeClr val="accent2"/>
-                    </a:gs>
-                  </a:gsLst>
-                  <a:lin ang="5400000" scaled="1"/>
-                </a:gradFill>
-                <a:effectLst>
-                  <a:outerShdw dist="107763" dir="2700000" algn="ctr" rotWithShape="0">
-                    <a:srgbClr val="000000">
-                      <a:alpha val="50000"/>
-                    </a:srgbClr>
-                  </a:outerShdw>
-                </a:effectLst>
-                <a:latin typeface="HY헤드라인M"/>
-                <a:ea typeface="HY헤드라인M"/>
-              </a:rPr>
-              <a:t>Lesson6 </a:t>
-            </a:r>
-            <a:r>
-              <a:rPr lang="ko-KR" altLang="en-US" sz="5400" kern="0">
-                <a:ln w="19050">
-                  <a:solidFill>
-                    <a:schemeClr val="bg1"/>
-                  </a:solidFill>
-                  <a:round/>
-                </a:ln>
-                <a:gradFill rotWithShape="1">
-                  <a:gsLst>
-                    <a:gs pos="0">
-                      <a:schemeClr val="hlink"/>
-                    </a:gs>
-                    <a:gs pos="100000">
-                      <a:schemeClr val="accent2"/>
-                    </a:gs>
-                  </a:gsLst>
-                  <a:lin ang="5400000" scaled="1"/>
-                </a:gradFill>
-                <a:effectLst>
-                  <a:outerShdw dist="107763" dir="2700000" algn="ctr" rotWithShape="0">
-                    <a:srgbClr val="000000">
-                      <a:alpha val="50000"/>
-                    </a:srgbClr>
-                  </a:outerShdw>
-                </a:effectLst>
-                <a:latin typeface="HY헤드라인M"/>
-                <a:ea typeface="HY헤드라인M"/>
-              </a:rPr>
-              <a:t>연습문제</a:t>
-            </a:r>
-          </a:p>
-          <a:p>
-            <a:pPr algn="ctr">
-              <a:defRPr lang="ko-KR" altLang="en-US"/>
-            </a:pPr>
-            <a:r>
-              <a:rPr lang="en-US" altLang="ko-KR" sz="5400" kern="0">
-                <a:ln w="19050">
-                  <a:solidFill>
-                    <a:schemeClr val="bg1"/>
-                  </a:solidFill>
-                  <a:round/>
-                </a:ln>
-                <a:gradFill rotWithShape="1">
-                  <a:gsLst>
-                    <a:gs pos="0">
-                      <a:schemeClr val="hlink"/>
-                    </a:gs>
-                    <a:gs pos="100000">
-                      <a:schemeClr val="accent2"/>
-                    </a:gs>
-                  </a:gsLst>
-                  <a:lin ang="5400000" scaled="1"/>
-                </a:gradFill>
-                <a:effectLst>
-                  <a:outerShdw dist="107763" dir="2700000" algn="ctr" rotWithShape="0">
-                    <a:srgbClr val="000000">
-                      <a:alpha val="50000"/>
-                    </a:srgbClr>
-                  </a:outerShdw>
-                </a:effectLst>
-                <a:latin typeface="HY헤드라인M"/>
-                <a:ea typeface="HY헤드라인M"/>
-              </a:rPr>
-              <a:t>1, 3, 4 </a:t>
-            </a:r>
-            <a:r>
-              <a:rPr lang="ko-KR" altLang="en-US" sz="5400" kern="0">
-                <a:ln w="19050">
-                  <a:solidFill>
-                    <a:schemeClr val="bg1"/>
-                  </a:solidFill>
-                  <a:round/>
-                </a:ln>
-                <a:gradFill rotWithShape="1">
-                  <a:gsLst>
-                    <a:gs pos="0">
-                      <a:schemeClr val="hlink"/>
-                    </a:gs>
-                    <a:gs pos="100000">
-                      <a:schemeClr val="accent2"/>
-                    </a:gs>
-                  </a:gsLst>
-                  <a:lin ang="5400000" scaled="1"/>
-                </a:gradFill>
-                <a:effectLst>
-                  <a:outerShdw dist="107763" dir="2700000" algn="ctr" rotWithShape="0">
-                    <a:srgbClr val="000000">
-                      <a:alpha val="50000"/>
-                    </a:srgbClr>
-                  </a:outerShdw>
-                </a:effectLst>
-                <a:latin typeface="HY헤드라인M"/>
-                <a:ea typeface="HY헤드라인M"/>
-              </a:rPr>
-              <a:t>번 실습하기</a:t>
-            </a:r>
-          </a:p>
-        </p:txBody>
-      </p:sp>
+      </p:pic>
     </p:spTree>
+    <p:extLst>
+      <p:ext uri="{BB962C8B-B14F-4D97-AF65-F5344CB8AC3E}">
+        <p14:creationId xmlns:p14="http://schemas.microsoft.com/office/powerpoint/2010/main" val="2412433474"/>
+      </p:ext>
+    </p:extLst>
   </p:cSld>
   <p:clrMapOvr>
     <a:masterClrMapping/>
   </p:clrMapOvr>
-  <mc:AlternateContent xmlns:mc="http://schemas.openxmlformats.org/markup-compatibility/2006" xmlns:p14="http://schemas.microsoft.com/office/powerpoint/2010/main">
-    <mc:Choice Requires="p14">
-      <p:transition/>
-    </mc:Choice>
-    <mc:Fallback xmlns="" xmlns:c="http://schemas.openxmlformats.org/drawingml/2006/chart" xmlns:dgm="http://schemas.openxmlformats.org/drawingml/2006/diagram" xmlns:dsp="http://schemas.microsoft.com/office/drawing/2008/diagram">
-      <p:transition/>
-    </mc:Fallback>
-  </mc:AlternateContent>
+  <p:transition/>
   <p:timing>
     <p:tnLst>
       <p:par>
-        <p:cTn id="1" dur="indefinite" restart="never" nodeType="tmRoot">
-          <p:childTnLst>
-            <p:seq concurrent="1" nextAc="seek">
-              <p:cTn id="2" dur="indefinite" nodeType="mainSeq">
-                <p:childTnLst>
-                  <p:par>
-                    <p:cTn id="3" fill="hold">
-                      <p:stCondLst>
-                        <p:cond delay="indefinite"/>
-                        <p:cond evt="onBegin" delay="0">
-                          <p:tn val="2"/>
-                        </p:cond>
-                      </p:stCondLst>
-                      <p:childTnLst>
-                        <p:par>
-                          <p:cTn id="4" fill="hold">
-                            <p:stCondLst>
-                              <p:cond delay="0"/>
-                            </p:stCondLst>
-                            <p:childTnLst>
-                              <p:par>
-                                <p:cTn id="5" presetID="2" presetClass="entr" presetSubtype="4" fill="hold" grpId="0" nodeType="afterEffect">
-                                  <p:stCondLst>
-                                    <p:cond delay="0"/>
-                                  </p:stCondLst>
-                                  <p:iterate type="lt">
-                                    <p:tmPct val="0"/>
-                                  </p:iterate>
-                                  <p:childTnLst>
-                                    <p:set>
-                                      <p:cBhvr>
-                                        <p:cTn id="6" dur="1" fill="hold">
-                                          <p:stCondLst>
-                                            <p:cond delay="0"/>
-                                          </p:stCondLst>
-                                        </p:cTn>
-                                        <p:tgtEl>
-                                          <p:spTgt spid="77828"/>
-                                        </p:tgtEl>
-                                        <p:attrNameLst>
-                                          <p:attrName>style.visibility</p:attrName>
-                                        </p:attrNameLst>
-                                      </p:cBhvr>
-                                      <p:to>
-                                        <p:strVal val="visible"/>
-                                      </p:to>
-                                    </p:set>
-                                    <p:anim calcmode="lin" valueType="num">
-                                      <p:cBhvr additive="base">
-                                        <p:cTn id="7" dur="500" fill="hold"/>
-                                        <p:tgtEl>
-                                          <p:spTgt spid="77828"/>
-                                        </p:tgtEl>
-                                        <p:attrNameLst>
-                                          <p:attrName>ppt_x</p:attrName>
-                                        </p:attrNameLst>
-                                      </p:cBhvr>
-                                      <p:tavLst>
-                                        <p:tav tm="0">
-                                          <p:val>
-                                            <p:strVal val="#ppt_x"/>
-                                          </p:val>
-                                        </p:tav>
-                                        <p:tav tm="100000">
-                                          <p:val>
-                                            <p:strVal val="#ppt_x"/>
-                                          </p:val>
-                                        </p:tav>
-                                      </p:tavLst>
-                                    </p:anim>
-                                    <p:anim calcmode="lin" valueType="num">
-                                      <p:cBhvr additive="base">
-                                        <p:cTn id="8" dur="500" fill="hold"/>
-                                        <p:tgtEl>
-                                          <p:spTgt spid="77828"/>
-                                        </p:tgtEl>
-                                        <p:attrNameLst>
-                                          <p:attrName>ppt_y</p:attrName>
-                                        </p:attrNameLst>
-                                      </p:cBhvr>
-                                      <p:tavLst>
-                                        <p:tav tm="0">
-                                          <p:val>
-                                            <p:strVal val="1+#ppt_h/2"/>
-                                          </p:val>
-                                        </p:tav>
-                                        <p:tav tm="100000">
-                                          <p:val>
-                                            <p:strVal val="#ppt_y"/>
-                                          </p:val>
-                                        </p:tav>
-                                      </p:tavLst>
-                                    </p:anim>
-                                  </p:childTnLst>
-                                </p:cTn>
-                              </p:par>
-                            </p:childTnLst>
-                          </p:cTn>
-                        </p:par>
-                        <p:par>
-                          <p:cTn id="9" fill="hold">
-                            <p:stCondLst>
-                              <p:cond delay="500"/>
-                            </p:stCondLst>
-                            <p:childTnLst>
-                              <p:par>
-                                <p:cTn id="10" presetID="27" presetClass="entr" presetSubtype="0" fill="hold" grpId="1" nodeType="afterEffect">
-                                  <p:stCondLst>
-                                    <p:cond delay="0"/>
-                                  </p:stCondLst>
-                                  <p:iterate type="lt">
-                                    <p:tmPct val="50000"/>
-                                  </p:iterate>
-                                  <p:childTnLst>
-                                    <p:set>
-                                      <p:cBhvr>
-                                        <p:cTn id="11" dur="1" fill="hold">
-                                          <p:stCondLst>
-                                            <p:cond delay="0"/>
-                                          </p:stCondLst>
-                                        </p:cTn>
-                                        <p:tgtEl>
-                                          <p:spTgt spid="77828"/>
-                                        </p:tgtEl>
-                                        <p:attrNameLst>
-                                          <p:attrName>style.visibility</p:attrName>
-                                        </p:attrNameLst>
-                                      </p:cBhvr>
-                                      <p:to>
-                                        <p:strVal val="visible"/>
-                                      </p:to>
-                                    </p:set>
-                                    <p:anim calcmode="discrete" valueType="clr">
-                                      <p:cBhvr>
-                                        <p:cTn id="12" dur="500"/>
-                                        <p:tgtEl>
-                                          <p:spTgt spid="77828"/>
-                                        </p:tgtEl>
-                                        <p:attrNameLst>
-                                          <p:attrName>style.color</p:attrName>
-                                        </p:attrNameLst>
-                                      </p:cBhvr>
-                                      <p:tavLst>
-                                        <p:tav tm="0">
-                                          <p:val>
-                                            <p:clrVal>
-                                              <a:schemeClr val="accent2"/>
-                                            </p:clrVal>
-                                          </p:val>
-                                        </p:tav>
-                                        <p:tav tm="50000">
-                                          <p:val>
-                                            <p:clrVal>
-                                              <a:schemeClr val="hlink"/>
-                                            </p:clrVal>
-                                          </p:val>
-                                        </p:tav>
-                                      </p:tavLst>
-                                    </p:anim>
-                                    <p:anim calcmode="discrete" valueType="clr">
-                                      <p:cBhvr>
-                                        <p:cTn id="13" dur="500"/>
-                                        <p:tgtEl>
-                                          <p:spTgt spid="77828"/>
-                                        </p:tgtEl>
-                                        <p:attrNameLst>
-                                          <p:attrName>fillcolor</p:attrName>
-                                        </p:attrNameLst>
-                                      </p:cBhvr>
-                                      <p:tavLst>
-                                        <p:tav tm="0">
-                                          <p:val>
-                                            <p:clrVal>
-                                              <a:schemeClr val="accent2"/>
-                                            </p:clrVal>
-                                          </p:val>
-                                        </p:tav>
-                                        <p:tav tm="50000">
-                                          <p:val>
-                                            <p:clrVal>
-                                              <a:schemeClr val="hlink"/>
-                                            </p:clrVal>
-                                          </p:val>
-                                        </p:tav>
-                                      </p:tavLst>
-                                    </p:anim>
-                                    <p:set>
-                                      <p:cBhvr>
-                                        <p:cTn id="14" dur="500"/>
-                                        <p:tgtEl>
-                                          <p:spTgt spid="77828"/>
-                                        </p:tgtEl>
-                                        <p:attrNameLst>
-                                          <p:attrName>fill.type</p:attrName>
-                                        </p:attrNameLst>
-                                      </p:cBhvr>
-                                      <p:to>
-                                        <p:strVal val="solid"/>
-                                      </p:to>
-                                    </p:set>
-                                  </p:childTnLst>
-                                </p:cTn>
-                              </p:par>
-                            </p:childTnLst>
-                          </p:cTn>
-                        </p:par>
-                      </p:childTnLst>
-                    </p:cTn>
-                  </p:par>
-                </p:childTnLst>
-              </p:cTn>
-              <p:prevCondLst>
-                <p:cond evt="onPrev" delay="0">
-                  <p:tgtEl>
-                    <p:sldTgt/>
-                  </p:tgtEl>
-                </p:cond>
-              </p:prevCondLst>
-              <p:nextCondLst>
-                <p:cond evt="onNext" delay="0">
-                  <p:tgtEl>
-                    <p:sldTgt/>
-                  </p:tgtEl>
-                </p:cond>
-              </p:nextCondLst>
-            </p:seq>
-          </p:childTnLst>
-        </p:cTn>
+        <p:cTn id="1" dur="indefinite" restart="never" nodeType="tmRoot"/>
       </p:par>
     </p:tnLst>
-    <p:bldLst>
-      <p:bldP spid="77828" grpId="0"/>
-      <p:bldP spid="77828" grpId="1"/>
-    </p:bldLst>
+  </p:timing>
+</p:sld>
+</file>
+
+<file path=ppt/slides/slide28.xml><?xml version="1.0" encoding="utf-8"?>
+<p:sld xmlns:a="http://schemas.openxmlformats.org/drawingml/2006/main" xmlns:r="http://schemas.openxmlformats.org/officeDocument/2006/relationships" xmlns:p="http://schemas.openxmlformats.org/presentationml/2006/main">
+  <p:cSld>
+    <p:spTree>
+      <p:nvGrpSpPr>
+        <p:cNvPr id="1" name=""/>
+        <p:cNvGrpSpPr/>
+        <p:nvPr/>
+      </p:nvGrpSpPr>
+      <p:grpSpPr>
+        <a:xfrm>
+          <a:off x="0" y="0"/>
+          <a:ext cx="0" cy="0"/>
+          <a:chOff x="0" y="0"/>
+          <a:chExt cx="0" cy="0"/>
+        </a:xfrm>
+      </p:grpSpPr>
+      <p:sp>
+        <p:nvSpPr>
+          <p:cNvPr id="2" name="제목 1"/>
+          <p:cNvSpPr>
+            <a:spLocks noGrp="1"/>
+          </p:cNvSpPr>
+          <p:nvPr>
+            <p:ph type="title"/>
+          </p:nvPr>
+        </p:nvSpPr>
+        <p:spPr/>
+        <p:txBody>
+          <a:bodyPr/>
+          <a:lstStyle/>
+          <a:p>
+            <a:r>
+              <a:rPr lang="ko-KR" altLang="en-US" dirty="0" smtClean="0"/>
+              <a:t>연습문제</a:t>
+            </a:r>
+            <a:endParaRPr lang="ko-KR" altLang="en-US" dirty="0"/>
+          </a:p>
+        </p:txBody>
+      </p:sp>
+      <p:sp>
+        <p:nvSpPr>
+          <p:cNvPr id="3" name="내용 개체 틀 2"/>
+          <p:cNvSpPr>
+            <a:spLocks noGrp="1"/>
+          </p:cNvSpPr>
+          <p:nvPr>
+            <p:ph idx="1"/>
+          </p:nvPr>
+        </p:nvSpPr>
+        <p:spPr/>
+        <p:txBody>
+          <a:bodyPr/>
+          <a:lstStyle/>
+          <a:p>
+            <a:r>
+              <a:rPr lang="ko-KR" altLang="en-US" dirty="0" smtClean="0"/>
+              <a:t>다음과 같이 화면에 출력하는 코드를 작성하시오</a:t>
+            </a:r>
+            <a:r>
+              <a:rPr lang="en-US" altLang="ko-KR" dirty="0" smtClean="0"/>
+              <a:t>.</a:t>
+            </a:r>
+            <a:endParaRPr lang="ko-KR" altLang="en-US" dirty="0"/>
+          </a:p>
+        </p:txBody>
+      </p:sp>
+      <p:sp>
+        <p:nvSpPr>
+          <p:cNvPr id="4" name="TextBox 3"/>
+          <p:cNvSpPr txBox="1"/>
+          <p:nvPr/>
+        </p:nvSpPr>
+        <p:spPr>
+          <a:xfrm>
+            <a:off x="539552" y="1988840"/>
+            <a:ext cx="8064896" cy="1477328"/>
+          </a:xfrm>
+          <a:prstGeom prst="rect">
+            <a:avLst/>
+          </a:prstGeom>
+          <a:ln/>
+        </p:spPr>
+        <p:style>
+          <a:lnRef idx="2">
+            <a:schemeClr val="dk1"/>
+          </a:lnRef>
+          <a:fillRef idx="1">
+            <a:schemeClr val="lt1"/>
+          </a:fillRef>
+          <a:effectRef idx="0">
+            <a:schemeClr val="dk1"/>
+          </a:effectRef>
+          <a:fontRef idx="minor">
+            <a:schemeClr val="dk1"/>
+          </a:fontRef>
+        </p:style>
+        <p:txBody>
+          <a:bodyPr wrap="square" rtlCol="0">
+            <a:spAutoFit/>
+          </a:bodyPr>
+          <a:lstStyle/>
+          <a:p>
+            <a:r>
+              <a:rPr lang="en-US" altLang="ko-KR" spc="300" dirty="0" smtClean="0">
+                <a:solidFill>
+                  <a:schemeClr val="tx1">
+                    <a:lumMod val="50000"/>
+                  </a:schemeClr>
+                </a:solidFill>
+              </a:rPr>
+              <a:t>*</a:t>
+            </a:r>
+          </a:p>
+          <a:p>
+            <a:r>
+              <a:rPr lang="en-US" altLang="ko-KR" spc="300" dirty="0" smtClean="0">
+                <a:solidFill>
+                  <a:schemeClr val="tx1">
+                    <a:lumMod val="50000"/>
+                  </a:schemeClr>
+                </a:solidFill>
+              </a:rPr>
+              <a:t>**</a:t>
+            </a:r>
+          </a:p>
+          <a:p>
+            <a:r>
+              <a:rPr lang="en-US" altLang="ko-KR" spc="300" dirty="0" smtClean="0">
+                <a:solidFill>
+                  <a:schemeClr val="tx1">
+                    <a:lumMod val="50000"/>
+                  </a:schemeClr>
+                </a:solidFill>
+              </a:rPr>
+              <a:t>***</a:t>
+            </a:r>
+          </a:p>
+          <a:p>
+            <a:r>
+              <a:rPr lang="en-US" altLang="ko-KR" spc="300" dirty="0" smtClean="0">
+                <a:solidFill>
+                  <a:schemeClr val="tx1">
+                    <a:lumMod val="50000"/>
+                  </a:schemeClr>
+                </a:solidFill>
+              </a:rPr>
+              <a:t>****</a:t>
+            </a:r>
+          </a:p>
+          <a:p>
+            <a:r>
+              <a:rPr lang="en-US" altLang="ko-KR" spc="300" dirty="0" smtClean="0">
+                <a:solidFill>
+                  <a:schemeClr val="tx1">
+                    <a:lumMod val="50000"/>
+                  </a:schemeClr>
+                </a:solidFill>
+              </a:rPr>
+              <a:t>*****</a:t>
+            </a:r>
+          </a:p>
+        </p:txBody>
+      </p:sp>
+    </p:spTree>
+    <p:extLst>
+      <p:ext uri="{BB962C8B-B14F-4D97-AF65-F5344CB8AC3E}">
+        <p14:creationId xmlns:p14="http://schemas.microsoft.com/office/powerpoint/2010/main" val="952671659"/>
+      </p:ext>
+    </p:extLst>
+  </p:cSld>
+  <p:clrMapOvr>
+    <a:masterClrMapping/>
+  </p:clrMapOvr>
+  <p:transition/>
+  <p:timing>
+    <p:tnLst>
+      <p:par>
+        <p:cTn id="1" dur="indefinite" restart="never" nodeType="tmRoot"/>
+      </p:par>
+    </p:tnLst>
+  </p:timing>
+</p:sld>
+</file>
+
+<file path=ppt/slides/slide29.xml><?xml version="1.0" encoding="utf-8"?>
+<p:sld xmlns:a="http://schemas.openxmlformats.org/drawingml/2006/main" xmlns:r="http://schemas.openxmlformats.org/officeDocument/2006/relationships" xmlns:p="http://schemas.openxmlformats.org/presentationml/2006/main">
+  <p:cSld>
+    <p:spTree>
+      <p:nvGrpSpPr>
+        <p:cNvPr id="1" name=""/>
+        <p:cNvGrpSpPr/>
+        <p:nvPr/>
+      </p:nvGrpSpPr>
+      <p:grpSpPr>
+        <a:xfrm>
+          <a:off x="0" y="0"/>
+          <a:ext cx="0" cy="0"/>
+          <a:chOff x="0" y="0"/>
+          <a:chExt cx="0" cy="0"/>
+        </a:xfrm>
+      </p:grpSpPr>
+      <p:sp>
+        <p:nvSpPr>
+          <p:cNvPr id="2" name="제목 1"/>
+          <p:cNvSpPr>
+            <a:spLocks noGrp="1"/>
+          </p:cNvSpPr>
+          <p:nvPr>
+            <p:ph type="title"/>
+          </p:nvPr>
+        </p:nvSpPr>
+        <p:spPr/>
+        <p:txBody>
+          <a:bodyPr/>
+          <a:lstStyle/>
+          <a:p>
+            <a:r>
+              <a:rPr lang="ko-KR" altLang="en-US" dirty="0" smtClean="0"/>
+              <a:t>연습문제</a:t>
+            </a:r>
+            <a:endParaRPr lang="ko-KR" altLang="en-US" dirty="0"/>
+          </a:p>
+        </p:txBody>
+      </p:sp>
+      <p:sp>
+        <p:nvSpPr>
+          <p:cNvPr id="3" name="내용 개체 틀 2"/>
+          <p:cNvSpPr>
+            <a:spLocks noGrp="1"/>
+          </p:cNvSpPr>
+          <p:nvPr>
+            <p:ph idx="1"/>
+          </p:nvPr>
+        </p:nvSpPr>
+        <p:spPr/>
+        <p:txBody>
+          <a:bodyPr/>
+          <a:lstStyle/>
+          <a:p>
+            <a:r>
+              <a:rPr lang="ko-KR" altLang="en-US" dirty="0" smtClean="0"/>
+              <a:t>키보드로 정수를 </a:t>
+            </a:r>
+            <a:r>
+              <a:rPr lang="ko-KR" altLang="en-US" dirty="0" err="1" smtClean="0"/>
+              <a:t>입력받아서</a:t>
+            </a:r>
+            <a:r>
+              <a:rPr lang="ko-KR" altLang="en-US" dirty="0" smtClean="0"/>
+              <a:t> 그 수가 소수</a:t>
+            </a:r>
+            <a:r>
+              <a:rPr lang="en-US" altLang="ko-KR" dirty="0" smtClean="0"/>
+              <a:t>(1 </a:t>
+            </a:r>
+            <a:r>
+              <a:rPr lang="ko-KR" altLang="en-US" dirty="0" smtClean="0"/>
+              <a:t>또는 그 이외의 수로 나누어 떨어지지 않는 수</a:t>
+            </a:r>
+            <a:r>
+              <a:rPr lang="en-US" altLang="ko-KR" dirty="0" smtClean="0"/>
+              <a:t>) </a:t>
+            </a:r>
+            <a:r>
+              <a:rPr lang="ko-KR" altLang="en-US" dirty="0" smtClean="0"/>
+              <a:t>인지 판단하는 코드를 작성하시오</a:t>
+            </a:r>
+            <a:r>
+              <a:rPr lang="en-US" altLang="ko-KR" dirty="0" smtClean="0"/>
+              <a:t>.</a:t>
+            </a:r>
+            <a:endParaRPr lang="ko-KR" altLang="en-US" dirty="0"/>
+          </a:p>
+        </p:txBody>
+      </p:sp>
+      <p:sp>
+        <p:nvSpPr>
+          <p:cNvPr id="4" name="TextBox 3"/>
+          <p:cNvSpPr txBox="1"/>
+          <p:nvPr/>
+        </p:nvSpPr>
+        <p:spPr>
+          <a:xfrm>
+            <a:off x="621902" y="2852936"/>
+            <a:ext cx="8064896" cy="923330"/>
+          </a:xfrm>
+          <a:prstGeom prst="rect">
+            <a:avLst/>
+          </a:prstGeom>
+          <a:ln/>
+        </p:spPr>
+        <p:style>
+          <a:lnRef idx="2">
+            <a:schemeClr val="dk1"/>
+          </a:lnRef>
+          <a:fillRef idx="1">
+            <a:schemeClr val="lt1"/>
+          </a:fillRef>
+          <a:effectRef idx="0">
+            <a:schemeClr val="dk1"/>
+          </a:effectRef>
+          <a:fontRef idx="minor">
+            <a:schemeClr val="dk1"/>
+          </a:fontRef>
+        </p:style>
+        <p:txBody>
+          <a:bodyPr wrap="square" rtlCol="0">
+            <a:spAutoFit/>
+          </a:bodyPr>
+          <a:lstStyle/>
+          <a:p>
+            <a:r>
+              <a:rPr lang="en-US" altLang="ko-KR" dirty="0" smtClean="0">
+                <a:solidFill>
+                  <a:schemeClr val="tx1">
+                    <a:lumMod val="50000"/>
+                  </a:schemeClr>
+                </a:solidFill>
+              </a:rPr>
+              <a:t>2 </a:t>
+            </a:r>
+            <a:r>
+              <a:rPr lang="ko-KR" altLang="en-US" dirty="0" smtClean="0">
+                <a:solidFill>
+                  <a:schemeClr val="tx1">
+                    <a:lumMod val="50000"/>
+                  </a:schemeClr>
+                </a:solidFill>
+              </a:rPr>
+              <a:t>이상의 정수를 입력하십시오</a:t>
+            </a:r>
+            <a:r>
+              <a:rPr lang="en-US" altLang="ko-KR" dirty="0" smtClean="0">
+                <a:solidFill>
+                  <a:schemeClr val="tx1">
+                    <a:lumMod val="50000"/>
+                  </a:schemeClr>
+                </a:solidFill>
+              </a:rPr>
+              <a:t>.</a:t>
+            </a:r>
+          </a:p>
+          <a:p>
+            <a:r>
+              <a:rPr lang="en-US" altLang="ko-KR" dirty="0" smtClean="0">
+                <a:solidFill>
+                  <a:schemeClr val="tx1">
+                    <a:lumMod val="50000"/>
+                  </a:schemeClr>
+                </a:solidFill>
+              </a:rPr>
+              <a:t>7</a:t>
+            </a:r>
+          </a:p>
+          <a:p>
+            <a:r>
+              <a:rPr lang="en-US" altLang="ko-KR" dirty="0" smtClean="0">
+                <a:solidFill>
+                  <a:schemeClr val="tx1">
+                    <a:lumMod val="50000"/>
+                  </a:schemeClr>
+                </a:solidFill>
+              </a:rPr>
+              <a:t>7</a:t>
+            </a:r>
+            <a:r>
+              <a:rPr lang="ko-KR" altLang="en-US" dirty="0" smtClean="0">
+                <a:solidFill>
+                  <a:schemeClr val="tx1">
+                    <a:lumMod val="50000"/>
+                  </a:schemeClr>
+                </a:solidFill>
+              </a:rPr>
+              <a:t>은 소수입니다</a:t>
+            </a:r>
+            <a:r>
+              <a:rPr lang="en-US" altLang="ko-KR" dirty="0" smtClean="0">
+                <a:solidFill>
+                  <a:schemeClr val="tx1">
+                    <a:lumMod val="50000"/>
+                  </a:schemeClr>
+                </a:solidFill>
+              </a:rPr>
+              <a:t>.</a:t>
+            </a:r>
+          </a:p>
+        </p:txBody>
+      </p:sp>
+      <p:sp>
+        <p:nvSpPr>
+          <p:cNvPr id="5" name="TextBox 4"/>
+          <p:cNvSpPr txBox="1"/>
+          <p:nvPr/>
+        </p:nvSpPr>
+        <p:spPr>
+          <a:xfrm>
+            <a:off x="611560" y="4017838"/>
+            <a:ext cx="8064896" cy="923330"/>
+          </a:xfrm>
+          <a:prstGeom prst="rect">
+            <a:avLst/>
+          </a:prstGeom>
+          <a:ln/>
+        </p:spPr>
+        <p:style>
+          <a:lnRef idx="2">
+            <a:schemeClr val="dk1"/>
+          </a:lnRef>
+          <a:fillRef idx="1">
+            <a:schemeClr val="lt1"/>
+          </a:fillRef>
+          <a:effectRef idx="0">
+            <a:schemeClr val="dk1"/>
+          </a:effectRef>
+          <a:fontRef idx="minor">
+            <a:schemeClr val="dk1"/>
+          </a:fontRef>
+        </p:style>
+        <p:txBody>
+          <a:bodyPr wrap="square" rtlCol="0">
+            <a:spAutoFit/>
+          </a:bodyPr>
+          <a:lstStyle/>
+          <a:p>
+            <a:r>
+              <a:rPr lang="en-US" altLang="ko-KR" dirty="0" smtClean="0">
+                <a:solidFill>
+                  <a:schemeClr val="tx1">
+                    <a:lumMod val="50000"/>
+                  </a:schemeClr>
+                </a:solidFill>
+              </a:rPr>
+              <a:t>2 </a:t>
+            </a:r>
+            <a:r>
+              <a:rPr lang="ko-KR" altLang="en-US" dirty="0" smtClean="0">
+                <a:solidFill>
+                  <a:schemeClr val="tx1">
+                    <a:lumMod val="50000"/>
+                  </a:schemeClr>
+                </a:solidFill>
+              </a:rPr>
+              <a:t>이상의 정수를 입력하십시오</a:t>
+            </a:r>
+            <a:r>
+              <a:rPr lang="en-US" altLang="ko-KR" dirty="0" smtClean="0">
+                <a:solidFill>
+                  <a:schemeClr val="tx1">
+                    <a:lumMod val="50000"/>
+                  </a:schemeClr>
+                </a:solidFill>
+              </a:rPr>
+              <a:t>.</a:t>
+            </a:r>
+          </a:p>
+          <a:p>
+            <a:r>
+              <a:rPr lang="en-US" altLang="ko-KR" dirty="0" smtClean="0">
+                <a:solidFill>
+                  <a:schemeClr val="tx1">
+                    <a:lumMod val="50000"/>
+                  </a:schemeClr>
+                </a:solidFill>
+              </a:rPr>
+              <a:t>10</a:t>
+            </a:r>
+          </a:p>
+          <a:p>
+            <a:r>
+              <a:rPr lang="en-US" altLang="ko-KR" dirty="0" smtClean="0">
+                <a:solidFill>
+                  <a:schemeClr val="tx1">
+                    <a:lumMod val="50000"/>
+                  </a:schemeClr>
+                </a:solidFill>
+              </a:rPr>
+              <a:t>10</a:t>
+            </a:r>
+            <a:r>
+              <a:rPr lang="ko-KR" altLang="en-US" dirty="0" smtClean="0">
+                <a:solidFill>
+                  <a:schemeClr val="tx1">
+                    <a:lumMod val="50000"/>
+                  </a:schemeClr>
+                </a:solidFill>
+              </a:rPr>
+              <a:t>은 소수가 아닙니다</a:t>
+            </a:r>
+            <a:r>
+              <a:rPr lang="en-US" altLang="ko-KR" dirty="0" smtClean="0">
+                <a:solidFill>
+                  <a:schemeClr val="tx1">
+                    <a:lumMod val="50000"/>
+                  </a:schemeClr>
+                </a:solidFill>
+              </a:rPr>
+              <a:t>.</a:t>
+            </a:r>
+          </a:p>
+        </p:txBody>
+      </p:sp>
+    </p:spTree>
+    <p:extLst>
+      <p:ext uri="{BB962C8B-B14F-4D97-AF65-F5344CB8AC3E}">
+        <p14:creationId xmlns:p14="http://schemas.microsoft.com/office/powerpoint/2010/main" val="1105186703"/>
+      </p:ext>
+    </p:extLst>
+  </p:cSld>
+  <p:clrMapOvr>
+    <a:masterClrMapping/>
+  </p:clrMapOvr>
+  <p:transition/>
+  <p:timing>
+    <p:tnLst>
+      <p:par>
+        <p:cTn id="1" dur="indefinite" restart="never" nodeType="tmRoot"/>
+      </p:par>
+    </p:tnLst>
   </p:timing>
 </p:sld>
 </file>
@@ -19555,6 +22792,439 @@
 </p:sld>
 </file>
 
+<file path=ppt/slides/slide30.xml><?xml version="1.0" encoding="utf-8"?>
+<p:sld xmlns:a="http://schemas.openxmlformats.org/drawingml/2006/main" xmlns:r="http://schemas.openxmlformats.org/officeDocument/2006/relationships" xmlns:p="http://schemas.openxmlformats.org/presentationml/2006/main">
+  <p:cSld>
+    <p:spTree>
+      <p:nvGrpSpPr>
+        <p:cNvPr id="1" name=""/>
+        <p:cNvGrpSpPr/>
+        <p:nvPr/>
+      </p:nvGrpSpPr>
+      <p:grpSpPr>
+        <a:xfrm>
+          <a:off x="0" y="0"/>
+          <a:ext cx="0" cy="0"/>
+          <a:chOff x="0" y="0"/>
+          <a:chExt cx="0" cy="0"/>
+        </a:xfrm>
+      </p:grpSpPr>
+      <p:sp>
+        <p:nvSpPr>
+          <p:cNvPr id="77828" name="WordArt 3"/>
+          <p:cNvSpPr>
+            <a:spLocks noChangeArrowheads="1" noChangeShapeType="1"/>
+          </p:cNvSpPr>
+          <p:nvPr/>
+        </p:nvSpPr>
+        <p:spPr bwMode="gray">
+          <a:xfrm>
+            <a:off x="1571604" y="2000240"/>
+            <a:ext cx="6456780" cy="1644784"/>
+          </a:xfrm>
+          <a:prstGeom prst="rect">
+            <a:avLst/>
+          </a:prstGeom>
+        </p:spPr>
+        <p:txBody>
+          <a:bodyPr wrap="none">
+            <a:prstTxWarp prst="textDeflate">
+              <a:avLst>
+                <a:gd name="adj" fmla="val 0"/>
+              </a:avLst>
+            </a:prstTxWarp>
+          </a:bodyPr>
+          <a:lstStyle/>
+          <a:p>
+            <a:pPr algn="ctr">
+              <a:defRPr lang="ko-KR" altLang="en-US"/>
+            </a:pPr>
+            <a:r>
+              <a:rPr lang="en-US" altLang="ko-KR" sz="5400" kern="0">
+                <a:ln w="19050">
+                  <a:solidFill>
+                    <a:schemeClr val="bg1"/>
+                  </a:solidFill>
+                  <a:round/>
+                </a:ln>
+                <a:gradFill rotWithShape="1">
+                  <a:gsLst>
+                    <a:gs pos="0">
+                      <a:schemeClr val="hlink"/>
+                    </a:gs>
+                    <a:gs pos="100000">
+                      <a:schemeClr val="accent2"/>
+                    </a:gs>
+                  </a:gsLst>
+                  <a:lin ang="5400000" scaled="1"/>
+                </a:gradFill>
+                <a:effectLst>
+                  <a:outerShdw dist="107763" dir="2700000" algn="ctr" rotWithShape="0">
+                    <a:srgbClr val="000000">
+                      <a:alpha val="50000"/>
+                    </a:srgbClr>
+                  </a:outerShdw>
+                </a:effectLst>
+                <a:latin typeface="HY헤드라인M"/>
+                <a:ea typeface="HY헤드라인M"/>
+              </a:rPr>
+              <a:t>Lesson6 </a:t>
+            </a:r>
+            <a:r>
+              <a:rPr lang="ko-KR" altLang="en-US" sz="5400" kern="0">
+                <a:ln w="19050">
+                  <a:solidFill>
+                    <a:schemeClr val="bg1"/>
+                  </a:solidFill>
+                  <a:round/>
+                </a:ln>
+                <a:gradFill rotWithShape="1">
+                  <a:gsLst>
+                    <a:gs pos="0">
+                      <a:schemeClr val="hlink"/>
+                    </a:gs>
+                    <a:gs pos="100000">
+                      <a:schemeClr val="accent2"/>
+                    </a:gs>
+                  </a:gsLst>
+                  <a:lin ang="5400000" scaled="1"/>
+                </a:gradFill>
+                <a:effectLst>
+                  <a:outerShdw dist="107763" dir="2700000" algn="ctr" rotWithShape="0">
+                    <a:srgbClr val="000000">
+                      <a:alpha val="50000"/>
+                    </a:srgbClr>
+                  </a:outerShdw>
+                </a:effectLst>
+                <a:latin typeface="HY헤드라인M"/>
+                <a:ea typeface="HY헤드라인M"/>
+              </a:rPr>
+              <a:t>연습문제</a:t>
+            </a:r>
+          </a:p>
+          <a:p>
+            <a:pPr algn="ctr">
+              <a:defRPr lang="ko-KR" altLang="en-US"/>
+            </a:pPr>
+            <a:r>
+              <a:rPr lang="en-US" altLang="ko-KR" sz="5400" kern="0">
+                <a:ln w="19050">
+                  <a:solidFill>
+                    <a:schemeClr val="bg1"/>
+                  </a:solidFill>
+                  <a:round/>
+                </a:ln>
+                <a:gradFill rotWithShape="1">
+                  <a:gsLst>
+                    <a:gs pos="0">
+                      <a:schemeClr val="hlink"/>
+                    </a:gs>
+                    <a:gs pos="100000">
+                      <a:schemeClr val="accent2"/>
+                    </a:gs>
+                  </a:gsLst>
+                  <a:lin ang="5400000" scaled="1"/>
+                </a:gradFill>
+                <a:effectLst>
+                  <a:outerShdw dist="107763" dir="2700000" algn="ctr" rotWithShape="0">
+                    <a:srgbClr val="000000">
+                      <a:alpha val="50000"/>
+                    </a:srgbClr>
+                  </a:outerShdw>
+                </a:effectLst>
+                <a:latin typeface="HY헤드라인M"/>
+                <a:ea typeface="HY헤드라인M"/>
+              </a:rPr>
+              <a:t>1, 3, 4 </a:t>
+            </a:r>
+            <a:r>
+              <a:rPr lang="ko-KR" altLang="en-US" sz="5400" kern="0">
+                <a:ln w="19050">
+                  <a:solidFill>
+                    <a:schemeClr val="bg1"/>
+                  </a:solidFill>
+                  <a:round/>
+                </a:ln>
+                <a:gradFill rotWithShape="1">
+                  <a:gsLst>
+                    <a:gs pos="0">
+                      <a:schemeClr val="hlink"/>
+                    </a:gs>
+                    <a:gs pos="100000">
+                      <a:schemeClr val="accent2"/>
+                    </a:gs>
+                  </a:gsLst>
+                  <a:lin ang="5400000" scaled="1"/>
+                </a:gradFill>
+                <a:effectLst>
+                  <a:outerShdw dist="107763" dir="2700000" algn="ctr" rotWithShape="0">
+                    <a:srgbClr val="000000">
+                      <a:alpha val="50000"/>
+                    </a:srgbClr>
+                  </a:outerShdw>
+                </a:effectLst>
+                <a:latin typeface="HY헤드라인M"/>
+                <a:ea typeface="HY헤드라인M"/>
+              </a:rPr>
+              <a:t>번 실습하기</a:t>
+            </a:r>
+          </a:p>
+        </p:txBody>
+      </p:sp>
+    </p:spTree>
+  </p:cSld>
+  <p:clrMapOvr>
+    <a:masterClrMapping/>
+  </p:clrMapOvr>
+  <mc:AlternateContent xmlns:mc="http://schemas.openxmlformats.org/markup-compatibility/2006" xmlns:p14="http://schemas.microsoft.com/office/powerpoint/2010/main">
+    <mc:Choice Requires="p14">
+      <p:transition/>
+    </mc:Choice>
+    <mc:Fallback xmlns="" xmlns:c="http://schemas.openxmlformats.org/drawingml/2006/chart" xmlns:dgm="http://schemas.openxmlformats.org/drawingml/2006/diagram" xmlns:dsp="http://schemas.microsoft.com/office/drawing/2008/diagram">
+      <p:transition/>
+    </mc:Fallback>
+  </mc:AlternateContent>
+  <p:timing>
+    <p:tnLst>
+      <p:par>
+        <p:cTn id="1" dur="indefinite" restart="never" nodeType="tmRoot">
+          <p:childTnLst>
+            <p:seq concurrent="1" nextAc="seek">
+              <p:cTn id="2" dur="indefinite" nodeType="mainSeq">
+                <p:childTnLst>
+                  <p:par>
+                    <p:cTn id="3" fill="hold">
+                      <p:stCondLst>
+                        <p:cond delay="indefinite"/>
+                        <p:cond evt="onBegin" delay="0">
+                          <p:tn val="2"/>
+                        </p:cond>
+                      </p:stCondLst>
+                      <p:childTnLst>
+                        <p:par>
+                          <p:cTn id="4" fill="hold">
+                            <p:stCondLst>
+                              <p:cond delay="0"/>
+                            </p:stCondLst>
+                            <p:childTnLst>
+                              <p:par>
+                                <p:cTn id="5" presetID="2" presetClass="entr" presetSubtype="4" fill="hold" grpId="0" nodeType="afterEffect">
+                                  <p:stCondLst>
+                                    <p:cond delay="0"/>
+                                  </p:stCondLst>
+                                  <p:iterate type="lt">
+                                    <p:tmPct val="0"/>
+                                  </p:iterate>
+                                  <p:childTnLst>
+                                    <p:set>
+                                      <p:cBhvr>
+                                        <p:cTn id="6" dur="1" fill="hold">
+                                          <p:stCondLst>
+                                            <p:cond delay="0"/>
+                                          </p:stCondLst>
+                                        </p:cTn>
+                                        <p:tgtEl>
+                                          <p:spTgt spid="77828"/>
+                                        </p:tgtEl>
+                                        <p:attrNameLst>
+                                          <p:attrName>style.visibility</p:attrName>
+                                        </p:attrNameLst>
+                                      </p:cBhvr>
+                                      <p:to>
+                                        <p:strVal val="visible"/>
+                                      </p:to>
+                                    </p:set>
+                                    <p:anim calcmode="lin" valueType="num">
+                                      <p:cBhvr additive="base">
+                                        <p:cTn id="7" dur="500" fill="hold"/>
+                                        <p:tgtEl>
+                                          <p:spTgt spid="77828"/>
+                                        </p:tgtEl>
+                                        <p:attrNameLst>
+                                          <p:attrName>ppt_x</p:attrName>
+                                        </p:attrNameLst>
+                                      </p:cBhvr>
+                                      <p:tavLst>
+                                        <p:tav tm="0">
+                                          <p:val>
+                                            <p:strVal val="#ppt_x"/>
+                                          </p:val>
+                                        </p:tav>
+                                        <p:tav tm="100000">
+                                          <p:val>
+                                            <p:strVal val="#ppt_x"/>
+                                          </p:val>
+                                        </p:tav>
+                                      </p:tavLst>
+                                    </p:anim>
+                                    <p:anim calcmode="lin" valueType="num">
+                                      <p:cBhvr additive="base">
+                                        <p:cTn id="8" dur="500" fill="hold"/>
+                                        <p:tgtEl>
+                                          <p:spTgt spid="77828"/>
+                                        </p:tgtEl>
+                                        <p:attrNameLst>
+                                          <p:attrName>ppt_y</p:attrName>
+                                        </p:attrNameLst>
+                                      </p:cBhvr>
+                                      <p:tavLst>
+                                        <p:tav tm="0">
+                                          <p:val>
+                                            <p:strVal val="1+#ppt_h/2"/>
+                                          </p:val>
+                                        </p:tav>
+                                        <p:tav tm="100000">
+                                          <p:val>
+                                            <p:strVal val="#ppt_y"/>
+                                          </p:val>
+                                        </p:tav>
+                                      </p:tavLst>
+                                    </p:anim>
+                                  </p:childTnLst>
+                                </p:cTn>
+                              </p:par>
+                            </p:childTnLst>
+                          </p:cTn>
+                        </p:par>
+                        <p:par>
+                          <p:cTn id="9" fill="hold">
+                            <p:stCondLst>
+                              <p:cond delay="500"/>
+                            </p:stCondLst>
+                            <p:childTnLst>
+                              <p:par>
+                                <p:cTn id="10" presetID="27" presetClass="entr" presetSubtype="0" fill="hold" grpId="1" nodeType="afterEffect">
+                                  <p:stCondLst>
+                                    <p:cond delay="0"/>
+                                  </p:stCondLst>
+                                  <p:iterate type="lt">
+                                    <p:tmPct val="50000"/>
+                                  </p:iterate>
+                                  <p:childTnLst>
+                                    <p:set>
+                                      <p:cBhvr>
+                                        <p:cTn id="11" dur="1" fill="hold">
+                                          <p:stCondLst>
+                                            <p:cond delay="0"/>
+                                          </p:stCondLst>
+                                        </p:cTn>
+                                        <p:tgtEl>
+                                          <p:spTgt spid="77828"/>
+                                        </p:tgtEl>
+                                        <p:attrNameLst>
+                                          <p:attrName>style.visibility</p:attrName>
+                                        </p:attrNameLst>
+                                      </p:cBhvr>
+                                      <p:to>
+                                        <p:strVal val="visible"/>
+                                      </p:to>
+                                    </p:set>
+                                    <p:anim calcmode="discrete" valueType="clr">
+                                      <p:cBhvr>
+                                        <p:cTn id="12" dur="500"/>
+                                        <p:tgtEl>
+                                          <p:spTgt spid="77828"/>
+                                        </p:tgtEl>
+                                        <p:attrNameLst>
+                                          <p:attrName>style.color</p:attrName>
+                                        </p:attrNameLst>
+                                      </p:cBhvr>
+                                      <p:tavLst>
+                                        <p:tav tm="0">
+                                          <p:val>
+                                            <p:clrVal>
+                                              <a:schemeClr val="accent2"/>
+                                            </p:clrVal>
+                                          </p:val>
+                                        </p:tav>
+                                        <p:tav tm="50000">
+                                          <p:val>
+                                            <p:clrVal>
+                                              <a:schemeClr val="hlink"/>
+                                            </p:clrVal>
+                                          </p:val>
+                                        </p:tav>
+                                      </p:tavLst>
+                                    </p:anim>
+                                    <p:anim calcmode="discrete" valueType="clr">
+                                      <p:cBhvr>
+                                        <p:cTn id="13" dur="500"/>
+                                        <p:tgtEl>
+                                          <p:spTgt spid="77828"/>
+                                        </p:tgtEl>
+                                        <p:attrNameLst>
+                                          <p:attrName>fillcolor</p:attrName>
+                                        </p:attrNameLst>
+                                      </p:cBhvr>
+                                      <p:tavLst>
+                                        <p:tav tm="0">
+                                          <p:val>
+                                            <p:clrVal>
+                                              <a:schemeClr val="accent2"/>
+                                            </p:clrVal>
+                                          </p:val>
+                                        </p:tav>
+                                        <p:tav tm="50000">
+                                          <p:val>
+                                            <p:clrVal>
+                                              <a:schemeClr val="hlink"/>
+                                            </p:clrVal>
+                                          </p:val>
+                                        </p:tav>
+                                      </p:tavLst>
+                                    </p:anim>
+                                    <p:set>
+                                      <p:cBhvr>
+                                        <p:cTn id="14" dur="500"/>
+                                        <p:tgtEl>
+                                          <p:spTgt spid="77828"/>
+                                        </p:tgtEl>
+                                        <p:attrNameLst>
+                                          <p:attrName>fill.type</p:attrName>
+                                        </p:attrNameLst>
+                                      </p:cBhvr>
+                                      <p:to>
+                                        <p:strVal val="solid"/>
+                                      </p:to>
+                                    </p:set>
+                                  </p:childTnLst>
+                                </p:cTn>
+                              </p:par>
+                            </p:childTnLst>
+                          </p:cTn>
+                        </p:par>
+                      </p:childTnLst>
+                    </p:cTn>
+                  </p:par>
+                </p:childTnLst>
+              </p:cTn>
+              <p:prevCondLst>
+                <p:cond evt="onPrev" delay="0">
+                  <p:tgtEl>
+                    <p:sldTgt/>
+                  </p:tgtEl>
+                </p:cond>
+              </p:prevCondLst>
+              <p:nextCondLst>
+                <p:cond evt="onNext" delay="0">
+                  <p:tgtEl>
+                    <p:sldTgt/>
+                  </p:tgtEl>
+                </p:cond>
+              </p:nextCondLst>
+            </p:seq>
+          </p:childTnLst>
+        </p:cTn>
+      </p:par>
+    </p:tnLst>
+    <p:bldLst>
+      <p:bldP spid="77828" grpId="0"/>
+      <p:bldP spid="77828" grpId="1"/>
+    </p:bldLst>
+  </p:timing>
+</p:sld>
+</file>
+
 <file path=ppt/slides/slide4.xml><?xml version="1.0" encoding="utf-8"?>
 <p:sld xmlns:a="http://schemas.openxmlformats.org/drawingml/2006/main" xmlns:r="http://schemas.openxmlformats.org/officeDocument/2006/relationships" xmlns:p="http://schemas.openxmlformats.org/presentationml/2006/main">
   <p:cSld>
@@ -20796,6 +24466,102 @@
       </p:grpSpPr>
       <p:sp>
         <p:nvSpPr>
+          <p:cNvPr id="2" name="제목 1"/>
+          <p:cNvSpPr>
+            <a:spLocks noGrp="1"/>
+          </p:cNvSpPr>
+          <p:nvPr>
+            <p:ph type="title"/>
+          </p:nvPr>
+        </p:nvSpPr>
+        <p:spPr/>
+        <p:txBody>
+          <a:bodyPr/>
+          <a:lstStyle/>
+          <a:p>
+            <a:endParaRPr lang="ko-KR" altLang="en-US"/>
+          </a:p>
+        </p:txBody>
+      </p:sp>
+      <p:sp>
+        <p:nvSpPr>
+          <p:cNvPr id="3" name="내용 개체 틀 2"/>
+          <p:cNvSpPr>
+            <a:spLocks noGrp="1"/>
+          </p:cNvSpPr>
+          <p:nvPr>
+            <p:ph idx="1"/>
+          </p:nvPr>
+        </p:nvSpPr>
+        <p:spPr/>
+        <p:txBody>
+          <a:bodyPr/>
+          <a:lstStyle/>
+          <a:p>
+            <a:r>
+              <a:rPr lang="en-US" altLang="ko-KR" dirty="0" smtClean="0"/>
+              <a:t>1~5</a:t>
+            </a:r>
+            <a:r>
+              <a:rPr lang="ko-KR" altLang="en-US" dirty="0" smtClean="0"/>
+              <a:t>까지의 숫자를 </a:t>
+            </a:r>
+            <a:r>
+              <a:rPr lang="en-US" altLang="ko-KR" dirty="0" smtClean="0"/>
+              <a:t>For </a:t>
+            </a:r>
+            <a:r>
+              <a:rPr lang="ko-KR" altLang="en-US" dirty="0" smtClean="0"/>
+              <a:t>문을 이용하여 출력하세요</a:t>
+            </a:r>
+            <a:r>
+              <a:rPr lang="en-US" altLang="ko-KR" dirty="0" smtClean="0"/>
+              <a:t>.</a:t>
+            </a:r>
+            <a:endParaRPr lang="ko-KR" altLang="en-US" dirty="0"/>
+          </a:p>
+        </p:txBody>
+      </p:sp>
+    </p:spTree>
+    <p:extLst>
+      <p:ext uri="{BB962C8B-B14F-4D97-AF65-F5344CB8AC3E}">
+        <p14:creationId xmlns:p14="http://schemas.microsoft.com/office/powerpoint/2010/main" val="1608714726"/>
+      </p:ext>
+    </p:extLst>
+  </p:cSld>
+  <p:clrMapOvr>
+    <a:masterClrMapping/>
+  </p:clrMapOvr>
+  <p:transition/>
+  <p:timing>
+    <p:tnLst>
+      <p:par>
+        <p:cTn id="1" dur="indefinite" restart="never" nodeType="tmRoot"/>
+      </p:par>
+    </p:tnLst>
+  </p:timing>
+</p:sld>
+</file>
+
+<file path=ppt/slides/slide9.xml><?xml version="1.0" encoding="utf-8"?>
+<p:sld xmlns:a="http://schemas.openxmlformats.org/drawingml/2006/main" xmlns:r="http://schemas.openxmlformats.org/officeDocument/2006/relationships" xmlns:p="http://schemas.openxmlformats.org/presentationml/2006/main">
+  <p:cSld>
+    <p:spTree>
+      <p:nvGrpSpPr>
+        <p:cNvPr id="1" name=""/>
+        <p:cNvGrpSpPr/>
+        <p:nvPr/>
+      </p:nvGrpSpPr>
+      <p:grpSpPr>
+        <a:xfrm>
+          <a:off x="0" y="0"/>
+          <a:ext cx="0" cy="0"/>
+          <a:chOff x="0" y="0"/>
+          <a:chExt cx="0" cy="0"/>
+        </a:xfrm>
+      </p:grpSpPr>
+      <p:sp>
+        <p:nvSpPr>
           <p:cNvPr id="4" name="직사각형 3"/>
           <p:cNvSpPr/>
           <p:nvPr/>
@@ -21026,11 +24792,7 @@
             </a:r>
             <a:r>
               <a:rPr lang="en-US" altLang="ko-KR" dirty="0" smtClean="0"/>
-              <a:t>++</a:t>
-            </a:r>
-            <a:r>
-              <a:rPr lang="en-US" altLang="ko-KR" dirty="0" smtClean="0"/>
-              <a:t>){</a:t>
+              <a:t>++){</a:t>
             </a:r>
             <a:endParaRPr lang="en-US" altLang="ko-KR" dirty="0"/>
           </a:p>
@@ -21210,2710 +24972,6 @@
               <a:effectLst/>
               <a:latin typeface="HY강B"/>
               <a:ea typeface="HY강B"/>
-            </a:endParaRPr>
-          </a:p>
-        </p:txBody>
-      </p:sp>
-    </p:spTree>
-  </p:cSld>
-  <p:clrMapOvr>
-    <a:masterClrMapping/>
-  </p:clrMapOvr>
-  <mc:AlternateContent xmlns:mc="http://schemas.openxmlformats.org/markup-compatibility/2006" xmlns:p14="http://schemas.microsoft.com/office/powerpoint/2010/main">
-    <mc:Choice Requires="p14">
-      <p:transition/>
-    </mc:Choice>
-    <mc:Fallback xmlns="" xmlns:c="http://schemas.openxmlformats.org/drawingml/2006/chart" xmlns:dgm="http://schemas.openxmlformats.org/drawingml/2006/diagram" xmlns:dsp="http://schemas.microsoft.com/office/drawing/2008/diagram">
-      <p:transition/>
-    </mc:Fallback>
-  </mc:AlternateContent>
-  <p:timing>
-    <p:tnLst>
-      <p:par>
-        <p:cTn id="1" dur="indefinite" restart="never" nodeType="tmRoot"/>
-      </p:par>
-    </p:tnLst>
-  </p:timing>
-</p:sld>
-</file>
-
-<file path=ppt/slides/slide9.xml><?xml version="1.0" encoding="utf-8"?>
-<p:sld xmlns:a="http://schemas.openxmlformats.org/drawingml/2006/main" xmlns:r="http://schemas.openxmlformats.org/officeDocument/2006/relationships" xmlns:p="http://schemas.openxmlformats.org/presentationml/2006/main">
-  <p:cSld>
-    <p:spTree>
-      <p:nvGrpSpPr>
-        <p:cNvPr id="1" name=""/>
-        <p:cNvGrpSpPr/>
-        <p:nvPr/>
-      </p:nvGrpSpPr>
-      <p:grpSpPr>
-        <a:xfrm>
-          <a:off x="0" y="0"/>
-          <a:ext cx="0" cy="0"/>
-          <a:chOff x="0" y="0"/>
-          <a:chExt cx="0" cy="0"/>
-        </a:xfrm>
-      </p:grpSpPr>
-      <p:sp>
-        <p:nvSpPr>
-          <p:cNvPr id="2" name="TextBox 1"/>
-          <p:cNvSpPr txBox="1"/>
-          <p:nvPr/>
-        </p:nvSpPr>
-        <p:spPr>
-          <a:xfrm>
-            <a:off x="357158" y="928670"/>
-            <a:ext cx="8215370" cy="646331"/>
-          </a:xfrm>
-          <a:prstGeom prst="rect">
-            <a:avLst/>
-          </a:prstGeom>
-          <a:noFill/>
-        </p:spPr>
-        <p:txBody>
-          <a:bodyPr wrap="square">
-            <a:spAutoFit/>
-          </a:bodyPr>
-          <a:lstStyle/>
-          <a:p>
-            <a:pPr lvl="0">
-              <a:defRPr lang="ko-KR" altLang="en-US"/>
-            </a:pPr>
-            <a:r>
-              <a:rPr lang="en-US" altLang="ko-KR">
-                <a:latin typeface="HY강B"/>
-                <a:ea typeface="HY강B"/>
-              </a:rPr>
-              <a:t>for( i=1 ; i&lt;=5 ; i++ ) </a:t>
-            </a:r>
-            <a:r>
-              <a:rPr lang="ko-KR" altLang="en-US">
-                <a:latin typeface="HY강B"/>
-                <a:ea typeface="HY강B"/>
-              </a:rPr>
-              <a:t>에서 </a:t>
-            </a:r>
-            <a:r>
-              <a:rPr lang="en-US" altLang="ko-KR">
-                <a:latin typeface="HY강B"/>
-                <a:ea typeface="HY강B"/>
-              </a:rPr>
-              <a:t>i</a:t>
-            </a:r>
-            <a:r>
-              <a:rPr lang="ko-KR" altLang="en-US">
-                <a:latin typeface="HY강B"/>
-                <a:ea typeface="HY강B"/>
-              </a:rPr>
-              <a:t>가 </a:t>
-            </a:r>
-            <a:r>
-              <a:rPr lang="en-US" altLang="ko-KR">
-                <a:latin typeface="HY강B"/>
-                <a:ea typeface="HY강B"/>
-              </a:rPr>
-              <a:t>1</a:t>
-            </a:r>
-            <a:r>
-              <a:rPr lang="ko-KR" altLang="en-US">
-                <a:latin typeface="HY강B"/>
-                <a:ea typeface="HY강B"/>
-              </a:rPr>
-              <a:t>에서부터 </a:t>
-            </a:r>
-            <a:r>
-              <a:rPr lang="en-US" altLang="ko-KR">
-                <a:latin typeface="HY강B"/>
-                <a:ea typeface="HY강B"/>
-              </a:rPr>
-              <a:t>1</a:t>
-            </a:r>
-            <a:r>
-              <a:rPr lang="ko-KR" altLang="en-US">
-                <a:latin typeface="HY강B"/>
-                <a:ea typeface="HY강B"/>
-              </a:rPr>
-              <a:t>씩 증가하여 </a:t>
-            </a:r>
-            <a:r>
-              <a:rPr lang="en-US" altLang="ko-KR">
-                <a:latin typeface="HY강B"/>
-                <a:ea typeface="HY강B"/>
-              </a:rPr>
-              <a:t>5</a:t>
-            </a:r>
-            <a:r>
-              <a:rPr lang="ko-KR" altLang="en-US">
-                <a:latin typeface="HY강B"/>
-                <a:ea typeface="HY강B"/>
-              </a:rPr>
-              <a:t>까지 변하므로 </a:t>
-            </a:r>
-            <a:r>
-              <a:rPr lang="en-US" altLang="ko-KR">
-                <a:latin typeface="HY강B"/>
-                <a:ea typeface="HY강B"/>
-              </a:rPr>
-              <a:t>5</a:t>
-            </a:r>
-            <a:r>
-              <a:rPr lang="ko-KR" altLang="en-US">
-                <a:latin typeface="HY강B"/>
-                <a:ea typeface="HY강B"/>
-              </a:rPr>
-              <a:t>번 순환 하게 된다</a:t>
-            </a:r>
-            <a:r>
-              <a:rPr lang="en-US" altLang="ko-KR">
-                <a:latin typeface="HY강B"/>
-                <a:ea typeface="HY강B"/>
-              </a:rPr>
-              <a:t>. </a:t>
-            </a:r>
-            <a:r>
-              <a:rPr lang="ko-KR" altLang="en-US">
-                <a:latin typeface="HY강B"/>
-                <a:ea typeface="HY강B"/>
-              </a:rPr>
-              <a:t>매 회전마다의 변화를 그림으로 나타내면 다음과 같다</a:t>
-            </a:r>
-            <a:r>
-              <a:rPr lang="en-US" altLang="ko-KR">
-                <a:latin typeface="HY강B"/>
-                <a:ea typeface="HY강B"/>
-              </a:rPr>
-              <a:t>.</a:t>
-            </a:r>
-            <a:endParaRPr lang="ko-KR" altLang="en-US">
-              <a:latin typeface="HY강B"/>
-              <a:ea typeface="HY강B"/>
-            </a:endParaRPr>
-          </a:p>
-        </p:txBody>
-      </p:sp>
-      <p:graphicFrame>
-        <p:nvGraphicFramePr>
-          <p:cNvPr id="3" name="표 2"/>
-          <p:cNvGraphicFramePr>
-            <a:graphicFrameLocks noGrp="1"/>
-          </p:cNvGraphicFramePr>
-          <p:nvPr/>
-        </p:nvGraphicFramePr>
-        <p:xfrm>
-          <a:off x="857224" y="1975104"/>
-          <a:ext cx="7429551" cy="3882789"/>
-        </p:xfrm>
-        <a:graphic>
-          <a:graphicData uri="http://schemas.openxmlformats.org/drawingml/2006/table">
-            <a:tbl>
-              <a:tblPr/>
-              <a:tblGrid>
-                <a:gridCol w="919480">
-                  <a:extLst>
-                    <a:ext uri="{9D8B030D-6E8A-4147-A177-3AD203B41FA5}">
-                      <a16:colId xmlns:a16="http://schemas.microsoft.com/office/drawing/2014/main" val="20000"/>
-                    </a:ext>
-                  </a:extLst>
-                </a:gridCol>
-                <a:gridCol w="1512345">
-                  <a:extLst>
-                    <a:ext uri="{9D8B030D-6E8A-4147-A177-3AD203B41FA5}">
-                      <a16:colId xmlns:a16="http://schemas.microsoft.com/office/drawing/2014/main" val="20001"/>
-                    </a:ext>
-                  </a:extLst>
-                </a:gridCol>
-                <a:gridCol w="1348941">
-                  <a:extLst>
-                    <a:ext uri="{9D8B030D-6E8A-4147-A177-3AD203B41FA5}">
-                      <a16:colId xmlns:a16="http://schemas.microsoft.com/office/drawing/2014/main" val="20002"/>
-                    </a:ext>
-                  </a:extLst>
-                </a:gridCol>
-                <a:gridCol w="1672510">
-                  <a:extLst>
-                    <a:ext uri="{9D8B030D-6E8A-4147-A177-3AD203B41FA5}">
-                      <a16:colId xmlns:a16="http://schemas.microsoft.com/office/drawing/2014/main" val="20003"/>
-                    </a:ext>
-                  </a:extLst>
-                </a:gridCol>
-                <a:gridCol w="1976275">
-                  <a:extLst>
-                    <a:ext uri="{9D8B030D-6E8A-4147-A177-3AD203B41FA5}">
-                      <a16:colId xmlns:a16="http://schemas.microsoft.com/office/drawing/2014/main" val="20004"/>
-                    </a:ext>
-                  </a:extLst>
-                </a:gridCol>
-              </a:tblGrid>
-              <a:tr h="805862">
-                <a:tc>
-                  <a:txBody>
-                    <a:bodyPr/>
-                    <a:lstStyle/>
-                    <a:p>
-                      <a:pPr marL="0" algn="ctr">
-                        <a:lnSpc>
-                          <a:spcPct val="160000"/>
-                        </a:lnSpc>
-                        <a:spcBef>
-                          <a:spcPts val="0"/>
-                        </a:spcBef>
-                        <a:spcAft>
-                          <a:spcPts val="0"/>
-                        </a:spcAft>
-                        <a:defRPr lang="ko-KR" altLang="en-US"/>
-                      </a:pPr>
-                      <a:r>
-                        <a:rPr lang="ko-KR" altLang="en-US" sz="1400" b="1">
-                          <a:solidFill>
-                            <a:srgbClr val="000000"/>
-                          </a:solidFill>
-                          <a:latin typeface="굴림체"/>
-                        </a:rPr>
-                        <a:t>회전수</a:t>
-                      </a:r>
-                      <a:endParaRPr lang="ko-KR" altLang="en-US" sz="1400">
-                        <a:solidFill>
-                          <a:srgbClr val="000000"/>
-                        </a:solidFill>
-                        <a:latin typeface="바탕"/>
-                      </a:endParaRPr>
-                    </a:p>
-                  </a:txBody>
-                  <a:tcPr anchor="ctr">
-                    <a:lnL w="3556" cap="flat" cmpd="sng" algn="ctr">
-                      <a:solidFill>
-                        <a:srgbClr val="000000"/>
-                      </a:solidFill>
-                      <a:prstDash val="solid"/>
-                      <a:round/>
-                    </a:lnL>
-                    <a:lnR w="3556" cap="flat" cmpd="sng" algn="ctr">
-                      <a:solidFill>
-                        <a:srgbClr val="000000"/>
-                      </a:solidFill>
-                      <a:prstDash val="solid"/>
-                      <a:round/>
-                    </a:lnR>
-                    <a:lnT w="3556" cap="flat" cmpd="sng" algn="ctr">
-                      <a:solidFill>
-                        <a:srgbClr val="000000"/>
-                      </a:solidFill>
-                      <a:prstDash val="solid"/>
-                      <a:round/>
-                    </a:lnT>
-                    <a:lnB w="3556" cap="flat" cmpd="sng" algn="ctr">
-                      <a:solidFill>
-                        <a:srgbClr val="000000"/>
-                      </a:solidFill>
-                      <a:prstDash val="solid"/>
-                      <a:round/>
-                    </a:lnB>
-                    <a:solidFill>
-                      <a:schemeClr val="accent1">
-                        <a:lumMod val="60000"/>
-                        <a:lumOff val="40000"/>
-                      </a:schemeClr>
-                    </a:solidFill>
-                  </a:tcPr>
-                </a:tc>
-                <a:tc>
-                  <a:txBody>
-                    <a:bodyPr/>
-                    <a:lstStyle/>
-                    <a:p>
-                      <a:pPr marL="0" algn="ctr">
-                        <a:lnSpc>
-                          <a:spcPct val="160000"/>
-                        </a:lnSpc>
-                        <a:spcBef>
-                          <a:spcPts val="0"/>
-                        </a:spcBef>
-                        <a:spcAft>
-                          <a:spcPts val="0"/>
-                        </a:spcAft>
-                        <a:defRPr lang="ko-KR" altLang="en-US"/>
-                      </a:pPr>
-                      <a:r>
-                        <a:rPr lang="en-US" sz="1400" b="1">
-                          <a:solidFill>
-                            <a:srgbClr val="000000"/>
-                          </a:solidFill>
-                          <a:latin typeface="굴림체"/>
-                          <a:ea typeface="굴림체"/>
-                        </a:rPr>
-                        <a:t>i </a:t>
-                      </a:r>
-                      <a:r>
-                        <a:rPr lang="ko-KR" altLang="en-US" sz="1400" b="1">
-                          <a:solidFill>
-                            <a:srgbClr val="000000"/>
-                          </a:solidFill>
-                          <a:latin typeface="굴림체"/>
-                          <a:ea typeface="굴림체"/>
-                        </a:rPr>
-                        <a:t>변수의 값</a:t>
-                      </a:r>
-                      <a:endParaRPr lang="ko-KR" altLang="en-US" sz="1400">
-                        <a:solidFill>
-                          <a:srgbClr val="000000"/>
-                        </a:solidFill>
-                        <a:latin typeface="바탕"/>
-                      </a:endParaRPr>
-                    </a:p>
-                  </a:txBody>
-                  <a:tcPr anchor="ctr">
-                    <a:lnL w="3556" cap="flat" cmpd="sng" algn="ctr">
-                      <a:solidFill>
-                        <a:srgbClr val="000000"/>
-                      </a:solidFill>
-                      <a:prstDash val="solid"/>
-                      <a:round/>
-                    </a:lnL>
-                    <a:lnR w="3556" cap="flat" cmpd="sng" algn="ctr">
-                      <a:solidFill>
-                        <a:srgbClr val="000000"/>
-                      </a:solidFill>
-                      <a:prstDash val="solid"/>
-                      <a:round/>
-                    </a:lnR>
-                    <a:lnT w="3556" cap="flat" cmpd="sng" algn="ctr">
-                      <a:solidFill>
-                        <a:srgbClr val="000000"/>
-                      </a:solidFill>
-                      <a:prstDash val="solid"/>
-                      <a:round/>
-                    </a:lnT>
-                    <a:lnB w="3556" cap="flat" cmpd="sng" algn="ctr">
-                      <a:solidFill>
-                        <a:srgbClr val="000000"/>
-                      </a:solidFill>
-                      <a:prstDash val="solid"/>
-                      <a:round/>
-                    </a:lnB>
-                    <a:solidFill>
-                      <a:schemeClr val="accent1">
-                        <a:lumMod val="60000"/>
-                        <a:lumOff val="40000"/>
-                      </a:schemeClr>
-                    </a:solidFill>
-                  </a:tcPr>
-                </a:tc>
-                <a:tc gridSpan="2">
-                  <a:txBody>
-                    <a:bodyPr/>
-                    <a:lstStyle/>
-                    <a:p>
-                      <a:pPr marL="0" algn="ctr">
-                        <a:lnSpc>
-                          <a:spcPct val="160000"/>
-                        </a:lnSpc>
-                        <a:spcBef>
-                          <a:spcPts val="0"/>
-                        </a:spcBef>
-                        <a:spcAft>
-                          <a:spcPts val="0"/>
-                        </a:spcAft>
-                        <a:defRPr lang="ko-KR" altLang="en-US"/>
-                      </a:pPr>
-                      <a:r>
-                        <a:rPr lang="ko-KR" altLang="en-US" sz="1400" b="1">
-                          <a:solidFill>
-                            <a:srgbClr val="000000"/>
-                          </a:solidFill>
-                          <a:latin typeface="굴림체"/>
-                        </a:rPr>
-                        <a:t>조건</a:t>
-                      </a:r>
-                      <a:r>
-                        <a:rPr lang="en-US" altLang="ko-KR" sz="1400" b="1">
-                          <a:solidFill>
-                            <a:srgbClr val="000000"/>
-                          </a:solidFill>
-                          <a:latin typeface="굴림체"/>
-                        </a:rPr>
-                        <a:t>( </a:t>
-                      </a:r>
-                      <a:r>
-                        <a:rPr lang="en-US" sz="1400" b="1">
-                          <a:solidFill>
-                            <a:srgbClr val="000000"/>
-                          </a:solidFill>
-                          <a:latin typeface="HY견고딕"/>
-                          <a:ea typeface="HY견고딕"/>
-                        </a:rPr>
-                        <a:t>i&lt;=5</a:t>
-                      </a:r>
-                      <a:r>
-                        <a:rPr lang="en-US" sz="1400" b="1">
-                          <a:solidFill>
-                            <a:srgbClr val="000000"/>
-                          </a:solidFill>
-                          <a:latin typeface="굴림체"/>
-                          <a:ea typeface="굴림체"/>
-                        </a:rPr>
-                        <a:t> )</a:t>
-                      </a:r>
-                      <a:r>
-                        <a:rPr lang="ko-KR" altLang="en-US" sz="1400" b="1">
-                          <a:solidFill>
-                            <a:srgbClr val="000000"/>
-                          </a:solidFill>
-                          <a:latin typeface="굴림체"/>
-                          <a:ea typeface="굴림체"/>
-                        </a:rPr>
-                        <a:t>의 </a:t>
-                      </a:r>
-                    </a:p>
-                    <a:p>
-                      <a:pPr marL="0" algn="ctr">
-                        <a:lnSpc>
-                          <a:spcPct val="160000"/>
-                        </a:lnSpc>
-                        <a:spcBef>
-                          <a:spcPts val="0"/>
-                        </a:spcBef>
-                        <a:spcAft>
-                          <a:spcPts val="0"/>
-                        </a:spcAft>
-                        <a:defRPr lang="ko-KR" altLang="en-US"/>
-                      </a:pPr>
-                      <a:r>
-                        <a:rPr lang="en-US" sz="1400" b="1">
-                          <a:solidFill>
-                            <a:srgbClr val="000000"/>
-                          </a:solidFill>
-                          <a:latin typeface="굴림체"/>
-                          <a:ea typeface="굴림체"/>
-                        </a:rPr>
-                        <a:t>true, false </a:t>
-                      </a:r>
-                      <a:r>
-                        <a:rPr lang="ko-KR" altLang="en-US" sz="1400" b="1">
-                          <a:solidFill>
-                            <a:srgbClr val="000000"/>
-                          </a:solidFill>
-                          <a:latin typeface="굴림체"/>
-                          <a:ea typeface="굴림체"/>
-                        </a:rPr>
-                        <a:t>여부</a:t>
-                      </a:r>
-                      <a:endParaRPr lang="ko-KR" altLang="en-US" sz="1400">
-                        <a:solidFill>
-                          <a:srgbClr val="000000"/>
-                        </a:solidFill>
-                        <a:latin typeface="바탕"/>
-                      </a:endParaRPr>
-                    </a:p>
-                  </a:txBody>
-                  <a:tcPr anchor="ctr">
-                    <a:lnL w="3556" cap="flat" cmpd="sng" algn="ctr">
-                      <a:solidFill>
-                        <a:srgbClr val="000000"/>
-                      </a:solidFill>
-                      <a:prstDash val="solid"/>
-                      <a:round/>
-                    </a:lnL>
-                    <a:lnR w="3556" cap="flat" cmpd="sng" algn="ctr">
-                      <a:solidFill>
-                        <a:srgbClr val="000000"/>
-                      </a:solidFill>
-                      <a:prstDash val="solid"/>
-                      <a:round/>
-                    </a:lnR>
-                    <a:lnT w="3556" cap="flat" cmpd="sng" algn="ctr">
-                      <a:solidFill>
-                        <a:srgbClr val="000000"/>
-                      </a:solidFill>
-                      <a:prstDash val="solid"/>
-                      <a:round/>
-                    </a:lnT>
-                    <a:lnB w="3556" cap="flat" cmpd="sng" algn="ctr">
-                      <a:solidFill>
-                        <a:srgbClr val="000000"/>
-                      </a:solidFill>
-                      <a:prstDash val="solid"/>
-                      <a:round/>
-                    </a:lnB>
-                    <a:solidFill>
-                      <a:schemeClr val="accent1">
-                        <a:lumMod val="60000"/>
-                        <a:lumOff val="40000"/>
-                      </a:schemeClr>
-                    </a:solidFill>
-                  </a:tcPr>
-                </a:tc>
-                <a:tc hMerge="1">
-                  <a:txBody>
-                    <a:bodyPr/>
-                    <a:lstStyle/>
-                    <a:p>
-                      <a:pPr latinLnBrk="1">
-                        <a:defRPr lang="ko-KR" altLang="en-US"/>
-                      </a:pPr>
-                      <a:endParaRPr lang="ko-KR" altLang="en-US"/>
-                    </a:p>
-                  </a:txBody>
-                  <a:tcPr/>
-                </a:tc>
-                <a:tc>
-                  <a:txBody>
-                    <a:bodyPr/>
-                    <a:lstStyle/>
-                    <a:p>
-                      <a:pPr marL="0" algn="ctr">
-                        <a:lnSpc>
-                          <a:spcPct val="160000"/>
-                        </a:lnSpc>
-                        <a:spcBef>
-                          <a:spcPts val="0"/>
-                        </a:spcBef>
-                        <a:spcAft>
-                          <a:spcPts val="0"/>
-                        </a:spcAft>
-                        <a:defRPr lang="ko-KR" altLang="en-US"/>
-                      </a:pPr>
-                      <a:r>
-                        <a:rPr lang="ko-KR" altLang="en-US" sz="1400" b="1">
-                          <a:solidFill>
-                            <a:srgbClr val="000000"/>
-                          </a:solidFill>
-                          <a:latin typeface="굴림체"/>
-                        </a:rPr>
-                        <a:t>출 력 모 양</a:t>
-                      </a:r>
-                      <a:endParaRPr lang="ko-KR" altLang="en-US" sz="1400">
-                        <a:solidFill>
-                          <a:srgbClr val="000000"/>
-                        </a:solidFill>
-                        <a:latin typeface="바탕"/>
-                      </a:endParaRPr>
-                    </a:p>
-                  </a:txBody>
-                  <a:tcPr anchor="ctr">
-                    <a:lnL w="3556" cap="flat" cmpd="sng" algn="ctr">
-                      <a:solidFill>
-                        <a:srgbClr val="000000"/>
-                      </a:solidFill>
-                      <a:prstDash val="solid"/>
-                      <a:round/>
-                    </a:lnL>
-                    <a:lnR w="3556" cap="flat" cmpd="sng" algn="ctr">
-                      <a:solidFill>
-                        <a:srgbClr val="000000"/>
-                      </a:solidFill>
-                      <a:prstDash val="solid"/>
-                      <a:round/>
-                    </a:lnR>
-                    <a:lnT w="3556" cap="flat" cmpd="sng" algn="ctr">
-                      <a:solidFill>
-                        <a:srgbClr val="000000"/>
-                      </a:solidFill>
-                      <a:prstDash val="solid"/>
-                      <a:round/>
-                    </a:lnT>
-                    <a:lnB w="3556" cap="flat" cmpd="sng" algn="ctr">
-                      <a:solidFill>
-                        <a:srgbClr val="000000"/>
-                      </a:solidFill>
-                      <a:prstDash val="solid"/>
-                      <a:round/>
-                    </a:lnB>
-                    <a:solidFill>
-                      <a:schemeClr val="accent1">
-                        <a:lumMod val="60000"/>
-                        <a:lumOff val="40000"/>
-                      </a:schemeClr>
-                    </a:solidFill>
-                  </a:tcPr>
-                </a:tc>
-                <a:extLst>
-                  <a:ext uri="{0D108BD9-81ED-4DB2-BD59-A6C34878D82A}">
-                    <a16:rowId xmlns:a16="http://schemas.microsoft.com/office/drawing/2014/main" val="10000"/>
-                  </a:ext>
-                </a:extLst>
-              </a:tr>
-              <a:tr h="447701">
-                <a:tc>
-                  <a:txBody>
-                    <a:bodyPr/>
-                    <a:lstStyle/>
-                    <a:p>
-                      <a:pPr marL="0" algn="ctr">
-                        <a:lnSpc>
-                          <a:spcPct val="160000"/>
-                        </a:lnSpc>
-                        <a:spcBef>
-                          <a:spcPts val="0"/>
-                        </a:spcBef>
-                        <a:spcAft>
-                          <a:spcPts val="0"/>
-                        </a:spcAft>
-                        <a:defRPr lang="ko-KR" altLang="en-US"/>
-                      </a:pPr>
-                      <a:r>
-                        <a:rPr lang="en-US" sz="1400" b="1">
-                          <a:solidFill>
-                            <a:srgbClr val="000000"/>
-                          </a:solidFill>
-                          <a:latin typeface="굴림체"/>
-                          <a:ea typeface="굴림체"/>
-                        </a:rPr>
-                        <a:t>#1</a:t>
-                      </a:r>
-                      <a:endParaRPr lang="en-US" sz="1400">
-                        <a:solidFill>
-                          <a:srgbClr val="000000"/>
-                        </a:solidFill>
-                        <a:latin typeface="바탕"/>
-                      </a:endParaRPr>
-                    </a:p>
-                  </a:txBody>
-                  <a:tcPr anchor="ctr">
-                    <a:lnL w="3556" cap="flat" cmpd="sng" algn="ctr">
-                      <a:solidFill>
-                        <a:srgbClr val="000000"/>
-                      </a:solidFill>
-                      <a:prstDash val="solid"/>
-                      <a:round/>
-                    </a:lnL>
-                    <a:lnR w="3556" cap="flat" cmpd="sng" algn="ctr">
-                      <a:solidFill>
-                        <a:srgbClr val="000000"/>
-                      </a:solidFill>
-                      <a:prstDash val="solid"/>
-                      <a:round/>
-                    </a:lnR>
-                    <a:lnT w="3556" cap="flat" cmpd="sng" algn="ctr">
-                      <a:solidFill>
-                        <a:srgbClr val="000000"/>
-                      </a:solidFill>
-                      <a:prstDash val="solid"/>
-                      <a:round/>
-                    </a:lnT>
-                    <a:lnB w="3556" cap="flat" cmpd="sng" algn="ctr">
-                      <a:solidFill>
-                        <a:srgbClr val="000000"/>
-                      </a:solidFill>
-                      <a:prstDash val="solid"/>
-                      <a:round/>
-                    </a:lnB>
-                  </a:tcPr>
-                </a:tc>
-                <a:tc>
-                  <a:txBody>
-                    <a:bodyPr/>
-                    <a:lstStyle/>
-                    <a:p>
-                      <a:pPr marL="0" algn="ctr">
-                        <a:lnSpc>
-                          <a:spcPct val="160000"/>
-                        </a:lnSpc>
-                        <a:spcBef>
-                          <a:spcPts val="0"/>
-                        </a:spcBef>
-                        <a:spcAft>
-                          <a:spcPts val="0"/>
-                        </a:spcAft>
-                        <a:defRPr lang="ko-KR" altLang="en-US"/>
-                      </a:pPr>
-                      <a:r>
-                        <a:rPr lang="en-US" sz="1400" b="1">
-                          <a:solidFill>
-                            <a:srgbClr val="000000"/>
-                          </a:solidFill>
-                          <a:latin typeface="굴림체"/>
-                          <a:ea typeface="굴림체"/>
-                        </a:rPr>
-                        <a:t>1</a:t>
-                      </a:r>
-                      <a:endParaRPr lang="en-US" sz="1400">
-                        <a:solidFill>
-                          <a:srgbClr val="000000"/>
-                        </a:solidFill>
-                        <a:latin typeface="바탕"/>
-                      </a:endParaRPr>
-                    </a:p>
-                  </a:txBody>
-                  <a:tcPr anchor="ctr">
-                    <a:lnL w="3556" cap="flat" cmpd="sng" algn="ctr">
-                      <a:solidFill>
-                        <a:srgbClr val="000000"/>
-                      </a:solidFill>
-                      <a:prstDash val="solid"/>
-                      <a:round/>
-                    </a:lnL>
-                    <a:lnR w="3556" cap="flat" cmpd="sng" algn="ctr">
-                      <a:solidFill>
-                        <a:srgbClr val="000000"/>
-                      </a:solidFill>
-                      <a:prstDash val="solid"/>
-                      <a:round/>
-                    </a:lnR>
-                    <a:lnT w="3556" cap="flat" cmpd="sng" algn="ctr">
-                      <a:solidFill>
-                        <a:srgbClr val="000000"/>
-                      </a:solidFill>
-                      <a:prstDash val="solid"/>
-                      <a:round/>
-                    </a:lnT>
-                    <a:lnB w="3556" cap="flat" cmpd="sng" algn="ctr">
-                      <a:solidFill>
-                        <a:srgbClr val="000000"/>
-                      </a:solidFill>
-                      <a:prstDash val="solid"/>
-                      <a:round/>
-                    </a:lnB>
-                  </a:tcPr>
-                </a:tc>
-                <a:tc>
-                  <a:txBody>
-                    <a:bodyPr/>
-                    <a:lstStyle/>
-                    <a:p>
-                      <a:pPr marL="0" algn="ctr">
-                        <a:lnSpc>
-                          <a:spcPct val="160000"/>
-                        </a:lnSpc>
-                        <a:spcBef>
-                          <a:spcPts val="0"/>
-                        </a:spcBef>
-                        <a:spcAft>
-                          <a:spcPts val="0"/>
-                        </a:spcAft>
-                        <a:defRPr lang="ko-KR" altLang="en-US"/>
-                      </a:pPr>
-                      <a:r>
-                        <a:rPr lang="en-US" sz="1400" b="1">
-                          <a:solidFill>
-                            <a:srgbClr val="000000"/>
-                          </a:solidFill>
-                          <a:latin typeface="굴림체"/>
-                          <a:ea typeface="굴림체"/>
-                        </a:rPr>
-                        <a:t>1 &lt;= 5</a:t>
-                      </a:r>
-                      <a:endParaRPr lang="en-US" sz="1400">
-                        <a:solidFill>
-                          <a:srgbClr val="000000"/>
-                        </a:solidFill>
-                        <a:latin typeface="바탕"/>
-                      </a:endParaRPr>
-                    </a:p>
-                  </a:txBody>
-                  <a:tcPr anchor="ctr">
-                    <a:lnL w="3556" cap="flat" cmpd="sng" algn="ctr">
-                      <a:solidFill>
-                        <a:srgbClr val="000000"/>
-                      </a:solidFill>
-                      <a:prstDash val="solid"/>
-                      <a:round/>
-                    </a:lnL>
-                    <a:lnR w="3556" cap="flat" cmpd="sng" algn="ctr">
-                      <a:solidFill>
-                        <a:srgbClr val="000000"/>
-                      </a:solidFill>
-                      <a:prstDash val="solid"/>
-                      <a:round/>
-                    </a:lnR>
-                    <a:lnT w="3556" cap="flat" cmpd="sng" algn="ctr">
-                      <a:solidFill>
-                        <a:srgbClr val="000000"/>
-                      </a:solidFill>
-                      <a:prstDash val="solid"/>
-                      <a:round/>
-                    </a:lnT>
-                    <a:lnB w="3556" cap="flat" cmpd="sng" algn="ctr">
-                      <a:solidFill>
-                        <a:srgbClr val="000000"/>
-                      </a:solidFill>
-                      <a:prstDash val="solid"/>
-                      <a:round/>
-                    </a:lnB>
-                  </a:tcPr>
-                </a:tc>
-                <a:tc>
-                  <a:txBody>
-                    <a:bodyPr/>
-                    <a:lstStyle/>
-                    <a:p>
-                      <a:pPr marL="0" algn="ctr">
-                        <a:lnSpc>
-                          <a:spcPct val="160000"/>
-                        </a:lnSpc>
-                        <a:spcBef>
-                          <a:spcPts val="0"/>
-                        </a:spcBef>
-                        <a:spcAft>
-                          <a:spcPts val="0"/>
-                        </a:spcAft>
-                        <a:defRPr lang="ko-KR" altLang="en-US"/>
-                      </a:pPr>
-                      <a:r>
-                        <a:rPr lang="en-US" sz="1400" b="1">
-                          <a:solidFill>
-                            <a:srgbClr val="000000"/>
-                          </a:solidFill>
-                          <a:latin typeface="굴림체"/>
-                          <a:ea typeface="굴림체"/>
-                        </a:rPr>
-                        <a:t>true</a:t>
-                      </a:r>
-                      <a:endParaRPr lang="en-US" sz="1400">
-                        <a:solidFill>
-                          <a:srgbClr val="000000"/>
-                        </a:solidFill>
-                        <a:latin typeface="바탕"/>
-                      </a:endParaRPr>
-                    </a:p>
-                  </a:txBody>
-                  <a:tcPr anchor="ctr">
-                    <a:lnL w="3556" cap="flat" cmpd="sng" algn="ctr">
-                      <a:solidFill>
-                        <a:srgbClr val="000000"/>
-                      </a:solidFill>
-                      <a:prstDash val="solid"/>
-                      <a:round/>
-                    </a:lnL>
-                    <a:lnR w="3556" cap="flat" cmpd="sng" algn="ctr">
-                      <a:solidFill>
-                        <a:srgbClr val="000000"/>
-                      </a:solidFill>
-                      <a:prstDash val="solid"/>
-                      <a:round/>
-                    </a:lnR>
-                    <a:lnT w="3556" cap="flat" cmpd="sng" algn="ctr">
-                      <a:solidFill>
-                        <a:srgbClr val="000000"/>
-                      </a:solidFill>
-                      <a:prstDash val="solid"/>
-                      <a:round/>
-                    </a:lnT>
-                    <a:lnB w="3556" cap="flat" cmpd="sng" algn="ctr">
-                      <a:solidFill>
-                        <a:srgbClr val="000000"/>
-                      </a:solidFill>
-                      <a:prstDash val="solid"/>
-                      <a:round/>
-                    </a:lnB>
-                  </a:tcPr>
-                </a:tc>
-                <a:tc>
-                  <a:txBody>
-                    <a:bodyPr/>
-                    <a:lstStyle/>
-                    <a:p>
-                      <a:pPr marL="0" algn="just">
-                        <a:lnSpc>
-                          <a:spcPct val="160000"/>
-                        </a:lnSpc>
-                        <a:spcBef>
-                          <a:spcPts val="0"/>
-                        </a:spcBef>
-                        <a:spcAft>
-                          <a:spcPts val="0"/>
-                        </a:spcAft>
-                        <a:defRPr lang="ko-KR" altLang="en-US"/>
-                      </a:pPr>
-                      <a:r>
-                        <a:rPr lang="en-US" sz="1400" b="1">
-                          <a:solidFill>
-                            <a:srgbClr val="000000"/>
-                          </a:solidFill>
-                          <a:latin typeface="굴림체"/>
-                          <a:ea typeface="굴림체"/>
-                        </a:rPr>
-                        <a:t>1</a:t>
-                      </a:r>
-                      <a:endParaRPr lang="en-US" sz="1400">
-                        <a:solidFill>
-                          <a:srgbClr val="000000"/>
-                        </a:solidFill>
-                        <a:latin typeface="바탕"/>
-                      </a:endParaRPr>
-                    </a:p>
-                  </a:txBody>
-                  <a:tcPr anchor="ctr">
-                    <a:lnL w="3556" cap="flat" cmpd="sng" algn="ctr">
-                      <a:solidFill>
-                        <a:srgbClr val="000000"/>
-                      </a:solidFill>
-                      <a:prstDash val="solid"/>
-                      <a:round/>
-                    </a:lnL>
-                    <a:lnR w="3556" cap="flat" cmpd="sng" algn="ctr">
-                      <a:solidFill>
-                        <a:srgbClr val="000000"/>
-                      </a:solidFill>
-                      <a:prstDash val="solid"/>
-                      <a:round/>
-                    </a:lnR>
-                    <a:lnT w="3556" cap="flat" cmpd="sng" algn="ctr">
-                      <a:solidFill>
-                        <a:srgbClr val="000000"/>
-                      </a:solidFill>
-                      <a:prstDash val="solid"/>
-                      <a:round/>
-                    </a:lnT>
-                    <a:lnB w="3556" cap="flat" cmpd="sng" algn="ctr">
-                      <a:solidFill>
-                        <a:srgbClr val="000000"/>
-                      </a:solidFill>
-                      <a:prstDash val="solid"/>
-                      <a:round/>
-                    </a:lnB>
-                  </a:tcPr>
-                </a:tc>
-                <a:extLst>
-                  <a:ext uri="{0D108BD9-81ED-4DB2-BD59-A6C34878D82A}">
-                    <a16:rowId xmlns:a16="http://schemas.microsoft.com/office/drawing/2014/main" val="10001"/>
-                  </a:ext>
-                </a:extLst>
-              </a:tr>
-              <a:tr h="447701">
-                <a:tc>
-                  <a:txBody>
-                    <a:bodyPr/>
-                    <a:lstStyle/>
-                    <a:p>
-                      <a:pPr marL="0" algn="ctr">
-                        <a:lnSpc>
-                          <a:spcPct val="160000"/>
-                        </a:lnSpc>
-                        <a:spcBef>
-                          <a:spcPts val="0"/>
-                        </a:spcBef>
-                        <a:spcAft>
-                          <a:spcPts val="0"/>
-                        </a:spcAft>
-                        <a:defRPr lang="ko-KR" altLang="en-US"/>
-                      </a:pPr>
-                      <a:r>
-                        <a:rPr lang="en-US" sz="1400" b="1">
-                          <a:solidFill>
-                            <a:srgbClr val="000000"/>
-                          </a:solidFill>
-                          <a:latin typeface="굴림체"/>
-                          <a:ea typeface="굴림체"/>
-                        </a:rPr>
-                        <a:t>#2</a:t>
-                      </a:r>
-                      <a:endParaRPr lang="en-US" sz="1400">
-                        <a:solidFill>
-                          <a:srgbClr val="000000"/>
-                        </a:solidFill>
-                        <a:latin typeface="바탕"/>
-                      </a:endParaRPr>
-                    </a:p>
-                  </a:txBody>
-                  <a:tcPr anchor="ctr">
-                    <a:lnL w="3556" cap="flat" cmpd="sng" algn="ctr">
-                      <a:solidFill>
-                        <a:srgbClr val="000000"/>
-                      </a:solidFill>
-                      <a:prstDash val="solid"/>
-                      <a:round/>
-                    </a:lnL>
-                    <a:lnR w="3556" cap="flat" cmpd="sng" algn="ctr">
-                      <a:solidFill>
-                        <a:srgbClr val="000000"/>
-                      </a:solidFill>
-                      <a:prstDash val="solid"/>
-                      <a:round/>
-                    </a:lnR>
-                    <a:lnT w="3556" cap="flat" cmpd="sng" algn="ctr">
-                      <a:solidFill>
-                        <a:srgbClr val="000000"/>
-                      </a:solidFill>
-                      <a:prstDash val="solid"/>
-                      <a:round/>
-                    </a:lnT>
-                    <a:lnB w="3556" cap="flat" cmpd="sng" algn="ctr">
-                      <a:solidFill>
-                        <a:srgbClr val="000000"/>
-                      </a:solidFill>
-                      <a:prstDash val="solid"/>
-                      <a:round/>
-                    </a:lnB>
-                  </a:tcPr>
-                </a:tc>
-                <a:tc>
-                  <a:txBody>
-                    <a:bodyPr/>
-                    <a:lstStyle/>
-                    <a:p>
-                      <a:pPr marL="0" algn="ctr">
-                        <a:lnSpc>
-                          <a:spcPct val="160000"/>
-                        </a:lnSpc>
-                        <a:spcBef>
-                          <a:spcPts val="0"/>
-                        </a:spcBef>
-                        <a:spcAft>
-                          <a:spcPts val="0"/>
-                        </a:spcAft>
-                        <a:defRPr lang="ko-KR" altLang="en-US"/>
-                      </a:pPr>
-                      <a:r>
-                        <a:rPr lang="en-US" sz="1400" b="1">
-                          <a:solidFill>
-                            <a:srgbClr val="000000"/>
-                          </a:solidFill>
-                          <a:latin typeface="굴림체"/>
-                          <a:ea typeface="굴림체"/>
-                        </a:rPr>
-                        <a:t>2</a:t>
-                      </a:r>
-                      <a:endParaRPr lang="en-US" sz="1400">
-                        <a:solidFill>
-                          <a:srgbClr val="000000"/>
-                        </a:solidFill>
-                        <a:latin typeface="바탕"/>
-                      </a:endParaRPr>
-                    </a:p>
-                  </a:txBody>
-                  <a:tcPr anchor="ctr">
-                    <a:lnL w="3556" cap="flat" cmpd="sng" algn="ctr">
-                      <a:solidFill>
-                        <a:srgbClr val="000000"/>
-                      </a:solidFill>
-                      <a:prstDash val="solid"/>
-                      <a:round/>
-                    </a:lnL>
-                    <a:lnR w="3556" cap="flat" cmpd="sng" algn="ctr">
-                      <a:solidFill>
-                        <a:srgbClr val="000000"/>
-                      </a:solidFill>
-                      <a:prstDash val="solid"/>
-                      <a:round/>
-                    </a:lnR>
-                    <a:lnT w="3556" cap="flat" cmpd="sng" algn="ctr">
-                      <a:solidFill>
-                        <a:srgbClr val="000000"/>
-                      </a:solidFill>
-                      <a:prstDash val="solid"/>
-                      <a:round/>
-                    </a:lnT>
-                    <a:lnB w="3556" cap="flat" cmpd="sng" algn="ctr">
-                      <a:solidFill>
-                        <a:srgbClr val="000000"/>
-                      </a:solidFill>
-                      <a:prstDash val="solid"/>
-                      <a:round/>
-                    </a:lnB>
-                  </a:tcPr>
-                </a:tc>
-                <a:tc>
-                  <a:txBody>
-                    <a:bodyPr/>
-                    <a:lstStyle/>
-                    <a:p>
-                      <a:pPr marL="0" algn="ctr">
-                        <a:lnSpc>
-                          <a:spcPct val="160000"/>
-                        </a:lnSpc>
-                        <a:spcBef>
-                          <a:spcPts val="0"/>
-                        </a:spcBef>
-                        <a:spcAft>
-                          <a:spcPts val="0"/>
-                        </a:spcAft>
-                        <a:defRPr lang="ko-KR" altLang="en-US"/>
-                      </a:pPr>
-                      <a:r>
-                        <a:rPr lang="en-US" sz="1400" b="1">
-                          <a:solidFill>
-                            <a:srgbClr val="000000"/>
-                          </a:solidFill>
-                          <a:latin typeface="굴림체"/>
-                          <a:ea typeface="굴림체"/>
-                        </a:rPr>
-                        <a:t>2 &lt;= 5</a:t>
-                      </a:r>
-                      <a:endParaRPr lang="en-US" sz="1400">
-                        <a:solidFill>
-                          <a:srgbClr val="000000"/>
-                        </a:solidFill>
-                        <a:latin typeface="바탕"/>
-                      </a:endParaRPr>
-                    </a:p>
-                  </a:txBody>
-                  <a:tcPr anchor="ctr">
-                    <a:lnL w="3556" cap="flat" cmpd="sng" algn="ctr">
-                      <a:solidFill>
-                        <a:srgbClr val="000000"/>
-                      </a:solidFill>
-                      <a:prstDash val="solid"/>
-                      <a:round/>
-                    </a:lnL>
-                    <a:lnR w="3556" cap="flat" cmpd="sng" algn="ctr">
-                      <a:solidFill>
-                        <a:srgbClr val="000000"/>
-                      </a:solidFill>
-                      <a:prstDash val="solid"/>
-                      <a:round/>
-                    </a:lnR>
-                    <a:lnT w="3556" cap="flat" cmpd="sng" algn="ctr">
-                      <a:solidFill>
-                        <a:srgbClr val="000000"/>
-                      </a:solidFill>
-                      <a:prstDash val="solid"/>
-                      <a:round/>
-                    </a:lnT>
-                    <a:lnB w="3556" cap="flat" cmpd="sng" algn="ctr">
-                      <a:solidFill>
-                        <a:srgbClr val="000000"/>
-                      </a:solidFill>
-                      <a:prstDash val="solid"/>
-                      <a:round/>
-                    </a:lnB>
-                  </a:tcPr>
-                </a:tc>
-                <a:tc>
-                  <a:txBody>
-                    <a:bodyPr/>
-                    <a:lstStyle/>
-                    <a:p>
-                      <a:pPr marL="0" algn="ctr">
-                        <a:lnSpc>
-                          <a:spcPct val="160000"/>
-                        </a:lnSpc>
-                        <a:spcBef>
-                          <a:spcPts val="0"/>
-                        </a:spcBef>
-                        <a:spcAft>
-                          <a:spcPts val="0"/>
-                        </a:spcAft>
-                        <a:defRPr lang="ko-KR" altLang="en-US"/>
-                      </a:pPr>
-                      <a:r>
-                        <a:rPr lang="en-US" sz="1400" b="1">
-                          <a:solidFill>
-                            <a:srgbClr val="000000"/>
-                          </a:solidFill>
-                          <a:latin typeface="굴림체"/>
-                          <a:ea typeface="굴림체"/>
-                        </a:rPr>
-                        <a:t>true</a:t>
-                      </a:r>
-                      <a:endParaRPr lang="en-US" sz="1400">
-                        <a:solidFill>
-                          <a:srgbClr val="000000"/>
-                        </a:solidFill>
-                        <a:latin typeface="바탕"/>
-                      </a:endParaRPr>
-                    </a:p>
-                  </a:txBody>
-                  <a:tcPr anchor="ctr">
-                    <a:lnL w="3556" cap="flat" cmpd="sng" algn="ctr">
-                      <a:solidFill>
-                        <a:srgbClr val="000000"/>
-                      </a:solidFill>
-                      <a:prstDash val="solid"/>
-                      <a:round/>
-                    </a:lnL>
-                    <a:lnR w="3556" cap="flat" cmpd="sng" algn="ctr">
-                      <a:solidFill>
-                        <a:srgbClr val="000000"/>
-                      </a:solidFill>
-                      <a:prstDash val="solid"/>
-                      <a:round/>
-                    </a:lnR>
-                    <a:lnT w="3556" cap="flat" cmpd="sng" algn="ctr">
-                      <a:solidFill>
-                        <a:srgbClr val="000000"/>
-                      </a:solidFill>
-                      <a:prstDash val="solid"/>
-                      <a:round/>
-                    </a:lnT>
-                    <a:lnB w="3556" cap="flat" cmpd="sng" algn="ctr">
-                      <a:solidFill>
-                        <a:srgbClr val="000000"/>
-                      </a:solidFill>
-                      <a:prstDash val="solid"/>
-                      <a:round/>
-                    </a:lnB>
-                  </a:tcPr>
-                </a:tc>
-                <a:tc>
-                  <a:txBody>
-                    <a:bodyPr/>
-                    <a:lstStyle/>
-                    <a:p>
-                      <a:pPr marL="0" algn="just">
-                        <a:lnSpc>
-                          <a:spcPct val="160000"/>
-                        </a:lnSpc>
-                        <a:spcBef>
-                          <a:spcPts val="0"/>
-                        </a:spcBef>
-                        <a:spcAft>
-                          <a:spcPts val="0"/>
-                        </a:spcAft>
-                        <a:defRPr lang="ko-KR" altLang="en-US"/>
-                      </a:pPr>
-                      <a:r>
-                        <a:rPr lang="en-US" sz="1400" b="1">
-                          <a:solidFill>
-                            <a:srgbClr val="000000"/>
-                          </a:solidFill>
-                          <a:latin typeface="굴림체"/>
-                          <a:ea typeface="굴림체"/>
-                        </a:rPr>
-                        <a:t>1 2</a:t>
-                      </a:r>
-                      <a:endParaRPr lang="en-US" sz="1400">
-                        <a:solidFill>
-                          <a:srgbClr val="000000"/>
-                        </a:solidFill>
-                        <a:latin typeface="바탕"/>
-                      </a:endParaRPr>
-                    </a:p>
-                  </a:txBody>
-                  <a:tcPr anchor="ctr">
-                    <a:lnL w="3556" cap="flat" cmpd="sng" algn="ctr">
-                      <a:solidFill>
-                        <a:srgbClr val="000000"/>
-                      </a:solidFill>
-                      <a:prstDash val="solid"/>
-                      <a:round/>
-                    </a:lnL>
-                    <a:lnR w="3556" cap="flat" cmpd="sng" algn="ctr">
-                      <a:solidFill>
-                        <a:srgbClr val="000000"/>
-                      </a:solidFill>
-                      <a:prstDash val="solid"/>
-                      <a:round/>
-                    </a:lnR>
-                    <a:lnT w="3556" cap="flat" cmpd="sng" algn="ctr">
-                      <a:solidFill>
-                        <a:srgbClr val="000000"/>
-                      </a:solidFill>
-                      <a:prstDash val="solid"/>
-                      <a:round/>
-                    </a:lnT>
-                    <a:lnB w="3556" cap="flat" cmpd="sng" algn="ctr">
-                      <a:solidFill>
-                        <a:srgbClr val="000000"/>
-                      </a:solidFill>
-                      <a:prstDash val="solid"/>
-                      <a:round/>
-                    </a:lnB>
-                  </a:tcPr>
-                </a:tc>
-                <a:extLst>
-                  <a:ext uri="{0D108BD9-81ED-4DB2-BD59-A6C34878D82A}">
-                    <a16:rowId xmlns:a16="http://schemas.microsoft.com/office/drawing/2014/main" val="10002"/>
-                  </a:ext>
-                </a:extLst>
-              </a:tr>
-              <a:tr h="447701">
-                <a:tc>
-                  <a:txBody>
-                    <a:bodyPr/>
-                    <a:lstStyle/>
-                    <a:p>
-                      <a:pPr marL="0" algn="ctr">
-                        <a:lnSpc>
-                          <a:spcPct val="160000"/>
-                        </a:lnSpc>
-                        <a:spcBef>
-                          <a:spcPts val="0"/>
-                        </a:spcBef>
-                        <a:spcAft>
-                          <a:spcPts val="0"/>
-                        </a:spcAft>
-                        <a:defRPr lang="ko-KR" altLang="en-US"/>
-                      </a:pPr>
-                      <a:r>
-                        <a:rPr lang="en-US" sz="1400" b="1">
-                          <a:solidFill>
-                            <a:srgbClr val="000000"/>
-                          </a:solidFill>
-                          <a:latin typeface="굴림체"/>
-                          <a:ea typeface="굴림체"/>
-                        </a:rPr>
-                        <a:t>#3</a:t>
-                      </a:r>
-                      <a:endParaRPr lang="en-US" sz="1400">
-                        <a:solidFill>
-                          <a:srgbClr val="000000"/>
-                        </a:solidFill>
-                        <a:latin typeface="바탕"/>
-                      </a:endParaRPr>
-                    </a:p>
-                  </a:txBody>
-                  <a:tcPr anchor="ctr">
-                    <a:lnL w="3556" cap="flat" cmpd="sng" algn="ctr">
-                      <a:solidFill>
-                        <a:srgbClr val="000000"/>
-                      </a:solidFill>
-                      <a:prstDash val="solid"/>
-                      <a:round/>
-                    </a:lnL>
-                    <a:lnR w="3556" cap="flat" cmpd="sng" algn="ctr">
-                      <a:solidFill>
-                        <a:srgbClr val="000000"/>
-                      </a:solidFill>
-                      <a:prstDash val="solid"/>
-                      <a:round/>
-                    </a:lnR>
-                    <a:lnT w="3556" cap="flat" cmpd="sng" algn="ctr">
-                      <a:solidFill>
-                        <a:srgbClr val="000000"/>
-                      </a:solidFill>
-                      <a:prstDash val="solid"/>
-                      <a:round/>
-                    </a:lnT>
-                    <a:lnB w="3556" cap="flat" cmpd="sng" algn="ctr">
-                      <a:solidFill>
-                        <a:srgbClr val="000000"/>
-                      </a:solidFill>
-                      <a:prstDash val="solid"/>
-                      <a:round/>
-                    </a:lnB>
-                  </a:tcPr>
-                </a:tc>
-                <a:tc>
-                  <a:txBody>
-                    <a:bodyPr/>
-                    <a:lstStyle/>
-                    <a:p>
-                      <a:pPr marL="0" algn="ctr">
-                        <a:lnSpc>
-                          <a:spcPct val="160000"/>
-                        </a:lnSpc>
-                        <a:spcBef>
-                          <a:spcPts val="0"/>
-                        </a:spcBef>
-                        <a:spcAft>
-                          <a:spcPts val="0"/>
-                        </a:spcAft>
-                        <a:defRPr lang="ko-KR" altLang="en-US"/>
-                      </a:pPr>
-                      <a:r>
-                        <a:rPr lang="en-US" sz="1400" b="1">
-                          <a:solidFill>
-                            <a:srgbClr val="000000"/>
-                          </a:solidFill>
-                          <a:latin typeface="굴림체"/>
-                          <a:ea typeface="굴림체"/>
-                        </a:rPr>
-                        <a:t>3</a:t>
-                      </a:r>
-                      <a:endParaRPr lang="en-US" sz="1400">
-                        <a:solidFill>
-                          <a:srgbClr val="000000"/>
-                        </a:solidFill>
-                        <a:latin typeface="바탕"/>
-                      </a:endParaRPr>
-                    </a:p>
-                  </a:txBody>
-                  <a:tcPr anchor="ctr">
-                    <a:lnL w="3556" cap="flat" cmpd="sng" algn="ctr">
-                      <a:solidFill>
-                        <a:srgbClr val="000000"/>
-                      </a:solidFill>
-                      <a:prstDash val="solid"/>
-                      <a:round/>
-                    </a:lnL>
-                    <a:lnR w="3556" cap="flat" cmpd="sng" algn="ctr">
-                      <a:solidFill>
-                        <a:srgbClr val="000000"/>
-                      </a:solidFill>
-                      <a:prstDash val="solid"/>
-                      <a:round/>
-                    </a:lnR>
-                    <a:lnT w="3556" cap="flat" cmpd="sng" algn="ctr">
-                      <a:solidFill>
-                        <a:srgbClr val="000000"/>
-                      </a:solidFill>
-                      <a:prstDash val="solid"/>
-                      <a:round/>
-                    </a:lnT>
-                    <a:lnB w="3556" cap="flat" cmpd="sng" algn="ctr">
-                      <a:solidFill>
-                        <a:srgbClr val="000000"/>
-                      </a:solidFill>
-                      <a:prstDash val="solid"/>
-                      <a:round/>
-                    </a:lnB>
-                  </a:tcPr>
-                </a:tc>
-                <a:tc>
-                  <a:txBody>
-                    <a:bodyPr/>
-                    <a:lstStyle/>
-                    <a:p>
-                      <a:pPr marL="0" algn="ctr">
-                        <a:lnSpc>
-                          <a:spcPct val="160000"/>
-                        </a:lnSpc>
-                        <a:spcBef>
-                          <a:spcPts val="0"/>
-                        </a:spcBef>
-                        <a:spcAft>
-                          <a:spcPts val="0"/>
-                        </a:spcAft>
-                        <a:defRPr lang="ko-KR" altLang="en-US"/>
-                      </a:pPr>
-                      <a:r>
-                        <a:rPr lang="en-US" sz="1400" b="1">
-                          <a:solidFill>
-                            <a:srgbClr val="000000"/>
-                          </a:solidFill>
-                          <a:latin typeface="굴림체"/>
-                          <a:ea typeface="굴림체"/>
-                        </a:rPr>
-                        <a:t>3 &lt;= 5</a:t>
-                      </a:r>
-                      <a:endParaRPr lang="en-US" sz="1400">
-                        <a:solidFill>
-                          <a:srgbClr val="000000"/>
-                        </a:solidFill>
-                        <a:latin typeface="바탕"/>
-                      </a:endParaRPr>
-                    </a:p>
-                  </a:txBody>
-                  <a:tcPr anchor="ctr">
-                    <a:lnL w="3556" cap="flat" cmpd="sng" algn="ctr">
-                      <a:solidFill>
-                        <a:srgbClr val="000000"/>
-                      </a:solidFill>
-                      <a:prstDash val="solid"/>
-                      <a:round/>
-                    </a:lnL>
-                    <a:lnR w="3556" cap="flat" cmpd="sng" algn="ctr">
-                      <a:solidFill>
-                        <a:srgbClr val="000000"/>
-                      </a:solidFill>
-                      <a:prstDash val="solid"/>
-                      <a:round/>
-                    </a:lnR>
-                    <a:lnT w="3556" cap="flat" cmpd="sng" algn="ctr">
-                      <a:solidFill>
-                        <a:srgbClr val="000000"/>
-                      </a:solidFill>
-                      <a:prstDash val="solid"/>
-                      <a:round/>
-                    </a:lnT>
-                    <a:lnB w="3556" cap="flat" cmpd="sng" algn="ctr">
-                      <a:solidFill>
-                        <a:srgbClr val="000000"/>
-                      </a:solidFill>
-                      <a:prstDash val="solid"/>
-                      <a:round/>
-                    </a:lnB>
-                  </a:tcPr>
-                </a:tc>
-                <a:tc>
-                  <a:txBody>
-                    <a:bodyPr/>
-                    <a:lstStyle/>
-                    <a:p>
-                      <a:pPr marL="0" algn="ctr">
-                        <a:lnSpc>
-                          <a:spcPct val="160000"/>
-                        </a:lnSpc>
-                        <a:spcBef>
-                          <a:spcPts val="0"/>
-                        </a:spcBef>
-                        <a:spcAft>
-                          <a:spcPts val="0"/>
-                        </a:spcAft>
-                        <a:defRPr lang="ko-KR" altLang="en-US"/>
-                      </a:pPr>
-                      <a:r>
-                        <a:rPr lang="en-US" sz="1400" b="1">
-                          <a:solidFill>
-                            <a:srgbClr val="000000"/>
-                          </a:solidFill>
-                          <a:latin typeface="굴림체"/>
-                          <a:ea typeface="굴림체"/>
-                        </a:rPr>
-                        <a:t>true</a:t>
-                      </a:r>
-                      <a:endParaRPr lang="en-US" sz="1400">
-                        <a:solidFill>
-                          <a:srgbClr val="000000"/>
-                        </a:solidFill>
-                        <a:latin typeface="바탕"/>
-                      </a:endParaRPr>
-                    </a:p>
-                  </a:txBody>
-                  <a:tcPr anchor="ctr">
-                    <a:lnL w="3556" cap="flat" cmpd="sng" algn="ctr">
-                      <a:solidFill>
-                        <a:srgbClr val="000000"/>
-                      </a:solidFill>
-                      <a:prstDash val="solid"/>
-                      <a:round/>
-                    </a:lnL>
-                    <a:lnR w="3556" cap="flat" cmpd="sng" algn="ctr">
-                      <a:solidFill>
-                        <a:srgbClr val="000000"/>
-                      </a:solidFill>
-                      <a:prstDash val="solid"/>
-                      <a:round/>
-                    </a:lnR>
-                    <a:lnT w="3556" cap="flat" cmpd="sng" algn="ctr">
-                      <a:solidFill>
-                        <a:srgbClr val="000000"/>
-                      </a:solidFill>
-                      <a:prstDash val="solid"/>
-                      <a:round/>
-                    </a:lnT>
-                    <a:lnB w="3556" cap="flat" cmpd="sng" algn="ctr">
-                      <a:solidFill>
-                        <a:srgbClr val="000000"/>
-                      </a:solidFill>
-                      <a:prstDash val="solid"/>
-                      <a:round/>
-                    </a:lnB>
-                  </a:tcPr>
-                </a:tc>
-                <a:tc>
-                  <a:txBody>
-                    <a:bodyPr/>
-                    <a:lstStyle/>
-                    <a:p>
-                      <a:pPr marL="0" algn="just">
-                        <a:lnSpc>
-                          <a:spcPct val="160000"/>
-                        </a:lnSpc>
-                        <a:spcBef>
-                          <a:spcPts val="0"/>
-                        </a:spcBef>
-                        <a:spcAft>
-                          <a:spcPts val="0"/>
-                        </a:spcAft>
-                        <a:defRPr lang="ko-KR" altLang="en-US"/>
-                      </a:pPr>
-                      <a:r>
-                        <a:rPr lang="en-US" sz="1400" b="1">
-                          <a:solidFill>
-                            <a:srgbClr val="000000"/>
-                          </a:solidFill>
-                          <a:latin typeface="굴림체"/>
-                          <a:ea typeface="굴림체"/>
-                        </a:rPr>
-                        <a:t>1 2 3</a:t>
-                      </a:r>
-                      <a:endParaRPr lang="en-US" sz="1400">
-                        <a:solidFill>
-                          <a:srgbClr val="000000"/>
-                        </a:solidFill>
-                        <a:latin typeface="바탕"/>
-                      </a:endParaRPr>
-                    </a:p>
-                  </a:txBody>
-                  <a:tcPr anchor="ctr">
-                    <a:lnL w="3556" cap="flat" cmpd="sng" algn="ctr">
-                      <a:solidFill>
-                        <a:srgbClr val="000000"/>
-                      </a:solidFill>
-                      <a:prstDash val="solid"/>
-                      <a:round/>
-                    </a:lnL>
-                    <a:lnR w="3556" cap="flat" cmpd="sng" algn="ctr">
-                      <a:solidFill>
-                        <a:srgbClr val="000000"/>
-                      </a:solidFill>
-                      <a:prstDash val="solid"/>
-                      <a:round/>
-                    </a:lnR>
-                    <a:lnT w="3556" cap="flat" cmpd="sng" algn="ctr">
-                      <a:solidFill>
-                        <a:srgbClr val="000000"/>
-                      </a:solidFill>
-                      <a:prstDash val="solid"/>
-                      <a:round/>
-                    </a:lnT>
-                    <a:lnB w="3556" cap="flat" cmpd="sng" algn="ctr">
-                      <a:solidFill>
-                        <a:srgbClr val="000000"/>
-                      </a:solidFill>
-                      <a:prstDash val="solid"/>
-                      <a:round/>
-                    </a:lnB>
-                  </a:tcPr>
-                </a:tc>
-                <a:extLst>
-                  <a:ext uri="{0D108BD9-81ED-4DB2-BD59-A6C34878D82A}">
-                    <a16:rowId xmlns:a16="http://schemas.microsoft.com/office/drawing/2014/main" val="10003"/>
-                  </a:ext>
-                </a:extLst>
-              </a:tr>
-              <a:tr h="447701">
-                <a:tc>
-                  <a:txBody>
-                    <a:bodyPr/>
-                    <a:lstStyle/>
-                    <a:p>
-                      <a:pPr marL="0" algn="ctr">
-                        <a:lnSpc>
-                          <a:spcPct val="160000"/>
-                        </a:lnSpc>
-                        <a:spcBef>
-                          <a:spcPts val="0"/>
-                        </a:spcBef>
-                        <a:spcAft>
-                          <a:spcPts val="0"/>
-                        </a:spcAft>
-                        <a:defRPr lang="ko-KR" altLang="en-US"/>
-                      </a:pPr>
-                      <a:r>
-                        <a:rPr lang="en-US" sz="1400" b="1">
-                          <a:solidFill>
-                            <a:srgbClr val="000000"/>
-                          </a:solidFill>
-                          <a:latin typeface="굴림체"/>
-                          <a:ea typeface="굴림체"/>
-                        </a:rPr>
-                        <a:t>#4</a:t>
-                      </a:r>
-                      <a:endParaRPr lang="en-US" sz="1400">
-                        <a:solidFill>
-                          <a:srgbClr val="000000"/>
-                        </a:solidFill>
-                        <a:latin typeface="바탕"/>
-                      </a:endParaRPr>
-                    </a:p>
-                  </a:txBody>
-                  <a:tcPr anchor="ctr">
-                    <a:lnL w="3556" cap="flat" cmpd="sng" algn="ctr">
-                      <a:solidFill>
-                        <a:srgbClr val="000000"/>
-                      </a:solidFill>
-                      <a:prstDash val="solid"/>
-                      <a:round/>
-                    </a:lnL>
-                    <a:lnR w="3556" cap="flat" cmpd="sng" algn="ctr">
-                      <a:solidFill>
-                        <a:srgbClr val="000000"/>
-                      </a:solidFill>
-                      <a:prstDash val="solid"/>
-                      <a:round/>
-                    </a:lnR>
-                    <a:lnT w="3556" cap="flat" cmpd="sng" algn="ctr">
-                      <a:solidFill>
-                        <a:srgbClr val="000000"/>
-                      </a:solidFill>
-                      <a:prstDash val="solid"/>
-                      <a:round/>
-                    </a:lnT>
-                    <a:lnB w="3556" cap="flat" cmpd="sng" algn="ctr">
-                      <a:solidFill>
-                        <a:srgbClr val="000000"/>
-                      </a:solidFill>
-                      <a:prstDash val="solid"/>
-                      <a:round/>
-                    </a:lnB>
-                  </a:tcPr>
-                </a:tc>
-                <a:tc>
-                  <a:txBody>
-                    <a:bodyPr/>
-                    <a:lstStyle/>
-                    <a:p>
-                      <a:pPr marL="0" algn="ctr">
-                        <a:lnSpc>
-                          <a:spcPct val="160000"/>
-                        </a:lnSpc>
-                        <a:spcBef>
-                          <a:spcPts val="0"/>
-                        </a:spcBef>
-                        <a:spcAft>
-                          <a:spcPts val="0"/>
-                        </a:spcAft>
-                        <a:defRPr lang="ko-KR" altLang="en-US"/>
-                      </a:pPr>
-                      <a:r>
-                        <a:rPr lang="en-US" sz="1400" b="1">
-                          <a:solidFill>
-                            <a:srgbClr val="000000"/>
-                          </a:solidFill>
-                          <a:latin typeface="굴림체"/>
-                          <a:ea typeface="굴림체"/>
-                        </a:rPr>
-                        <a:t>4</a:t>
-                      </a:r>
-                      <a:endParaRPr lang="en-US" sz="1400">
-                        <a:solidFill>
-                          <a:srgbClr val="000000"/>
-                        </a:solidFill>
-                        <a:latin typeface="바탕"/>
-                      </a:endParaRPr>
-                    </a:p>
-                  </a:txBody>
-                  <a:tcPr anchor="ctr">
-                    <a:lnL w="3556" cap="flat" cmpd="sng" algn="ctr">
-                      <a:solidFill>
-                        <a:srgbClr val="000000"/>
-                      </a:solidFill>
-                      <a:prstDash val="solid"/>
-                      <a:round/>
-                    </a:lnL>
-                    <a:lnR w="3556" cap="flat" cmpd="sng" algn="ctr">
-                      <a:solidFill>
-                        <a:srgbClr val="000000"/>
-                      </a:solidFill>
-                      <a:prstDash val="solid"/>
-                      <a:round/>
-                    </a:lnR>
-                    <a:lnT w="3556" cap="flat" cmpd="sng" algn="ctr">
-                      <a:solidFill>
-                        <a:srgbClr val="000000"/>
-                      </a:solidFill>
-                      <a:prstDash val="solid"/>
-                      <a:round/>
-                    </a:lnT>
-                    <a:lnB w="3556" cap="flat" cmpd="sng" algn="ctr">
-                      <a:solidFill>
-                        <a:srgbClr val="000000"/>
-                      </a:solidFill>
-                      <a:prstDash val="solid"/>
-                      <a:round/>
-                    </a:lnB>
-                  </a:tcPr>
-                </a:tc>
-                <a:tc>
-                  <a:txBody>
-                    <a:bodyPr/>
-                    <a:lstStyle/>
-                    <a:p>
-                      <a:pPr marL="0" algn="ctr">
-                        <a:lnSpc>
-                          <a:spcPct val="160000"/>
-                        </a:lnSpc>
-                        <a:spcBef>
-                          <a:spcPts val="0"/>
-                        </a:spcBef>
-                        <a:spcAft>
-                          <a:spcPts val="0"/>
-                        </a:spcAft>
-                        <a:defRPr lang="ko-KR" altLang="en-US"/>
-                      </a:pPr>
-                      <a:r>
-                        <a:rPr lang="en-US" sz="1400" b="1">
-                          <a:solidFill>
-                            <a:srgbClr val="000000"/>
-                          </a:solidFill>
-                          <a:latin typeface="굴림체"/>
-                          <a:ea typeface="굴림체"/>
-                        </a:rPr>
-                        <a:t>4 &lt;= 5</a:t>
-                      </a:r>
-                      <a:endParaRPr lang="en-US" sz="1400">
-                        <a:solidFill>
-                          <a:srgbClr val="000000"/>
-                        </a:solidFill>
-                        <a:latin typeface="바탕"/>
-                      </a:endParaRPr>
-                    </a:p>
-                  </a:txBody>
-                  <a:tcPr anchor="ctr">
-                    <a:lnL w="3556" cap="flat" cmpd="sng" algn="ctr">
-                      <a:solidFill>
-                        <a:srgbClr val="000000"/>
-                      </a:solidFill>
-                      <a:prstDash val="solid"/>
-                      <a:round/>
-                    </a:lnL>
-                    <a:lnR w="3556" cap="flat" cmpd="sng" algn="ctr">
-                      <a:solidFill>
-                        <a:srgbClr val="000000"/>
-                      </a:solidFill>
-                      <a:prstDash val="solid"/>
-                      <a:round/>
-                    </a:lnR>
-                    <a:lnT w="3556" cap="flat" cmpd="sng" algn="ctr">
-                      <a:solidFill>
-                        <a:srgbClr val="000000"/>
-                      </a:solidFill>
-                      <a:prstDash val="solid"/>
-                      <a:round/>
-                    </a:lnT>
-                    <a:lnB w="3556" cap="flat" cmpd="sng" algn="ctr">
-                      <a:solidFill>
-                        <a:srgbClr val="000000"/>
-                      </a:solidFill>
-                      <a:prstDash val="solid"/>
-                      <a:round/>
-                    </a:lnB>
-                  </a:tcPr>
-                </a:tc>
-                <a:tc>
-                  <a:txBody>
-                    <a:bodyPr/>
-                    <a:lstStyle/>
-                    <a:p>
-                      <a:pPr marL="0" algn="ctr">
-                        <a:lnSpc>
-                          <a:spcPct val="160000"/>
-                        </a:lnSpc>
-                        <a:spcBef>
-                          <a:spcPts val="0"/>
-                        </a:spcBef>
-                        <a:spcAft>
-                          <a:spcPts val="0"/>
-                        </a:spcAft>
-                        <a:defRPr lang="ko-KR" altLang="en-US"/>
-                      </a:pPr>
-                      <a:r>
-                        <a:rPr lang="en-US" sz="1400" b="1">
-                          <a:solidFill>
-                            <a:srgbClr val="000000"/>
-                          </a:solidFill>
-                          <a:latin typeface="굴림체"/>
-                          <a:ea typeface="굴림체"/>
-                        </a:rPr>
-                        <a:t>true</a:t>
-                      </a:r>
-                      <a:endParaRPr lang="en-US" sz="1400">
-                        <a:solidFill>
-                          <a:srgbClr val="000000"/>
-                        </a:solidFill>
-                        <a:latin typeface="바탕"/>
-                      </a:endParaRPr>
-                    </a:p>
-                  </a:txBody>
-                  <a:tcPr anchor="ctr">
-                    <a:lnL w="3556" cap="flat" cmpd="sng" algn="ctr">
-                      <a:solidFill>
-                        <a:srgbClr val="000000"/>
-                      </a:solidFill>
-                      <a:prstDash val="solid"/>
-                      <a:round/>
-                    </a:lnL>
-                    <a:lnR w="3556" cap="flat" cmpd="sng" algn="ctr">
-                      <a:solidFill>
-                        <a:srgbClr val="000000"/>
-                      </a:solidFill>
-                      <a:prstDash val="solid"/>
-                      <a:round/>
-                    </a:lnR>
-                    <a:lnT w="3556" cap="flat" cmpd="sng" algn="ctr">
-                      <a:solidFill>
-                        <a:srgbClr val="000000"/>
-                      </a:solidFill>
-                      <a:prstDash val="solid"/>
-                      <a:round/>
-                    </a:lnT>
-                    <a:lnB w="3556" cap="flat" cmpd="sng" algn="ctr">
-                      <a:solidFill>
-                        <a:srgbClr val="000000"/>
-                      </a:solidFill>
-                      <a:prstDash val="solid"/>
-                      <a:round/>
-                    </a:lnB>
-                  </a:tcPr>
-                </a:tc>
-                <a:tc>
-                  <a:txBody>
-                    <a:bodyPr/>
-                    <a:lstStyle/>
-                    <a:p>
-                      <a:pPr marL="0" algn="just">
-                        <a:lnSpc>
-                          <a:spcPct val="160000"/>
-                        </a:lnSpc>
-                        <a:spcBef>
-                          <a:spcPts val="0"/>
-                        </a:spcBef>
-                        <a:spcAft>
-                          <a:spcPts val="0"/>
-                        </a:spcAft>
-                        <a:defRPr lang="ko-KR" altLang="en-US"/>
-                      </a:pPr>
-                      <a:r>
-                        <a:rPr lang="en-US" sz="1400" b="1">
-                          <a:solidFill>
-                            <a:srgbClr val="000000"/>
-                          </a:solidFill>
-                          <a:latin typeface="굴림체"/>
-                          <a:ea typeface="굴림체"/>
-                        </a:rPr>
-                        <a:t>1 2 3 4</a:t>
-                      </a:r>
-                      <a:endParaRPr lang="en-US" sz="1400">
-                        <a:solidFill>
-                          <a:srgbClr val="000000"/>
-                        </a:solidFill>
-                        <a:latin typeface="바탕"/>
-                      </a:endParaRPr>
-                    </a:p>
-                  </a:txBody>
-                  <a:tcPr anchor="ctr">
-                    <a:lnL w="3556" cap="flat" cmpd="sng" algn="ctr">
-                      <a:solidFill>
-                        <a:srgbClr val="000000"/>
-                      </a:solidFill>
-                      <a:prstDash val="solid"/>
-                      <a:round/>
-                    </a:lnL>
-                    <a:lnR w="3556" cap="flat" cmpd="sng" algn="ctr">
-                      <a:solidFill>
-                        <a:srgbClr val="000000"/>
-                      </a:solidFill>
-                      <a:prstDash val="solid"/>
-                      <a:round/>
-                    </a:lnR>
-                    <a:lnT w="3556" cap="flat" cmpd="sng" algn="ctr">
-                      <a:solidFill>
-                        <a:srgbClr val="000000"/>
-                      </a:solidFill>
-                      <a:prstDash val="solid"/>
-                      <a:round/>
-                    </a:lnT>
-                    <a:lnB w="3556" cap="flat" cmpd="sng" algn="ctr">
-                      <a:solidFill>
-                        <a:srgbClr val="000000"/>
-                      </a:solidFill>
-                      <a:prstDash val="solid"/>
-                      <a:round/>
-                    </a:lnB>
-                  </a:tcPr>
-                </a:tc>
-                <a:extLst>
-                  <a:ext uri="{0D108BD9-81ED-4DB2-BD59-A6C34878D82A}">
-                    <a16:rowId xmlns:a16="http://schemas.microsoft.com/office/drawing/2014/main" val="10004"/>
-                  </a:ext>
-                </a:extLst>
-              </a:tr>
-              <a:tr h="447701">
-                <a:tc>
-                  <a:txBody>
-                    <a:bodyPr/>
-                    <a:lstStyle/>
-                    <a:p>
-                      <a:pPr marL="0" algn="ctr">
-                        <a:lnSpc>
-                          <a:spcPct val="160000"/>
-                        </a:lnSpc>
-                        <a:spcBef>
-                          <a:spcPts val="0"/>
-                        </a:spcBef>
-                        <a:spcAft>
-                          <a:spcPts val="0"/>
-                        </a:spcAft>
-                        <a:defRPr lang="ko-KR" altLang="en-US"/>
-                      </a:pPr>
-                      <a:r>
-                        <a:rPr lang="en-US" sz="1400" b="1">
-                          <a:solidFill>
-                            <a:srgbClr val="000000"/>
-                          </a:solidFill>
-                          <a:latin typeface="굴림체"/>
-                          <a:ea typeface="굴림체"/>
-                        </a:rPr>
-                        <a:t>#5</a:t>
-                      </a:r>
-                      <a:endParaRPr lang="en-US" sz="1400">
-                        <a:solidFill>
-                          <a:srgbClr val="000000"/>
-                        </a:solidFill>
-                        <a:latin typeface="바탕"/>
-                      </a:endParaRPr>
-                    </a:p>
-                  </a:txBody>
-                  <a:tcPr anchor="ctr">
-                    <a:lnL w="3556" cap="flat" cmpd="sng" algn="ctr">
-                      <a:solidFill>
-                        <a:srgbClr val="000000"/>
-                      </a:solidFill>
-                      <a:prstDash val="solid"/>
-                      <a:round/>
-                    </a:lnL>
-                    <a:lnR w="3556" cap="flat" cmpd="sng" algn="ctr">
-                      <a:solidFill>
-                        <a:srgbClr val="000000"/>
-                      </a:solidFill>
-                      <a:prstDash val="solid"/>
-                      <a:round/>
-                    </a:lnR>
-                    <a:lnT w="3556" cap="flat" cmpd="sng" algn="ctr">
-                      <a:solidFill>
-                        <a:srgbClr val="000000"/>
-                      </a:solidFill>
-                      <a:prstDash val="solid"/>
-                      <a:round/>
-                    </a:lnT>
-                    <a:lnB w="3556" cap="flat" cmpd="sng" algn="ctr">
-                      <a:solidFill>
-                        <a:srgbClr val="000000"/>
-                      </a:solidFill>
-                      <a:prstDash val="solid"/>
-                      <a:round/>
-                    </a:lnB>
-                  </a:tcPr>
-                </a:tc>
-                <a:tc>
-                  <a:txBody>
-                    <a:bodyPr/>
-                    <a:lstStyle/>
-                    <a:p>
-                      <a:pPr marL="0" algn="ctr">
-                        <a:lnSpc>
-                          <a:spcPct val="160000"/>
-                        </a:lnSpc>
-                        <a:spcBef>
-                          <a:spcPts val="0"/>
-                        </a:spcBef>
-                        <a:spcAft>
-                          <a:spcPts val="0"/>
-                        </a:spcAft>
-                        <a:defRPr lang="ko-KR" altLang="en-US"/>
-                      </a:pPr>
-                      <a:r>
-                        <a:rPr lang="en-US" sz="1400" b="1">
-                          <a:solidFill>
-                            <a:srgbClr val="000000"/>
-                          </a:solidFill>
-                          <a:latin typeface="굴림체"/>
-                          <a:ea typeface="굴림체"/>
-                        </a:rPr>
-                        <a:t>5</a:t>
-                      </a:r>
-                      <a:endParaRPr lang="en-US" sz="1400">
-                        <a:solidFill>
-                          <a:srgbClr val="000000"/>
-                        </a:solidFill>
-                        <a:latin typeface="바탕"/>
-                      </a:endParaRPr>
-                    </a:p>
-                  </a:txBody>
-                  <a:tcPr anchor="ctr">
-                    <a:lnL w="3556" cap="flat" cmpd="sng" algn="ctr">
-                      <a:solidFill>
-                        <a:srgbClr val="000000"/>
-                      </a:solidFill>
-                      <a:prstDash val="solid"/>
-                      <a:round/>
-                    </a:lnL>
-                    <a:lnR w="3556" cap="flat" cmpd="sng" algn="ctr">
-                      <a:solidFill>
-                        <a:srgbClr val="000000"/>
-                      </a:solidFill>
-                      <a:prstDash val="solid"/>
-                      <a:round/>
-                    </a:lnR>
-                    <a:lnT w="3556" cap="flat" cmpd="sng" algn="ctr">
-                      <a:solidFill>
-                        <a:srgbClr val="000000"/>
-                      </a:solidFill>
-                      <a:prstDash val="solid"/>
-                      <a:round/>
-                    </a:lnT>
-                    <a:lnB w="3556" cap="flat" cmpd="sng" algn="ctr">
-                      <a:solidFill>
-                        <a:srgbClr val="000000"/>
-                      </a:solidFill>
-                      <a:prstDash val="solid"/>
-                      <a:round/>
-                    </a:lnB>
-                  </a:tcPr>
-                </a:tc>
-                <a:tc>
-                  <a:txBody>
-                    <a:bodyPr/>
-                    <a:lstStyle/>
-                    <a:p>
-                      <a:pPr marL="0" algn="ctr">
-                        <a:lnSpc>
-                          <a:spcPct val="160000"/>
-                        </a:lnSpc>
-                        <a:spcBef>
-                          <a:spcPts val="0"/>
-                        </a:spcBef>
-                        <a:spcAft>
-                          <a:spcPts val="0"/>
-                        </a:spcAft>
-                        <a:defRPr lang="ko-KR" altLang="en-US"/>
-                      </a:pPr>
-                      <a:r>
-                        <a:rPr lang="en-US" sz="1400" b="1">
-                          <a:solidFill>
-                            <a:srgbClr val="000000"/>
-                          </a:solidFill>
-                          <a:latin typeface="굴림체"/>
-                          <a:ea typeface="굴림체"/>
-                        </a:rPr>
-                        <a:t>5 &lt;= 5</a:t>
-                      </a:r>
-                      <a:endParaRPr lang="en-US" sz="1400">
-                        <a:solidFill>
-                          <a:srgbClr val="000000"/>
-                        </a:solidFill>
-                        <a:latin typeface="바탕"/>
-                      </a:endParaRPr>
-                    </a:p>
-                  </a:txBody>
-                  <a:tcPr anchor="ctr">
-                    <a:lnL w="3556" cap="flat" cmpd="sng" algn="ctr">
-                      <a:solidFill>
-                        <a:srgbClr val="000000"/>
-                      </a:solidFill>
-                      <a:prstDash val="solid"/>
-                      <a:round/>
-                    </a:lnL>
-                    <a:lnR w="3556" cap="flat" cmpd="sng" algn="ctr">
-                      <a:solidFill>
-                        <a:srgbClr val="000000"/>
-                      </a:solidFill>
-                      <a:prstDash val="solid"/>
-                      <a:round/>
-                    </a:lnR>
-                    <a:lnT w="3556" cap="flat" cmpd="sng" algn="ctr">
-                      <a:solidFill>
-                        <a:srgbClr val="000000"/>
-                      </a:solidFill>
-                      <a:prstDash val="solid"/>
-                      <a:round/>
-                    </a:lnT>
-                    <a:lnB w="3556" cap="flat" cmpd="sng" algn="ctr">
-                      <a:solidFill>
-                        <a:srgbClr val="000000"/>
-                      </a:solidFill>
-                      <a:prstDash val="solid"/>
-                      <a:round/>
-                    </a:lnB>
-                  </a:tcPr>
-                </a:tc>
-                <a:tc>
-                  <a:txBody>
-                    <a:bodyPr/>
-                    <a:lstStyle/>
-                    <a:p>
-                      <a:pPr marL="0" algn="ctr">
-                        <a:lnSpc>
-                          <a:spcPct val="160000"/>
-                        </a:lnSpc>
-                        <a:spcBef>
-                          <a:spcPts val="0"/>
-                        </a:spcBef>
-                        <a:spcAft>
-                          <a:spcPts val="0"/>
-                        </a:spcAft>
-                        <a:defRPr lang="ko-KR" altLang="en-US"/>
-                      </a:pPr>
-                      <a:r>
-                        <a:rPr lang="en-US" sz="1400" b="1">
-                          <a:solidFill>
-                            <a:srgbClr val="000000"/>
-                          </a:solidFill>
-                          <a:latin typeface="굴림체"/>
-                          <a:ea typeface="굴림체"/>
-                        </a:rPr>
-                        <a:t>true</a:t>
-                      </a:r>
-                      <a:endParaRPr lang="en-US" sz="1400">
-                        <a:solidFill>
-                          <a:srgbClr val="000000"/>
-                        </a:solidFill>
-                        <a:latin typeface="바탕"/>
-                      </a:endParaRPr>
-                    </a:p>
-                  </a:txBody>
-                  <a:tcPr anchor="ctr">
-                    <a:lnL w="3556" cap="flat" cmpd="sng" algn="ctr">
-                      <a:solidFill>
-                        <a:srgbClr val="000000"/>
-                      </a:solidFill>
-                      <a:prstDash val="solid"/>
-                      <a:round/>
-                    </a:lnL>
-                    <a:lnR w="3556" cap="flat" cmpd="sng" algn="ctr">
-                      <a:solidFill>
-                        <a:srgbClr val="000000"/>
-                      </a:solidFill>
-                      <a:prstDash val="solid"/>
-                      <a:round/>
-                    </a:lnR>
-                    <a:lnT w="3556" cap="flat" cmpd="sng" algn="ctr">
-                      <a:solidFill>
-                        <a:srgbClr val="000000"/>
-                      </a:solidFill>
-                      <a:prstDash val="solid"/>
-                      <a:round/>
-                    </a:lnT>
-                    <a:lnB w="3556" cap="flat" cmpd="sng" algn="ctr">
-                      <a:solidFill>
-                        <a:srgbClr val="000000"/>
-                      </a:solidFill>
-                      <a:prstDash val="solid"/>
-                      <a:round/>
-                    </a:lnB>
-                  </a:tcPr>
-                </a:tc>
-                <a:tc>
-                  <a:txBody>
-                    <a:bodyPr/>
-                    <a:lstStyle/>
-                    <a:p>
-                      <a:pPr marL="0" algn="just">
-                        <a:lnSpc>
-                          <a:spcPct val="160000"/>
-                        </a:lnSpc>
-                        <a:spcBef>
-                          <a:spcPts val="0"/>
-                        </a:spcBef>
-                        <a:spcAft>
-                          <a:spcPts val="0"/>
-                        </a:spcAft>
-                        <a:defRPr lang="ko-KR" altLang="en-US"/>
-                      </a:pPr>
-                      <a:r>
-                        <a:rPr lang="en-US" sz="1400" b="1">
-                          <a:solidFill>
-                            <a:srgbClr val="000000"/>
-                          </a:solidFill>
-                          <a:latin typeface="굴림체"/>
-                          <a:ea typeface="굴림체"/>
-                        </a:rPr>
-                        <a:t>1 2 3 4 5</a:t>
-                      </a:r>
-                      <a:endParaRPr lang="en-US" sz="1400">
-                        <a:solidFill>
-                          <a:srgbClr val="000000"/>
-                        </a:solidFill>
-                        <a:latin typeface="바탕"/>
-                      </a:endParaRPr>
-                    </a:p>
-                  </a:txBody>
-                  <a:tcPr anchor="ctr">
-                    <a:lnL w="3556" cap="flat" cmpd="sng" algn="ctr">
-                      <a:solidFill>
-                        <a:srgbClr val="000000"/>
-                      </a:solidFill>
-                      <a:prstDash val="solid"/>
-                      <a:round/>
-                    </a:lnL>
-                    <a:lnR w="3556" cap="flat" cmpd="sng" algn="ctr">
-                      <a:solidFill>
-                        <a:srgbClr val="000000"/>
-                      </a:solidFill>
-                      <a:prstDash val="solid"/>
-                      <a:round/>
-                    </a:lnR>
-                    <a:lnT w="3556" cap="flat" cmpd="sng" algn="ctr">
-                      <a:solidFill>
-                        <a:srgbClr val="000000"/>
-                      </a:solidFill>
-                      <a:prstDash val="solid"/>
-                      <a:round/>
-                    </a:lnT>
-                    <a:lnB w="3556" cap="flat" cmpd="sng" algn="ctr">
-                      <a:solidFill>
-                        <a:srgbClr val="000000"/>
-                      </a:solidFill>
-                      <a:prstDash val="solid"/>
-                      <a:round/>
-                    </a:lnB>
-                  </a:tcPr>
-                </a:tc>
-                <a:extLst>
-                  <a:ext uri="{0D108BD9-81ED-4DB2-BD59-A6C34878D82A}">
-                    <a16:rowId xmlns:a16="http://schemas.microsoft.com/office/drawing/2014/main" val="10005"/>
-                  </a:ext>
-                </a:extLst>
-              </a:tr>
-              <a:tr h="838422">
-                <a:tc>
-                  <a:txBody>
-                    <a:bodyPr/>
-                    <a:lstStyle/>
-                    <a:p>
-                      <a:pPr marL="0" algn="ctr">
-                        <a:lnSpc>
-                          <a:spcPct val="160000"/>
-                        </a:lnSpc>
-                        <a:spcBef>
-                          <a:spcPts val="0"/>
-                        </a:spcBef>
-                        <a:spcAft>
-                          <a:spcPts val="0"/>
-                        </a:spcAft>
-                        <a:defRPr lang="ko-KR" altLang="en-US"/>
-                      </a:pPr>
-                      <a:endParaRPr lang="ko-KR" altLang="en-US" sz="1400">
-                        <a:solidFill>
-                          <a:srgbClr val="000000"/>
-                        </a:solidFill>
-                        <a:latin typeface="바탕"/>
-                      </a:endParaRPr>
-                    </a:p>
-                  </a:txBody>
-                  <a:tcPr anchor="ctr">
-                    <a:lnL w="3556" cap="flat" cmpd="sng" algn="ctr">
-                      <a:solidFill>
-                        <a:srgbClr val="000000"/>
-                      </a:solidFill>
-                      <a:prstDash val="solid"/>
-                      <a:round/>
-                    </a:lnL>
-                    <a:lnR w="3556" cap="flat" cmpd="sng" algn="ctr">
-                      <a:solidFill>
-                        <a:srgbClr val="000000"/>
-                      </a:solidFill>
-                      <a:prstDash val="solid"/>
-                      <a:round/>
-                    </a:lnR>
-                    <a:lnT w="3556" cap="flat" cmpd="sng" algn="ctr">
-                      <a:solidFill>
-                        <a:srgbClr val="000000"/>
-                      </a:solidFill>
-                      <a:prstDash val="solid"/>
-                      <a:round/>
-                    </a:lnT>
-                    <a:lnB w="3556" cap="flat" cmpd="sng" algn="ctr">
-                      <a:solidFill>
-                        <a:srgbClr val="000000"/>
-                      </a:solidFill>
-                      <a:prstDash val="solid"/>
-                      <a:round/>
-                    </a:lnB>
-                  </a:tcPr>
-                </a:tc>
-                <a:tc>
-                  <a:txBody>
-                    <a:bodyPr/>
-                    <a:lstStyle/>
-                    <a:p>
-                      <a:pPr marL="0" algn="ctr">
-                        <a:lnSpc>
-                          <a:spcPct val="160000"/>
-                        </a:lnSpc>
-                        <a:spcBef>
-                          <a:spcPts val="0"/>
-                        </a:spcBef>
-                        <a:spcAft>
-                          <a:spcPts val="0"/>
-                        </a:spcAft>
-                        <a:defRPr lang="ko-KR" altLang="en-US"/>
-                      </a:pPr>
-                      <a:r>
-                        <a:rPr lang="en-US" sz="1400" b="1">
-                          <a:solidFill>
-                            <a:srgbClr val="000000"/>
-                          </a:solidFill>
-                          <a:latin typeface="굴림체"/>
-                          <a:ea typeface="굴림체"/>
-                        </a:rPr>
-                        <a:t>6</a:t>
-                      </a:r>
-                      <a:endParaRPr lang="en-US" sz="1400">
-                        <a:solidFill>
-                          <a:srgbClr val="000000"/>
-                        </a:solidFill>
-                        <a:latin typeface="바탕"/>
-                      </a:endParaRPr>
-                    </a:p>
-                  </a:txBody>
-                  <a:tcPr anchor="ctr">
-                    <a:lnL w="3556" cap="flat" cmpd="sng" algn="ctr">
-                      <a:solidFill>
-                        <a:srgbClr val="000000"/>
-                      </a:solidFill>
-                      <a:prstDash val="solid"/>
-                      <a:round/>
-                    </a:lnL>
-                    <a:lnR w="3556" cap="flat" cmpd="sng" algn="ctr">
-                      <a:solidFill>
-                        <a:srgbClr val="000000"/>
-                      </a:solidFill>
-                      <a:prstDash val="solid"/>
-                      <a:round/>
-                    </a:lnR>
-                    <a:lnT w="3556" cap="flat" cmpd="sng" algn="ctr">
-                      <a:solidFill>
-                        <a:srgbClr val="000000"/>
-                      </a:solidFill>
-                      <a:prstDash val="solid"/>
-                      <a:round/>
-                    </a:lnT>
-                    <a:lnB w="3556" cap="flat" cmpd="sng" algn="ctr">
-                      <a:solidFill>
-                        <a:srgbClr val="000000"/>
-                      </a:solidFill>
-                      <a:prstDash val="solid"/>
-                      <a:round/>
-                    </a:lnB>
-                  </a:tcPr>
-                </a:tc>
-                <a:tc>
-                  <a:txBody>
-                    <a:bodyPr/>
-                    <a:lstStyle/>
-                    <a:p>
-                      <a:pPr marL="0" algn="ctr">
-                        <a:lnSpc>
-                          <a:spcPct val="160000"/>
-                        </a:lnSpc>
-                        <a:spcBef>
-                          <a:spcPts val="0"/>
-                        </a:spcBef>
-                        <a:spcAft>
-                          <a:spcPts val="0"/>
-                        </a:spcAft>
-                        <a:defRPr lang="ko-KR" altLang="en-US"/>
-                      </a:pPr>
-                      <a:r>
-                        <a:rPr lang="en-US" sz="1400" b="1">
-                          <a:solidFill>
-                            <a:srgbClr val="000000"/>
-                          </a:solidFill>
-                          <a:latin typeface="굴림체"/>
-                          <a:ea typeface="굴림체"/>
-                        </a:rPr>
-                        <a:t>6 &lt;= 5</a:t>
-                      </a:r>
-                      <a:endParaRPr lang="en-US" sz="1400">
-                        <a:solidFill>
-                          <a:srgbClr val="000000"/>
-                        </a:solidFill>
-                        <a:latin typeface="바탕"/>
-                      </a:endParaRPr>
-                    </a:p>
-                  </a:txBody>
-                  <a:tcPr anchor="ctr">
-                    <a:lnL w="3556" cap="flat" cmpd="sng" algn="ctr">
-                      <a:solidFill>
-                        <a:srgbClr val="000000"/>
-                      </a:solidFill>
-                      <a:prstDash val="solid"/>
-                      <a:round/>
-                    </a:lnL>
-                    <a:lnR w="3556" cap="flat" cmpd="sng" algn="ctr">
-                      <a:solidFill>
-                        <a:srgbClr val="000000"/>
-                      </a:solidFill>
-                      <a:prstDash val="solid"/>
-                      <a:round/>
-                    </a:lnR>
-                    <a:lnT w="3556" cap="flat" cmpd="sng" algn="ctr">
-                      <a:solidFill>
-                        <a:srgbClr val="000000"/>
-                      </a:solidFill>
-                      <a:prstDash val="solid"/>
-                      <a:round/>
-                    </a:lnT>
-                    <a:lnB w="3556" cap="flat" cmpd="sng" algn="ctr">
-                      <a:solidFill>
-                        <a:srgbClr val="000000"/>
-                      </a:solidFill>
-                      <a:prstDash val="solid"/>
-                      <a:round/>
-                    </a:lnB>
-                  </a:tcPr>
-                </a:tc>
-                <a:tc gridSpan="2">
-                  <a:txBody>
-                    <a:bodyPr/>
-                    <a:lstStyle/>
-                    <a:p>
-                      <a:pPr marL="0" algn="l">
-                        <a:lnSpc>
-                          <a:spcPct val="160000"/>
-                        </a:lnSpc>
-                        <a:spcBef>
-                          <a:spcPts val="0"/>
-                        </a:spcBef>
-                        <a:spcAft>
-                          <a:spcPts val="0"/>
-                        </a:spcAft>
-                        <a:defRPr lang="ko-KR" altLang="en-US"/>
-                      </a:pPr>
-                      <a:r>
-                        <a:rPr lang="en-US" altLang="ko-KR" sz="1400" b="1">
-                          <a:solidFill>
-                            <a:srgbClr val="FF0000"/>
-                          </a:solidFill>
-                          <a:latin typeface="HY견고딕"/>
-                          <a:ea typeface="HY견고딕"/>
-                        </a:rPr>
-                        <a:t>false</a:t>
-                      </a:r>
-                    </a:p>
-                    <a:p>
-                      <a:pPr marL="0" algn="just">
-                        <a:lnSpc>
-                          <a:spcPct val="160000"/>
-                        </a:lnSpc>
-                        <a:spcBef>
-                          <a:spcPts val="0"/>
-                        </a:spcBef>
-                        <a:spcAft>
-                          <a:spcPts val="0"/>
-                        </a:spcAft>
-                        <a:defRPr lang="ko-KR" altLang="en-US"/>
-                      </a:pPr>
-                      <a:r>
-                        <a:rPr lang="en-US" altLang="ko-KR" sz="1400" b="1">
-                          <a:solidFill>
-                            <a:srgbClr val="000000"/>
-                          </a:solidFill>
-                          <a:latin typeface="굴림체"/>
-                          <a:ea typeface="굴림체"/>
-                        </a:rPr>
-                        <a:t>(</a:t>
-                      </a:r>
-                      <a:r>
-                        <a:rPr lang="en-US" altLang="ko-KR" sz="1400" b="1" u="sng">
-                          <a:solidFill>
-                            <a:srgbClr val="000000"/>
-                          </a:solidFill>
-                          <a:uFill>
-                            <a:solidFill>
-                              <a:srgbClr val="000000"/>
-                            </a:solidFill>
-                          </a:uFill>
-                          <a:latin typeface="굴림체"/>
-                          <a:ea typeface="굴림체"/>
-                        </a:rPr>
-                        <a:t>for</a:t>
-                      </a:r>
-                      <a:r>
-                        <a:rPr lang="ko-KR" altLang="en-US" sz="1400" b="1" u="sng">
-                          <a:solidFill>
-                            <a:srgbClr val="000000"/>
-                          </a:solidFill>
-                          <a:uFill>
-                            <a:solidFill>
-                              <a:srgbClr val="000000"/>
-                            </a:solidFill>
-                          </a:uFill>
-                          <a:latin typeface="굴림체"/>
-                          <a:ea typeface="굴림체"/>
-                        </a:rPr>
-                        <a:t>문을 빠져나와 다음 문장을 수행</a:t>
-                      </a:r>
-                      <a:r>
-                        <a:rPr lang="en-US" altLang="ko-KR" sz="1400" b="1">
-                          <a:solidFill>
-                            <a:srgbClr val="000000"/>
-                          </a:solidFill>
-                          <a:latin typeface="굴림체"/>
-                          <a:ea typeface="굴림체"/>
-                        </a:rPr>
-                        <a:t>)</a:t>
-                      </a:r>
-                      <a:endParaRPr lang="ko-KR" altLang="en-US" sz="1400">
-                        <a:solidFill>
-                          <a:srgbClr val="000000"/>
-                        </a:solidFill>
-                        <a:latin typeface="바탕"/>
-                      </a:endParaRPr>
-                    </a:p>
-                  </a:txBody>
-                  <a:tcPr anchor="ctr">
-                    <a:lnL w="3556" cap="flat" cmpd="sng" algn="ctr">
-                      <a:solidFill>
-                        <a:srgbClr val="000000"/>
-                      </a:solidFill>
-                      <a:prstDash val="solid"/>
-                      <a:round/>
-                    </a:lnL>
-                    <a:lnR w="3556" cap="flat" cmpd="sng" algn="ctr">
-                      <a:solidFill>
-                        <a:srgbClr val="000000"/>
-                      </a:solidFill>
-                      <a:prstDash val="solid"/>
-                      <a:round/>
-                    </a:lnR>
-                    <a:lnT w="3556" cap="flat" cmpd="sng" algn="ctr">
-                      <a:solidFill>
-                        <a:srgbClr val="000000"/>
-                      </a:solidFill>
-                      <a:prstDash val="solid"/>
-                      <a:round/>
-                    </a:lnT>
-                    <a:lnB w="3556" cap="flat" cmpd="sng" algn="ctr">
-                      <a:solidFill>
-                        <a:srgbClr val="000000"/>
-                      </a:solidFill>
-                      <a:prstDash val="solid"/>
-                      <a:round/>
-                    </a:lnB>
-                  </a:tcPr>
-                </a:tc>
-                <a:tc hMerge="1">
-                  <a:txBody>
-                    <a:bodyPr/>
-                    <a:lstStyle/>
-                    <a:p>
-                      <a:pPr latinLnBrk="1">
-                        <a:defRPr lang="ko-KR" altLang="en-US"/>
-                      </a:pPr>
-                      <a:endParaRPr lang="ko-KR" altLang="en-US"/>
-                    </a:p>
-                  </a:txBody>
-                  <a:tcPr/>
-                </a:tc>
-                <a:extLst>
-                  <a:ext uri="{0D108BD9-81ED-4DB2-BD59-A6C34878D82A}">
-                    <a16:rowId xmlns:a16="http://schemas.microsoft.com/office/drawing/2014/main" val="10006"/>
-                  </a:ext>
-                </a:extLst>
-              </a:tr>
-            </a:tbl>
-          </a:graphicData>
-        </a:graphic>
-      </p:graphicFrame>
-      <p:sp>
-        <p:nvSpPr>
-          <p:cNvPr id="32769" name="Rectangle 1"/>
-          <p:cNvSpPr>
-            <a:spLocks noChangeArrowheads="1"/>
-          </p:cNvSpPr>
-          <p:nvPr/>
-        </p:nvSpPr>
-        <p:spPr>
-          <a:xfrm>
-            <a:off x="0" y="0"/>
-            <a:ext cx="9144000" cy="457200"/>
-          </a:xfrm>
-          <a:prstGeom prst="rect">
-            <a:avLst/>
-          </a:prstGeom>
-          <a:noFill/>
-          <a:ln w="9525">
-            <a:noFill/>
-            <a:miter/>
-          </a:ln>
-          <a:effectLst/>
-        </p:spPr>
-        <p:txBody>
-          <a:bodyPr vert="horz" wrap="none" lIns="91440" tIns="45720" rIns="91440" bIns="45720" anchor="ctr" anchorCtr="0">
-            <a:prstTxWarp prst="textNoShape">
-              <a:avLst/>
-            </a:prstTxWarp>
-            <a:spAutoFit/>
-          </a:bodyPr>
-          <a:lstStyle/>
-          <a:p>
-            <a:pPr marL="0" lvl="0" indent="0" algn="l" defTabSz="900000" rtl="0" eaLnBrk="1" latinLnBrk="1" hangingPunct="1">
-              <a:lnSpc>
-                <a:spcPct val="100000"/>
-              </a:lnSpc>
-              <a:spcBef>
-                <a:spcPct val="0"/>
-              </a:spcBef>
-              <a:spcAft>
-                <a:spcPct val="0"/>
-              </a:spcAft>
-              <a:buClrTx/>
-              <a:buFontTx/>
-              <a:buNone/>
-              <a:defRPr lang="ko-KR" altLang="en-US"/>
-            </a:pPr>
-            <a:endParaRPr kumimoji="1" lang="ko-KR" altLang="ko-KR" sz="1800" b="0" i="0" u="none" strike="noStrike" cap="none" normalizeH="0">
-              <a:solidFill>
-                <a:schemeClr val="tx1"/>
-              </a:solidFill>
-              <a:effectLst/>
-              <a:latin typeface="굴림"/>
-              <a:ea typeface="굴림"/>
-              <a:cs typeface="굴림"/>
             </a:endParaRPr>
           </a:p>
         </p:txBody>
